--- a/report_write_skill/basic_template.pptx
+++ b/report_write_skill/basic_template.pptx
@@ -4,6 +4,9 @@
   <p:sldMasterIdLst>
     <p:sldMasterId id="2147483660" r:id="rId1"/>
   </p:sldMasterIdLst>
+  <p:notesMasterIdLst>
+    <p:notesMasterId r:id="rId10"/>
+  </p:notesMasterIdLst>
   <p:sldIdLst>
     <p:sldId id="259" r:id="rId2"/>
     <p:sldId id="257" r:id="rId3"/>
@@ -146,6 +149,356 @@
 </p:presentation>
 </file>
 
+<file path=ppt/notesMasters/notesMaster1.xml><?xml version="1.0" encoding="utf-8"?>
+<p:notesMaster xmlns:a="http://schemas.openxmlformats.org/drawingml/2006/main" xmlns:r="http://schemas.openxmlformats.org/officeDocument/2006/relationships" xmlns:p="http://schemas.openxmlformats.org/presentationml/2006/main">
+  <p:cSld>
+    <p:bg>
+      <p:bgRef idx="1001">
+        <a:schemeClr val="bg1"/>
+      </p:bgRef>
+    </p:bg>
+    <p:spTree>
+      <p:nvGrpSpPr>
+        <p:cNvPr id="1" name=""/>
+        <p:cNvGrpSpPr/>
+        <p:nvPr/>
+      </p:nvGrpSpPr>
+      <p:grpSpPr>
+        <a:xfrm>
+          <a:off x="0" y="0"/>
+          <a:ext cx="0" cy="0"/>
+          <a:chOff x="0" y="0"/>
+          <a:chExt cx="0" cy="0"/>
+        </a:xfrm>
+      </p:grpSpPr>
+      <p:sp>
+        <p:nvSpPr>
+          <p:cNvPr id="2" name="머리글 개체 틀 1"/>
+          <p:cNvSpPr>
+            <a:spLocks noGrp="1"/>
+          </p:cNvSpPr>
+          <p:nvPr>
+            <p:ph type="hdr" sz="quarter"/>
+          </p:nvPr>
+        </p:nvSpPr>
+        <p:spPr>
+          <a:xfrm>
+            <a:off x="0" y="0"/>
+            <a:ext cx="2971800" cy="458788"/>
+          </a:xfrm>
+          <a:prstGeom prst="rect">
+            <a:avLst/>
+          </a:prstGeom>
+        </p:spPr>
+        <p:txBody>
+          <a:bodyPr vert="horz" lIns="91440" tIns="45720" rIns="91440" bIns="45720" rtlCol="0"/>
+          <a:lstStyle>
+            <a:lvl1pPr algn="l">
+              <a:defRPr sz="1200"/>
+            </a:lvl1pPr>
+          </a:lstStyle>
+          <a:p>
+            <a:endParaRPr lang="ko-KR" altLang="en-US"/>
+          </a:p>
+        </p:txBody>
+      </p:sp>
+      <p:sp>
+        <p:nvSpPr>
+          <p:cNvPr id="3" name="날짜 개체 틀 2"/>
+          <p:cNvSpPr>
+            <a:spLocks noGrp="1"/>
+          </p:cNvSpPr>
+          <p:nvPr>
+            <p:ph type="dt" idx="1"/>
+          </p:nvPr>
+        </p:nvSpPr>
+        <p:spPr>
+          <a:xfrm>
+            <a:off x="3884613" y="0"/>
+            <a:ext cx="2971800" cy="458788"/>
+          </a:xfrm>
+          <a:prstGeom prst="rect">
+            <a:avLst/>
+          </a:prstGeom>
+        </p:spPr>
+        <p:txBody>
+          <a:bodyPr vert="horz" lIns="91440" tIns="45720" rIns="91440" bIns="45720" rtlCol="0"/>
+          <a:lstStyle>
+            <a:lvl1pPr algn="r">
+              <a:defRPr sz="1200"/>
+            </a:lvl1pPr>
+          </a:lstStyle>
+          <a:p>
+            <a:fld id="{7A937345-A929-47E3-AA9C-2DD83B0E3026}" type="datetimeFigureOut">
+              <a:rPr lang="ko-KR" altLang="en-US" smtClean="0"/>
+              <a:t>2020-09-10</a:t>
+            </a:fld>
+            <a:endParaRPr lang="ko-KR" altLang="en-US"/>
+          </a:p>
+        </p:txBody>
+      </p:sp>
+      <p:sp>
+        <p:nvSpPr>
+          <p:cNvPr id="4" name="슬라이드 이미지 개체 틀 3"/>
+          <p:cNvSpPr>
+            <a:spLocks noGrp="1" noRot="1" noChangeAspect="1"/>
+          </p:cNvSpPr>
+          <p:nvPr>
+            <p:ph type="sldImg" idx="2"/>
+          </p:nvPr>
+        </p:nvSpPr>
+        <p:spPr>
+          <a:xfrm>
+            <a:off x="1200150" y="1143000"/>
+            <a:ext cx="4457700" cy="3086100"/>
+          </a:xfrm>
+          <a:prstGeom prst="rect">
+            <a:avLst/>
+          </a:prstGeom>
+          <a:noFill/>
+          <a:ln w="12700">
+            <a:solidFill>
+              <a:prstClr val="black"/>
+            </a:solidFill>
+          </a:ln>
+        </p:spPr>
+        <p:txBody>
+          <a:bodyPr vert="horz" lIns="91440" tIns="45720" rIns="91440" bIns="45720" rtlCol="0" anchor="ctr"/>
+          <a:lstStyle/>
+          <a:p>
+            <a:endParaRPr lang="ko-KR" altLang="en-US"/>
+          </a:p>
+        </p:txBody>
+      </p:sp>
+      <p:sp>
+        <p:nvSpPr>
+          <p:cNvPr id="5" name="슬라이드 노트 개체 틀 4"/>
+          <p:cNvSpPr>
+            <a:spLocks noGrp="1"/>
+          </p:cNvSpPr>
+          <p:nvPr>
+            <p:ph type="body" sz="quarter" idx="3"/>
+          </p:nvPr>
+        </p:nvSpPr>
+        <p:spPr>
+          <a:xfrm>
+            <a:off x="685800" y="4400550"/>
+            <a:ext cx="5486400" cy="3600450"/>
+          </a:xfrm>
+          <a:prstGeom prst="rect">
+            <a:avLst/>
+          </a:prstGeom>
+        </p:spPr>
+        <p:txBody>
+          <a:bodyPr vert="horz" lIns="91440" tIns="45720" rIns="91440" bIns="45720" rtlCol="0"/>
+          <a:lstStyle/>
+          <a:p>
+            <a:pPr lvl="0"/>
+            <a:r>
+              <a:rPr lang="ko-KR" altLang="en-US" smtClean="0"/>
+              <a:t>마스터 텍스트 스타일 편집</a:t>
+            </a:r>
+          </a:p>
+          <a:p>
+            <a:pPr lvl="1"/>
+            <a:r>
+              <a:rPr lang="ko-KR" altLang="en-US" smtClean="0"/>
+              <a:t>둘째 수준</a:t>
+            </a:r>
+          </a:p>
+          <a:p>
+            <a:pPr lvl="2"/>
+            <a:r>
+              <a:rPr lang="ko-KR" altLang="en-US" smtClean="0"/>
+              <a:t>셋째 수준</a:t>
+            </a:r>
+          </a:p>
+          <a:p>
+            <a:pPr lvl="3"/>
+            <a:r>
+              <a:rPr lang="ko-KR" altLang="en-US" smtClean="0"/>
+              <a:t>넷째 수준</a:t>
+            </a:r>
+          </a:p>
+          <a:p>
+            <a:pPr lvl="4"/>
+            <a:r>
+              <a:rPr lang="ko-KR" altLang="en-US" smtClean="0"/>
+              <a:t>다섯째 수준</a:t>
+            </a:r>
+            <a:endParaRPr lang="ko-KR" altLang="en-US"/>
+          </a:p>
+        </p:txBody>
+      </p:sp>
+      <p:sp>
+        <p:nvSpPr>
+          <p:cNvPr id="6" name="바닥글 개체 틀 5"/>
+          <p:cNvSpPr>
+            <a:spLocks noGrp="1"/>
+          </p:cNvSpPr>
+          <p:nvPr>
+            <p:ph type="ftr" sz="quarter" idx="4"/>
+          </p:nvPr>
+        </p:nvSpPr>
+        <p:spPr>
+          <a:xfrm>
+            <a:off x="0" y="8685213"/>
+            <a:ext cx="2971800" cy="458787"/>
+          </a:xfrm>
+          <a:prstGeom prst="rect">
+            <a:avLst/>
+          </a:prstGeom>
+        </p:spPr>
+        <p:txBody>
+          <a:bodyPr vert="horz" lIns="91440" tIns="45720" rIns="91440" bIns="45720" rtlCol="0" anchor="b"/>
+          <a:lstStyle>
+            <a:lvl1pPr algn="l">
+              <a:defRPr sz="1200"/>
+            </a:lvl1pPr>
+          </a:lstStyle>
+          <a:p>
+            <a:endParaRPr lang="ko-KR" altLang="en-US"/>
+          </a:p>
+        </p:txBody>
+      </p:sp>
+      <p:sp>
+        <p:nvSpPr>
+          <p:cNvPr id="7" name="슬라이드 번호 개체 틀 6"/>
+          <p:cNvSpPr>
+            <a:spLocks noGrp="1"/>
+          </p:cNvSpPr>
+          <p:nvPr>
+            <p:ph type="sldNum" sz="quarter" idx="5"/>
+          </p:nvPr>
+        </p:nvSpPr>
+        <p:spPr>
+          <a:xfrm>
+            <a:off x="3884613" y="8685213"/>
+            <a:ext cx="2971800" cy="458787"/>
+          </a:xfrm>
+          <a:prstGeom prst="rect">
+            <a:avLst/>
+          </a:prstGeom>
+        </p:spPr>
+        <p:txBody>
+          <a:bodyPr vert="horz" lIns="91440" tIns="45720" rIns="91440" bIns="45720" rtlCol="0" anchor="b"/>
+          <a:lstStyle>
+            <a:lvl1pPr algn="r">
+              <a:defRPr sz="1200"/>
+            </a:lvl1pPr>
+          </a:lstStyle>
+          <a:p>
+            <a:fld id="{AAA6942D-25AB-4ACA-B3A7-971BDC4C0087}" type="slidenum">
+              <a:rPr lang="ko-KR" altLang="en-US" smtClean="0"/>
+              <a:t>‹#›</a:t>
+            </a:fld>
+            <a:endParaRPr lang="ko-KR" altLang="en-US"/>
+          </a:p>
+        </p:txBody>
+      </p:sp>
+    </p:spTree>
+    <p:extLst>
+      <p:ext uri="{BB962C8B-B14F-4D97-AF65-F5344CB8AC3E}">
+        <p14:creationId xmlns:p14="http://schemas.microsoft.com/office/powerpoint/2010/main" val="380078885"/>
+      </p:ext>
+    </p:extLst>
+  </p:cSld>
+  <p:clrMap bg1="lt1" tx1="dk1" bg2="lt2" tx2="dk2" accent1="accent1" accent2="accent2" accent3="accent3" accent4="accent4" accent5="accent5" accent6="accent6" hlink="hlink" folHlink="folHlink"/>
+  <p:notesStyle>
+    <a:lvl1pPr marL="0" algn="l" defTabSz="914400" rtl="0" eaLnBrk="1" latinLnBrk="1" hangingPunct="1">
+      <a:defRPr sz="1200" kern="1200">
+        <a:solidFill>
+          <a:schemeClr val="tx1"/>
+        </a:solidFill>
+        <a:latin typeface="+mn-lt"/>
+        <a:ea typeface="+mn-ea"/>
+        <a:cs typeface="+mn-cs"/>
+      </a:defRPr>
+    </a:lvl1pPr>
+    <a:lvl2pPr marL="457200" algn="l" defTabSz="914400" rtl="0" eaLnBrk="1" latinLnBrk="1" hangingPunct="1">
+      <a:defRPr sz="1200" kern="1200">
+        <a:solidFill>
+          <a:schemeClr val="tx1"/>
+        </a:solidFill>
+        <a:latin typeface="+mn-lt"/>
+        <a:ea typeface="+mn-ea"/>
+        <a:cs typeface="+mn-cs"/>
+      </a:defRPr>
+    </a:lvl2pPr>
+    <a:lvl3pPr marL="914400" algn="l" defTabSz="914400" rtl="0" eaLnBrk="1" latinLnBrk="1" hangingPunct="1">
+      <a:defRPr sz="1200" kern="1200">
+        <a:solidFill>
+          <a:schemeClr val="tx1"/>
+        </a:solidFill>
+        <a:latin typeface="+mn-lt"/>
+        <a:ea typeface="+mn-ea"/>
+        <a:cs typeface="+mn-cs"/>
+      </a:defRPr>
+    </a:lvl3pPr>
+    <a:lvl4pPr marL="1371600" algn="l" defTabSz="914400" rtl="0" eaLnBrk="1" latinLnBrk="1" hangingPunct="1">
+      <a:defRPr sz="1200" kern="1200">
+        <a:solidFill>
+          <a:schemeClr val="tx1"/>
+        </a:solidFill>
+        <a:latin typeface="+mn-lt"/>
+        <a:ea typeface="+mn-ea"/>
+        <a:cs typeface="+mn-cs"/>
+      </a:defRPr>
+    </a:lvl4pPr>
+    <a:lvl5pPr marL="1828800" algn="l" defTabSz="914400" rtl="0" eaLnBrk="1" latinLnBrk="1" hangingPunct="1">
+      <a:defRPr sz="1200" kern="1200">
+        <a:solidFill>
+          <a:schemeClr val="tx1"/>
+        </a:solidFill>
+        <a:latin typeface="+mn-lt"/>
+        <a:ea typeface="+mn-ea"/>
+        <a:cs typeface="+mn-cs"/>
+      </a:defRPr>
+    </a:lvl5pPr>
+    <a:lvl6pPr marL="2286000" algn="l" defTabSz="914400" rtl="0" eaLnBrk="1" latinLnBrk="1" hangingPunct="1">
+      <a:defRPr sz="1200" kern="1200">
+        <a:solidFill>
+          <a:schemeClr val="tx1"/>
+        </a:solidFill>
+        <a:latin typeface="+mn-lt"/>
+        <a:ea typeface="+mn-ea"/>
+        <a:cs typeface="+mn-cs"/>
+      </a:defRPr>
+    </a:lvl6pPr>
+    <a:lvl7pPr marL="2743200" algn="l" defTabSz="914400" rtl="0" eaLnBrk="1" latinLnBrk="1" hangingPunct="1">
+      <a:defRPr sz="1200" kern="1200">
+        <a:solidFill>
+          <a:schemeClr val="tx1"/>
+        </a:solidFill>
+        <a:latin typeface="+mn-lt"/>
+        <a:ea typeface="+mn-ea"/>
+        <a:cs typeface="+mn-cs"/>
+      </a:defRPr>
+    </a:lvl7pPr>
+    <a:lvl8pPr marL="3200400" algn="l" defTabSz="914400" rtl="0" eaLnBrk="1" latinLnBrk="1" hangingPunct="1">
+      <a:defRPr sz="1200" kern="1200">
+        <a:solidFill>
+          <a:schemeClr val="tx1"/>
+        </a:solidFill>
+        <a:latin typeface="+mn-lt"/>
+        <a:ea typeface="+mn-ea"/>
+        <a:cs typeface="+mn-cs"/>
+      </a:defRPr>
+    </a:lvl8pPr>
+    <a:lvl9pPr marL="3657600" algn="l" defTabSz="914400" rtl="0" eaLnBrk="1" latinLnBrk="1" hangingPunct="1">
+      <a:defRPr sz="1200" kern="1200">
+        <a:solidFill>
+          <a:schemeClr val="tx1"/>
+        </a:solidFill>
+        <a:latin typeface="+mn-lt"/>
+        <a:ea typeface="+mn-ea"/>
+        <a:cs typeface="+mn-cs"/>
+      </a:defRPr>
+    </a:lvl9pPr>
+  </p:notesStyle>
+</p:notesMaster>
+</file>
+
 <file path=ppt/slideLayouts/slideLayout1.xml><?xml version="1.0" encoding="utf-8"?>
 <p:sldLayout xmlns:a="http://schemas.openxmlformats.org/drawingml/2006/main" xmlns:r="http://schemas.openxmlformats.org/officeDocument/2006/relationships" xmlns:p="http://schemas.openxmlformats.org/presentationml/2006/main" preserve="1" userDrawn="1">
   <p:cSld name="표지 및 간지">
@@ -288,7 +641,7 @@
           <a:bodyPr/>
           <a:lstStyle/>
           <a:p>
-            <a:fld id="{0A920F22-5293-4BB1-A4A4-135C14FD1D7F}" type="datetimeFigureOut">
+            <a:fld id="{A51B478A-7C27-4A51-922B-A2D72932EF15}" type="datetime1">
               <a:rPr lang="ko-KR" altLang="en-US" smtClean="0"/>
               <a:t>2020-09-10</a:t>
             </a:fld>
@@ -311,6 +664,10 @@
           <a:bodyPr/>
           <a:lstStyle/>
           <a:p>
+            <a:r>
+              <a:rPr lang="en-US" altLang="ko-KR" smtClean="0"/>
+              <a:t>copyright@jinyoung</a:t>
+            </a:r>
             <a:endParaRPr lang="ko-KR" altLang="en-US"/>
           </a:p>
         </p:txBody>
@@ -334,7 +691,7 @@
               <a:rPr lang="ko-KR" altLang="en-US" smtClean="0"/>
               <a:t>‹#›</a:t>
             </a:fld>
-            <a:endParaRPr lang="ko-KR" altLang="en-US"/>
+            <a:endParaRPr lang="ko-KR" altLang="en-US" dirty="0"/>
           </a:p>
         </p:txBody>
       </p:sp>
@@ -400,6 +757,120 @@
           </a:fontRef>
         </p:style>
       </p:cxnSp>
+      <p:pic>
+        <p:nvPicPr>
+          <p:cNvPr id="9" name="그림 8"/>
+          <p:cNvPicPr>
+            <a:picLocks noChangeAspect="1"/>
+          </p:cNvPicPr>
+          <p:nvPr userDrawn="1"/>
+        </p:nvPicPr>
+        <p:blipFill>
+          <a:blip r:embed="rId2"/>
+          <a:stretch>
+            <a:fillRect/>
+          </a:stretch>
+        </p:blipFill>
+        <p:spPr>
+          <a:xfrm>
+            <a:off x="9363000" y="112034"/>
+            <a:ext cx="376412" cy="405000"/>
+          </a:xfrm>
+          <a:prstGeom prst="rect">
+            <a:avLst/>
+          </a:prstGeom>
+        </p:spPr>
+      </p:pic>
+      <p:sp>
+        <p:nvSpPr>
+          <p:cNvPr id="7" name="TextBox 6"/>
+          <p:cNvSpPr txBox="1"/>
+          <p:nvPr userDrawn="1"/>
+        </p:nvSpPr>
+        <p:spPr>
+          <a:xfrm>
+            <a:off x="93000" y="6490884"/>
+            <a:ext cx="9646412" cy="400110"/>
+          </a:xfrm>
+          <a:prstGeom prst="rect">
+            <a:avLst/>
+          </a:prstGeom>
+          <a:noFill/>
+        </p:spPr>
+        <p:txBody>
+          <a:bodyPr wrap="square" rtlCol="0">
+            <a:spAutoFit/>
+          </a:bodyPr>
+          <a:lstStyle/>
+          <a:p>
+            <a:pPr marL="0" marR="0" indent="0" algn="l" defTabSz="914400" rtl="0" eaLnBrk="1" fontAlgn="auto" latinLnBrk="1" hangingPunct="1">
+              <a:lnSpc>
+                <a:spcPct val="100000"/>
+              </a:lnSpc>
+              <a:spcBef>
+                <a:spcPts val="0"/>
+              </a:spcBef>
+              <a:spcAft>
+                <a:spcPts val="0"/>
+              </a:spcAft>
+              <a:buClrTx/>
+              <a:buSzTx/>
+              <a:buFontTx/>
+              <a:buNone/>
+              <a:tabLst/>
+              <a:defRPr/>
+            </a:pPr>
+            <a:r>
+              <a:rPr lang="en-US" altLang="ko-KR" sz="1000" i="1" dirty="0" err="1" smtClean="0">
+                <a:latin typeface="HY견고딕" panose="02030600000101010101" pitchFamily="18" charset="-127"/>
+                <a:ea typeface="HY견고딕" panose="02030600000101010101" pitchFamily="18" charset="-127"/>
+              </a:rPr>
+              <a:t>copyright@jinyoung</a:t>
+            </a:r>
+            <a:r>
+              <a:rPr lang="en-US" altLang="ko-KR" sz="1000" i="1" dirty="0" smtClean="0">
+                <a:latin typeface="HY견고딕" panose="02030600000101010101" pitchFamily="18" charset="-127"/>
+                <a:ea typeface="HY견고딕" panose="02030600000101010101" pitchFamily="18" charset="-127"/>
+              </a:rPr>
+              <a:t>                                                                                                                                                                                      </a:t>
+            </a:r>
+            <a:fld id="{CFB3D50F-62A2-4325-A354-7AE64F508837}" type="slidenum">
+              <a:rPr lang="ko-KR" altLang="en-US" sz="1000" smtClean="0">
+                <a:latin typeface="HY견고딕" panose="02030600000101010101" pitchFamily="18" charset="-127"/>
+                <a:ea typeface="HY견고딕" panose="02030600000101010101" pitchFamily="18" charset="-127"/>
+              </a:rPr>
+              <a:pPr marL="0" marR="0" indent="0" algn="l" defTabSz="914400" rtl="0" eaLnBrk="1" fontAlgn="auto" latinLnBrk="1" hangingPunct="1">
+                <a:lnSpc>
+                  <a:spcPct val="100000"/>
+                </a:lnSpc>
+                <a:spcBef>
+                  <a:spcPts val="0"/>
+                </a:spcBef>
+                <a:spcAft>
+                  <a:spcPts val="0"/>
+                </a:spcAft>
+                <a:buClrTx/>
+                <a:buSzTx/>
+                <a:buFontTx/>
+                <a:buNone/>
+                <a:tabLst/>
+                <a:defRPr/>
+              </a:pPr>
+              <a:t>‹#›</a:t>
+            </a:fld>
+            <a:endParaRPr lang="ko-KR" altLang="en-US" sz="1000" dirty="0" smtClean="0">
+              <a:latin typeface="HY견고딕" panose="02030600000101010101" pitchFamily="18" charset="-127"/>
+              <a:ea typeface="HY견고딕" panose="02030600000101010101" pitchFamily="18" charset="-127"/>
+            </a:endParaRPr>
+          </a:p>
+          <a:p>
+            <a:endParaRPr lang="ko-KR" altLang="en-US" sz="1000" i="1" dirty="0">
+              <a:latin typeface="HY견고딕" panose="02030600000101010101" pitchFamily="18" charset="-127"/>
+              <a:ea typeface="HY견고딕" panose="02030600000101010101" pitchFamily="18" charset="-127"/>
+            </a:endParaRPr>
+          </a:p>
+        </p:txBody>
+      </p:sp>
     </p:spTree>
     <p:extLst>
       <p:ext uri="{BB962C8B-B14F-4D97-AF65-F5344CB8AC3E}">
@@ -570,7 +1041,7 @@
             </a:lvl1pPr>
           </a:lstStyle>
           <a:p>
-            <a:fld id="{0A920F22-5293-4BB1-A4A4-135C14FD1D7F}" type="datetimeFigureOut">
+            <a:fld id="{7023700B-13B8-4C15-BB37-AC39ED655A26}" type="datetime1">
               <a:rPr lang="ko-KR" altLang="en-US" smtClean="0"/>
               <a:t>2020-09-10</a:t>
             </a:fld>
@@ -611,6 +1082,10 @@
             </a:lvl1pPr>
           </a:lstStyle>
           <a:p>
+            <a:r>
+              <a:rPr lang="en-US" altLang="ko-KR" smtClean="0"/>
+              <a:t>copyright@jinyoung</a:t>
+            </a:r>
             <a:endParaRPr lang="ko-KR" altLang="en-US"/>
           </a:p>
         </p:txBody>
@@ -668,6 +1143,7 @@
     <p:sldLayoutId id="2147483661" r:id="rId1"/>
     <p:sldLayoutId id="2147483662" r:id="rId2"/>
   </p:sldLayoutIdLst>
+  <p:hf sldNum="0" hdr="0" ftr="0" dt="0"/>
   <p:txStyles>
     <p:titleStyle>
       <a:lvl1pPr algn="l" defTabSz="914400" rtl="0" eaLnBrk="1" latinLnBrk="1" hangingPunct="1">
@@ -968,124 +1444,6 @@
           <a:chExt cx="0" cy="0"/>
         </a:xfrm>
       </p:grpSpPr>
-      <p:sp>
-        <p:nvSpPr>
-          <p:cNvPr id="2" name="제목 1"/>
-          <p:cNvSpPr>
-            <a:spLocks noGrp="1"/>
-          </p:cNvSpPr>
-          <p:nvPr>
-            <p:ph type="title"/>
-          </p:nvPr>
-        </p:nvSpPr>
-        <p:spPr/>
-        <p:txBody>
-          <a:bodyPr/>
-          <a:lstStyle/>
-          <a:p>
-            <a:endParaRPr lang="ko-KR" altLang="en-US" dirty="0"/>
-          </a:p>
-        </p:txBody>
-      </p:sp>
-      <p:sp>
-        <p:nvSpPr>
-          <p:cNvPr id="3" name="내용 개체 틀 2"/>
-          <p:cNvSpPr>
-            <a:spLocks noGrp="1"/>
-          </p:cNvSpPr>
-          <p:nvPr>
-            <p:ph idx="1"/>
-          </p:nvPr>
-        </p:nvSpPr>
-        <p:spPr/>
-        <p:txBody>
-          <a:bodyPr/>
-          <a:lstStyle/>
-          <a:p>
-            <a:endParaRPr lang="ko-KR" altLang="en-US" dirty="0"/>
-          </a:p>
-        </p:txBody>
-      </p:sp>
-      <p:sp>
-        <p:nvSpPr>
-          <p:cNvPr id="8" name="TextBox 7"/>
-          <p:cNvSpPr txBox="1"/>
-          <p:nvPr/>
-        </p:nvSpPr>
-        <p:spPr>
-          <a:xfrm>
-            <a:off x="495300" y="4991380"/>
-            <a:ext cx="8136031" cy="392415"/>
-          </a:xfrm>
-          <a:prstGeom prst="rect">
-            <a:avLst/>
-          </a:prstGeom>
-          <a:noFill/>
-        </p:spPr>
-        <p:txBody>
-          <a:bodyPr wrap="square" rtlCol="0">
-            <a:spAutoFit/>
-          </a:bodyPr>
-          <a:lstStyle/>
-          <a:p>
-            <a:r>
-              <a:rPr lang="en-US" altLang="ko-KR" sz="975" dirty="0">
-                <a:latin typeface="Noto Sans CJK KR Regular" panose="020B0500000000000000" pitchFamily="34" charset="-127"/>
-                <a:ea typeface="Noto Sans CJK KR Regular" panose="020B0500000000000000" pitchFamily="34" charset="-127"/>
-              </a:rPr>
-              <a:t>※ ROIC Return On Invested Capital (</a:t>
-            </a:r>
-            <a:r>
-              <a:rPr lang="ko-KR" altLang="en-US" sz="975" dirty="0">
-                <a:latin typeface="Noto Sans CJK KR Regular" panose="020B0500000000000000" pitchFamily="34" charset="-127"/>
-                <a:ea typeface="Noto Sans CJK KR Regular" panose="020B0500000000000000" pitchFamily="34" charset="-127"/>
-              </a:rPr>
-              <a:t>투하자본수익률</a:t>
-            </a:r>
-            <a:r>
-              <a:rPr lang="en-US" altLang="ko-KR" sz="975" dirty="0">
-                <a:latin typeface="Noto Sans CJK KR Regular" panose="020B0500000000000000" pitchFamily="34" charset="-127"/>
-                <a:ea typeface="Noto Sans CJK KR Regular" panose="020B0500000000000000" pitchFamily="34" charset="-127"/>
-              </a:rPr>
-              <a:t>)</a:t>
-            </a:r>
-          </a:p>
-          <a:p>
-            <a:r>
-              <a:rPr lang="en-US" altLang="ko-KR" sz="975" dirty="0">
-                <a:latin typeface="Noto Sans CJK KR Regular" panose="020B0500000000000000" pitchFamily="34" charset="-127"/>
-                <a:ea typeface="Noto Sans CJK KR Regular" panose="020B0500000000000000" pitchFamily="34" charset="-127"/>
-              </a:rPr>
-              <a:t>: </a:t>
-            </a:r>
-            <a:r>
-              <a:rPr lang="ko-KR" altLang="en-US" sz="975" dirty="0">
-                <a:latin typeface="Noto Sans CJK KR Regular" panose="020B0500000000000000" pitchFamily="34" charset="-127"/>
-                <a:ea typeface="Noto Sans CJK KR Regular" panose="020B0500000000000000" pitchFamily="34" charset="-127"/>
-              </a:rPr>
-              <a:t>기업이 실제 영업활동에 투입한 자산으로 영업이익을 얼마나 거뒀는지 나타내는 지표</a:t>
-            </a:r>
-            <a:r>
-              <a:rPr lang="en-US" altLang="ko-KR" sz="975" dirty="0">
-                <a:latin typeface="Noto Sans CJK KR Regular" panose="020B0500000000000000" pitchFamily="34" charset="-127"/>
-                <a:ea typeface="Noto Sans CJK KR Regular" panose="020B0500000000000000" pitchFamily="34" charset="-127"/>
-              </a:rPr>
-              <a:t>. </a:t>
-            </a:r>
-            <a:r>
-              <a:rPr lang="ko-KR" altLang="en-US" sz="975" dirty="0">
-                <a:latin typeface="Noto Sans CJK KR Regular" panose="020B0500000000000000" pitchFamily="34" charset="-127"/>
-                <a:ea typeface="Noto Sans CJK KR Regular" panose="020B0500000000000000" pitchFamily="34" charset="-127"/>
-              </a:rPr>
-              <a:t>기업의 </a:t>
-            </a:r>
-            <a:endParaRPr lang="ko-KR" altLang="en-US" sz="975" dirty="0">
-              <a:latin typeface="Noto Sans CJK KR Regular" panose="020B0500000000000000" pitchFamily="34" charset="-127"/>
-              <a:ea typeface="Noto Sans CJK KR Regular" panose="020B0500000000000000" pitchFamily="34" charset="-127"/>
-            </a:endParaRPr>
-          </a:p>
-        </p:txBody>
-      </p:sp>
     </p:spTree>
     <p:extLst>
       <p:ext uri="{BB962C8B-B14F-4D97-AF65-F5344CB8AC3E}">
@@ -1158,6 +1516,82 @@
           <a:lstStyle/>
           <a:p>
             <a:endParaRPr lang="ko-KR" altLang="en-US"/>
+          </a:p>
+        </p:txBody>
+      </p:sp>
+      <p:sp>
+        <p:nvSpPr>
+          <p:cNvPr id="4" name="TextBox 3"/>
+          <p:cNvSpPr txBox="1"/>
+          <p:nvPr/>
+        </p:nvSpPr>
+        <p:spPr>
+          <a:xfrm>
+            <a:off x="860894" y="4959000"/>
+            <a:ext cx="8136031" cy="392415"/>
+          </a:xfrm>
+          <a:prstGeom prst="rect">
+            <a:avLst/>
+          </a:prstGeom>
+          <a:noFill/>
+        </p:spPr>
+        <p:txBody>
+          <a:bodyPr wrap="square" rtlCol="0">
+            <a:spAutoFit/>
+          </a:bodyPr>
+          <a:lstStyle/>
+          <a:p>
+            <a:r>
+              <a:rPr lang="en-US" altLang="ko-KR" sz="975" dirty="0">
+                <a:latin typeface="Noto Sans CJK KR Regular" panose="020B0500000000000000" pitchFamily="34" charset="-127"/>
+                <a:ea typeface="Noto Sans CJK KR Regular" panose="020B0500000000000000" pitchFamily="34" charset="-127"/>
+              </a:rPr>
+              <a:t>※ ROIC Return On Invested Capital (</a:t>
+            </a:r>
+            <a:r>
+              <a:rPr lang="ko-KR" altLang="en-US" sz="975" dirty="0">
+                <a:latin typeface="Noto Sans CJK KR Regular" panose="020B0500000000000000" pitchFamily="34" charset="-127"/>
+                <a:ea typeface="Noto Sans CJK KR Regular" panose="020B0500000000000000" pitchFamily="34" charset="-127"/>
+              </a:rPr>
+              <a:t>투하자본수익률</a:t>
+            </a:r>
+            <a:r>
+              <a:rPr lang="en-US" altLang="ko-KR" sz="975" dirty="0">
+                <a:latin typeface="Noto Sans CJK KR Regular" panose="020B0500000000000000" pitchFamily="34" charset="-127"/>
+                <a:ea typeface="Noto Sans CJK KR Regular" panose="020B0500000000000000" pitchFamily="34" charset="-127"/>
+              </a:rPr>
+              <a:t>)</a:t>
+            </a:r>
+          </a:p>
+          <a:p>
+            <a:r>
+              <a:rPr lang="en-US" altLang="ko-KR" sz="975" dirty="0">
+                <a:latin typeface="Noto Sans CJK KR Regular" panose="020B0500000000000000" pitchFamily="34" charset="-127"/>
+                <a:ea typeface="Noto Sans CJK KR Regular" panose="020B0500000000000000" pitchFamily="34" charset="-127"/>
+              </a:rPr>
+              <a:t>: </a:t>
+            </a:r>
+            <a:r>
+              <a:rPr lang="ko-KR" altLang="en-US" sz="975" dirty="0">
+                <a:latin typeface="Noto Sans CJK KR Regular" panose="020B0500000000000000" pitchFamily="34" charset="-127"/>
+                <a:ea typeface="Noto Sans CJK KR Regular" panose="020B0500000000000000" pitchFamily="34" charset="-127"/>
+              </a:rPr>
+              <a:t>기업이 실제 영업활동에 투입한 자산으로 영업이익을 얼마나 거뒀는지 나타내는 지표</a:t>
+            </a:r>
+            <a:r>
+              <a:rPr lang="en-US" altLang="ko-KR" sz="975" dirty="0">
+                <a:latin typeface="Noto Sans CJK KR Regular" panose="020B0500000000000000" pitchFamily="34" charset="-127"/>
+                <a:ea typeface="Noto Sans CJK KR Regular" panose="020B0500000000000000" pitchFamily="34" charset="-127"/>
+              </a:rPr>
+              <a:t>. </a:t>
+            </a:r>
+            <a:r>
+              <a:rPr lang="ko-KR" altLang="en-US" sz="975" dirty="0">
+                <a:latin typeface="Noto Sans CJK KR Regular" panose="020B0500000000000000" pitchFamily="34" charset="-127"/>
+                <a:ea typeface="Noto Sans CJK KR Regular" panose="020B0500000000000000" pitchFamily="34" charset="-127"/>
+              </a:rPr>
+              <a:t>기업의 </a:t>
+            </a:r>
           </a:p>
         </p:txBody>
       </p:sp>
@@ -1890,4 +2324,265 @@
     </a:ext>
   </a:extLst>
 </a:theme>
+</file>
+
+<file path=ppt/theme/theme2.xml><?xml version="1.0" encoding="utf-8"?>
+<a:theme xmlns:a="http://schemas.openxmlformats.org/drawingml/2006/main" name="Office 테마">
+  <a:themeElements>
+    <a:clrScheme name="Office">
+      <a:dk1>
+        <a:sysClr val="windowText" lastClr="000000"/>
+      </a:dk1>
+      <a:lt1>
+        <a:sysClr val="window" lastClr="FFFFFF"/>
+      </a:lt1>
+      <a:dk2>
+        <a:srgbClr val="44546A"/>
+      </a:dk2>
+      <a:lt2>
+        <a:srgbClr val="E7E6E6"/>
+      </a:lt2>
+      <a:accent1>
+        <a:srgbClr val="5B9BD5"/>
+      </a:accent1>
+      <a:accent2>
+        <a:srgbClr val="ED7D31"/>
+      </a:accent2>
+      <a:accent3>
+        <a:srgbClr val="A5A5A5"/>
+      </a:accent3>
+      <a:accent4>
+        <a:srgbClr val="FFC000"/>
+      </a:accent4>
+      <a:accent5>
+        <a:srgbClr val="4472C4"/>
+      </a:accent5>
+      <a:accent6>
+        <a:srgbClr val="70AD47"/>
+      </a:accent6>
+      <a:hlink>
+        <a:srgbClr val="0563C1"/>
+      </a:hlink>
+      <a:folHlink>
+        <a:srgbClr val="954F72"/>
+      </a:folHlink>
+    </a:clrScheme>
+    <a:fontScheme name="Office">
+      <a:majorFont>
+        <a:latin typeface="맑은 고딕" panose="020F0302020204030204"/>
+        <a:ea typeface=""/>
+        <a:cs typeface=""/>
+        <a:font script="Jpan" typeface="游ゴシック Light"/>
+        <a:font script="Hang" typeface="맑은 고딕"/>
+        <a:font script="Hans" typeface="等线 Light"/>
+        <a:font script="Hant" typeface="新細明體"/>
+        <a:font script="Arab" typeface="Times New Roman"/>
+        <a:font script="Hebr" typeface="Times New Roman"/>
+        <a:font script="Thai" typeface="Angsana New"/>
+        <a:font script="Ethi" typeface="Nyala"/>
+        <a:font script="Beng" typeface="Vrinda"/>
+        <a:font script="Gujr" typeface="Shruti"/>
+        <a:font script="Khmr" typeface="MoolBoran"/>
+        <a:font script="Knda" typeface="Tunga"/>
+        <a:font script="Guru" typeface="Raavi"/>
+        <a:font script="Cans" typeface="Euphemia"/>
+        <a:font script="Cher" typeface="Plantagenet Cherokee"/>
+        <a:font script="Yiii" typeface="Microsoft Yi Baiti"/>
+        <a:font script="Tibt" typeface="Microsoft Himalaya"/>
+        <a:font script="Thaa" typeface="MV Boli"/>
+        <a:font script="Deva" typeface="Mangal"/>
+        <a:font script="Telu" typeface="Gautami"/>
+        <a:font script="Taml" typeface="Latha"/>
+        <a:font script="Syrc" typeface="Estrangelo Edessa"/>
+        <a:font script="Orya" typeface="Kalinga"/>
+        <a:font script="Mlym" typeface="Kartika"/>
+        <a:font script="Laoo" typeface="DokChampa"/>
+        <a:font script="Sinh" typeface="Iskoola Pota"/>
+        <a:font script="Mong" typeface="Mongolian Baiti"/>
+        <a:font script="Viet" typeface="Times New Roman"/>
+        <a:font script="Uigh" typeface="Microsoft Uighur"/>
+        <a:font script="Geor" typeface="Sylfaen"/>
+      </a:majorFont>
+      <a:minorFont>
+        <a:latin typeface="맑은 고딕" panose="020F0502020204030204"/>
+        <a:ea typeface=""/>
+        <a:cs typeface=""/>
+        <a:font script="Jpan" typeface="游ゴシック"/>
+        <a:font script="Hang" typeface="맑은 고딕"/>
+        <a:font script="Hans" typeface="等线"/>
+        <a:font script="Hant" typeface="新細明體"/>
+        <a:font script="Arab" typeface="Arial"/>
+        <a:font script="Hebr" typeface="Arial"/>
+        <a:font script="Thai" typeface="Cordia New"/>
+        <a:font script="Ethi" typeface="Nyala"/>
+        <a:font script="Beng" typeface="Vrinda"/>
+        <a:font script="Gujr" typeface="Shruti"/>
+        <a:font script="Khmr" typeface="DaunPenh"/>
+        <a:font script="Knda" typeface="Tunga"/>
+        <a:font script="Guru" typeface="Raavi"/>
+        <a:font script="Cans" typeface="Euphemia"/>
+        <a:font script="Cher" typeface="Plantagenet Cherokee"/>
+        <a:font script="Yiii" typeface="Microsoft Yi Baiti"/>
+        <a:font script="Tibt" typeface="Microsoft Himalaya"/>
+        <a:font script="Thaa" typeface="MV Boli"/>
+        <a:font script="Deva" typeface="Mangal"/>
+        <a:font script="Telu" typeface="Gautami"/>
+        <a:font script="Taml" typeface="Latha"/>
+        <a:font script="Syrc" typeface="Estrangelo Edessa"/>
+        <a:font script="Orya" typeface="Kalinga"/>
+        <a:font script="Mlym" typeface="Kartika"/>
+        <a:font script="Laoo" typeface="DokChampa"/>
+        <a:font script="Sinh" typeface="Iskoola Pota"/>
+        <a:font script="Mong" typeface="Mongolian Baiti"/>
+        <a:font script="Viet" typeface="Arial"/>
+        <a:font script="Uigh" typeface="Microsoft Uighur"/>
+        <a:font script="Geor" typeface="Sylfaen"/>
+      </a:minorFont>
+    </a:fontScheme>
+    <a:fmtScheme name="Office">
+      <a:fillStyleLst>
+        <a:solidFill>
+          <a:schemeClr val="phClr"/>
+        </a:solidFill>
+        <a:gradFill rotWithShape="1">
+          <a:gsLst>
+            <a:gs pos="0">
+              <a:schemeClr val="phClr">
+                <a:lumMod val="110000"/>
+                <a:satMod val="105000"/>
+                <a:tint val="67000"/>
+              </a:schemeClr>
+            </a:gs>
+            <a:gs pos="50000">
+              <a:schemeClr val="phClr">
+                <a:lumMod val="105000"/>
+                <a:satMod val="103000"/>
+                <a:tint val="73000"/>
+              </a:schemeClr>
+            </a:gs>
+            <a:gs pos="100000">
+              <a:schemeClr val="phClr">
+                <a:lumMod val="105000"/>
+                <a:satMod val="109000"/>
+                <a:tint val="81000"/>
+              </a:schemeClr>
+            </a:gs>
+          </a:gsLst>
+          <a:lin ang="5400000" scaled="0"/>
+        </a:gradFill>
+        <a:gradFill rotWithShape="1">
+          <a:gsLst>
+            <a:gs pos="0">
+              <a:schemeClr val="phClr">
+                <a:satMod val="103000"/>
+                <a:lumMod val="102000"/>
+                <a:tint val="94000"/>
+              </a:schemeClr>
+            </a:gs>
+            <a:gs pos="50000">
+              <a:schemeClr val="phClr">
+                <a:satMod val="110000"/>
+                <a:lumMod val="100000"/>
+                <a:shade val="100000"/>
+              </a:schemeClr>
+            </a:gs>
+            <a:gs pos="100000">
+              <a:schemeClr val="phClr">
+                <a:lumMod val="99000"/>
+                <a:satMod val="120000"/>
+                <a:shade val="78000"/>
+              </a:schemeClr>
+            </a:gs>
+          </a:gsLst>
+          <a:lin ang="5400000" scaled="0"/>
+        </a:gradFill>
+      </a:fillStyleLst>
+      <a:lnStyleLst>
+        <a:ln w="6350" cap="flat" cmpd="sng" algn="ctr">
+          <a:solidFill>
+            <a:schemeClr val="phClr"/>
+          </a:solidFill>
+          <a:prstDash val="solid"/>
+          <a:miter lim="800000"/>
+        </a:ln>
+        <a:ln w="12700" cap="flat" cmpd="sng" algn="ctr">
+          <a:solidFill>
+            <a:schemeClr val="phClr"/>
+          </a:solidFill>
+          <a:prstDash val="solid"/>
+          <a:miter lim="800000"/>
+        </a:ln>
+        <a:ln w="19050" cap="flat" cmpd="sng" algn="ctr">
+          <a:solidFill>
+            <a:schemeClr val="phClr"/>
+          </a:solidFill>
+          <a:prstDash val="solid"/>
+          <a:miter lim="800000"/>
+        </a:ln>
+      </a:lnStyleLst>
+      <a:effectStyleLst>
+        <a:effectStyle>
+          <a:effectLst/>
+        </a:effectStyle>
+        <a:effectStyle>
+          <a:effectLst/>
+        </a:effectStyle>
+        <a:effectStyle>
+          <a:effectLst>
+            <a:outerShdw blurRad="57150" dist="19050" dir="5400000" algn="ctr" rotWithShape="0">
+              <a:srgbClr val="000000">
+                <a:alpha val="63000"/>
+              </a:srgbClr>
+            </a:outerShdw>
+          </a:effectLst>
+        </a:effectStyle>
+      </a:effectStyleLst>
+      <a:bgFillStyleLst>
+        <a:solidFill>
+          <a:schemeClr val="phClr"/>
+        </a:solidFill>
+        <a:solidFill>
+          <a:schemeClr val="phClr">
+            <a:tint val="95000"/>
+            <a:satMod val="170000"/>
+          </a:schemeClr>
+        </a:solidFill>
+        <a:gradFill rotWithShape="1">
+          <a:gsLst>
+            <a:gs pos="0">
+              <a:schemeClr val="phClr">
+                <a:tint val="93000"/>
+                <a:satMod val="150000"/>
+                <a:shade val="98000"/>
+                <a:lumMod val="102000"/>
+              </a:schemeClr>
+            </a:gs>
+            <a:gs pos="50000">
+              <a:schemeClr val="phClr">
+                <a:tint val="98000"/>
+                <a:satMod val="130000"/>
+                <a:shade val="90000"/>
+                <a:lumMod val="103000"/>
+              </a:schemeClr>
+            </a:gs>
+            <a:gs pos="100000">
+              <a:schemeClr val="phClr">
+                <a:shade val="63000"/>
+                <a:satMod val="120000"/>
+              </a:schemeClr>
+            </a:gs>
+          </a:gsLst>
+          <a:lin ang="5400000" scaled="0"/>
+        </a:gradFill>
+      </a:bgFillStyleLst>
+    </a:fmtScheme>
+  </a:themeElements>
+  <a:objectDefaults/>
+  <a:extraClrSchemeLst/>
+  <a:extLst>
+    <a:ext uri="{05A4C25C-085E-4340-85A3-A5531E510DB2}">
+      <thm15:themeFamily xmlns:thm15="http://schemas.microsoft.com/office/thememl/2012/main" name="Office Theme" id="{62F939B6-93AF-4DB8-9C6B-D6C7DFDC589F}" vid="{4A3C46E8-61CC-4603-A589-7422A47A8E4A}"/>
+    </a:ext>
+  </a:extLst>
+</a:theme>
 </file>
--- a/report_write_skill/basic_template.pptx
+++ b/report_write_skill/basic_template.pptx
@@ -5,7 +5,7 @@
     <p:sldMasterId id="2147483660" r:id="rId1"/>
   </p:sldMasterIdLst>
   <p:notesMasterIdLst>
-    <p:notesMasterId r:id="rId10"/>
+    <p:notesMasterId r:id="rId13"/>
   </p:notesMasterIdLst>
   <p:sldIdLst>
     <p:sldId id="259" r:id="rId2"/>
@@ -16,6 +16,9 @@
     <p:sldId id="262" r:id="rId7"/>
     <p:sldId id="263" r:id="rId8"/>
     <p:sldId id="264" r:id="rId9"/>
+    <p:sldId id="265" r:id="rId10"/>
+    <p:sldId id="266" r:id="rId11"/>
+    <p:sldId id="267" r:id="rId12"/>
   </p:sldIdLst>
   <p:sldSz cx="9906000" cy="6858000" type="A4"/>
   <p:notesSz cx="6858000" cy="9144000"/>
@@ -127,6 +130,9 @@
             <p14:sldId id="262"/>
             <p14:sldId id="263"/>
             <p14:sldId id="264"/>
+            <p14:sldId id="265"/>
+            <p14:sldId id="266"/>
+            <p14:sldId id="267"/>
           </p14:sldIdLst>
         </p14:section>
       </p14:sectionLst>
@@ -147,6 +153,1958 @@
     </p:ext>
   </p:extLst>
 </p:presentation>
+</file>
+
+<file path=ppt/charts/chart1.xml><?xml version="1.0" encoding="utf-8"?>
+<c:chartSpace xmlns:c="http://schemas.openxmlformats.org/drawingml/2006/chart" xmlns:a="http://schemas.openxmlformats.org/drawingml/2006/main" xmlns:r="http://schemas.openxmlformats.org/officeDocument/2006/relationships" xmlns:c16r2="http://schemas.microsoft.com/office/drawing/2015/06/chart">
+  <c:date1904 val="0"/>
+  <c:lang val="ko-KR"/>
+  <c:roundedCorners val="0"/>
+  <mc:AlternateContent xmlns:mc="http://schemas.openxmlformats.org/markup-compatibility/2006">
+    <mc:Choice xmlns:c14="http://schemas.microsoft.com/office/drawing/2007/8/2/chart" Requires="c14">
+      <c14:style val="102"/>
+    </mc:Choice>
+    <mc:Fallback>
+      <c:style val="2"/>
+    </mc:Fallback>
+  </mc:AlternateContent>
+  <c:chart>
+    <c:autoTitleDeleted val="1"/>
+    <c:plotArea>
+      <c:layout/>
+      <c:barChart>
+        <c:barDir val="col"/>
+        <c:grouping val="clustered"/>
+        <c:varyColors val="0"/>
+        <c:ser>
+          <c:idx val="0"/>
+          <c:order val="0"/>
+          <c:spPr>
+            <a:solidFill>
+              <a:schemeClr val="bg1">
+                <a:lumMod val="75000"/>
+              </a:schemeClr>
+            </a:solidFill>
+            <a:ln w="6350">
+              <a:solidFill>
+                <a:schemeClr val="bg1">
+                  <a:lumMod val="50000"/>
+                </a:schemeClr>
+              </a:solidFill>
+            </a:ln>
+            <a:effectLst/>
+          </c:spPr>
+          <c:invertIfNegative val="0"/>
+          <c:dLbls>
+            <c:spPr>
+              <a:noFill/>
+              <a:ln>
+                <a:noFill/>
+              </a:ln>
+              <a:effectLst/>
+            </c:spPr>
+            <c:txPr>
+              <a:bodyPr rot="0" spcFirstLastPara="1" vertOverflow="ellipsis" vert="horz" wrap="square" lIns="38100" tIns="19050" rIns="38100" bIns="19050" anchor="ctr" anchorCtr="1">
+                <a:spAutoFit/>
+              </a:bodyPr>
+              <a:lstStyle/>
+              <a:p>
+                <a:pPr>
+                  <a:defRPr sz="1200" b="1" i="1" u="none" strike="noStrike" kern="1200" baseline="0">
+                    <a:solidFill>
+                      <a:schemeClr val="tx1">
+                        <a:lumMod val="75000"/>
+                        <a:lumOff val="25000"/>
+                      </a:schemeClr>
+                    </a:solidFill>
+                    <a:latin typeface="+mn-lt"/>
+                    <a:ea typeface="+mn-ea"/>
+                    <a:cs typeface="+mn-cs"/>
+                  </a:defRPr>
+                </a:pPr>
+                <a:endParaRPr lang="ko-KR"/>
+              </a:p>
+            </c:txPr>
+            <c:dLblPos val="outEnd"/>
+            <c:showLegendKey val="0"/>
+            <c:showVal val="1"/>
+            <c:showCatName val="0"/>
+            <c:showSerName val="0"/>
+            <c:showPercent val="0"/>
+            <c:showBubbleSize val="0"/>
+            <c:showLeaderLines val="0"/>
+            <c:extLst>
+              <c:ext xmlns:c15="http://schemas.microsoft.com/office/drawing/2012/chart" uri="{CE6537A1-D6FC-4f65-9D91-7224C49458BB}">
+                <c15:layout/>
+                <c15:showLeaderLines val="1"/>
+                <c15:leaderLines>
+                  <c:spPr>
+                    <a:ln w="9525" cap="flat" cmpd="sng" algn="ctr">
+                      <a:solidFill>
+                        <a:schemeClr val="tx1">
+                          <a:lumMod val="35000"/>
+                          <a:lumOff val="65000"/>
+                        </a:schemeClr>
+                      </a:solidFill>
+                      <a:round/>
+                    </a:ln>
+                    <a:effectLst/>
+                  </c:spPr>
+                </c15:leaderLines>
+              </c:ext>
+            </c:extLst>
+          </c:dLbls>
+          <c:cat>
+            <c:strRef>
+              <c:f>'막대(세로)'!$C$5:$C$9</c:f>
+              <c:strCache>
+                <c:ptCount val="5"/>
+                <c:pt idx="0">
+                  <c:v>AA</c:v>
+                </c:pt>
+                <c:pt idx="1">
+                  <c:v>BB</c:v>
+                </c:pt>
+                <c:pt idx="2">
+                  <c:v>CC</c:v>
+                </c:pt>
+                <c:pt idx="3">
+                  <c:v>DD</c:v>
+                </c:pt>
+                <c:pt idx="4">
+                  <c:v>EE</c:v>
+                </c:pt>
+              </c:strCache>
+            </c:strRef>
+          </c:cat>
+          <c:val>
+            <c:numRef>
+              <c:f>'막대(세로)'!$D$5:$D$9</c:f>
+              <c:numCache>
+                <c:formatCode>0.0</c:formatCode>
+                <c:ptCount val="5"/>
+                <c:pt idx="0">
+                  <c:v>27.9</c:v>
+                </c:pt>
+                <c:pt idx="1">
+                  <c:v>21.4</c:v>
+                </c:pt>
+                <c:pt idx="2">
+                  <c:v>10.5</c:v>
+                </c:pt>
+                <c:pt idx="3">
+                  <c:v>8.6999999999999993</c:v>
+                </c:pt>
+                <c:pt idx="4">
+                  <c:v>6</c:v>
+                </c:pt>
+              </c:numCache>
+            </c:numRef>
+          </c:val>
+          <c:extLst>
+            <c:ext xmlns:c16="http://schemas.microsoft.com/office/drawing/2014/chart" uri="{C3380CC4-5D6E-409C-BE32-E72D297353CC}">
+              <c16:uniqueId val="{00000000-965D-4BEA-B041-B0776D743F46}"/>
+            </c:ext>
+          </c:extLst>
+        </c:ser>
+        <c:dLbls>
+          <c:dLblPos val="outEnd"/>
+          <c:showLegendKey val="0"/>
+          <c:showVal val="1"/>
+          <c:showCatName val="0"/>
+          <c:showSerName val="0"/>
+          <c:showPercent val="0"/>
+          <c:showBubbleSize val="0"/>
+        </c:dLbls>
+        <c:gapWidth val="144"/>
+        <c:overlap val="-27"/>
+        <c:axId val="290171128"/>
+        <c:axId val="18636824"/>
+      </c:barChart>
+      <c:catAx>
+        <c:axId val="290171128"/>
+        <c:scaling>
+          <c:orientation val="minMax"/>
+        </c:scaling>
+        <c:delete val="0"/>
+        <c:axPos val="b"/>
+        <c:numFmt formatCode="General" sourceLinked="1"/>
+        <c:majorTickMark val="none"/>
+        <c:minorTickMark val="none"/>
+        <c:tickLblPos val="nextTo"/>
+        <c:spPr>
+          <a:noFill/>
+          <a:ln w="9525" cap="flat" cmpd="sng" algn="ctr">
+            <a:solidFill>
+              <a:schemeClr val="tx1">
+                <a:lumMod val="15000"/>
+                <a:lumOff val="85000"/>
+              </a:schemeClr>
+            </a:solidFill>
+            <a:round/>
+          </a:ln>
+          <a:effectLst/>
+        </c:spPr>
+        <c:txPr>
+          <a:bodyPr rot="-60000000" spcFirstLastPara="1" vertOverflow="ellipsis" vert="horz" wrap="square" anchor="ctr" anchorCtr="1"/>
+          <a:lstStyle/>
+          <a:p>
+            <a:pPr>
+              <a:defRPr sz="900" b="0" i="0" u="none" strike="noStrike" kern="1200" baseline="0">
+                <a:solidFill>
+                  <a:schemeClr val="tx1">
+                    <a:lumMod val="65000"/>
+                    <a:lumOff val="35000"/>
+                  </a:schemeClr>
+                </a:solidFill>
+                <a:latin typeface="+mn-lt"/>
+                <a:ea typeface="+mn-ea"/>
+                <a:cs typeface="+mn-cs"/>
+              </a:defRPr>
+            </a:pPr>
+            <a:endParaRPr lang="ko-KR"/>
+          </a:p>
+        </c:txPr>
+        <c:crossAx val="18636824"/>
+        <c:crosses val="autoZero"/>
+        <c:auto val="1"/>
+        <c:lblAlgn val="ctr"/>
+        <c:lblOffset val="100"/>
+        <c:noMultiLvlLbl val="0"/>
+      </c:catAx>
+      <c:valAx>
+        <c:axId val="18636824"/>
+        <c:scaling>
+          <c:orientation val="minMax"/>
+        </c:scaling>
+        <c:delete val="0"/>
+        <c:axPos val="l"/>
+        <c:numFmt formatCode="0.0" sourceLinked="1"/>
+        <c:majorTickMark val="out"/>
+        <c:minorTickMark val="none"/>
+        <c:tickLblPos val="nextTo"/>
+        <c:spPr>
+          <a:noFill/>
+          <a:ln>
+            <a:noFill/>
+          </a:ln>
+          <a:effectLst/>
+        </c:spPr>
+        <c:txPr>
+          <a:bodyPr rot="-60000000" spcFirstLastPara="1" vertOverflow="ellipsis" vert="horz" wrap="square" anchor="ctr" anchorCtr="1"/>
+          <a:lstStyle/>
+          <a:p>
+            <a:pPr>
+              <a:defRPr sz="900" b="0" i="0" u="none" strike="noStrike" kern="1200" baseline="0">
+                <a:solidFill>
+                  <a:schemeClr val="tx1">
+                    <a:lumMod val="65000"/>
+                    <a:lumOff val="35000"/>
+                  </a:schemeClr>
+                </a:solidFill>
+                <a:latin typeface="+mn-lt"/>
+                <a:ea typeface="+mn-ea"/>
+                <a:cs typeface="+mn-cs"/>
+              </a:defRPr>
+            </a:pPr>
+            <a:endParaRPr lang="ko-KR"/>
+          </a:p>
+        </c:txPr>
+        <c:crossAx val="290171128"/>
+        <c:crosses val="autoZero"/>
+        <c:crossBetween val="between"/>
+      </c:valAx>
+      <c:spPr>
+        <a:noFill/>
+        <a:ln>
+          <a:noFill/>
+        </a:ln>
+        <a:effectLst/>
+      </c:spPr>
+    </c:plotArea>
+    <c:plotVisOnly val="1"/>
+    <c:dispBlanksAs val="gap"/>
+    <c:showDLblsOverMax val="0"/>
+  </c:chart>
+  <c:spPr>
+    <a:noFill/>
+    <a:ln>
+      <a:noFill/>
+    </a:ln>
+    <a:effectLst/>
+  </c:spPr>
+  <c:txPr>
+    <a:bodyPr/>
+    <a:lstStyle/>
+    <a:p>
+      <a:pPr>
+        <a:defRPr/>
+      </a:pPr>
+      <a:endParaRPr lang="ko-KR"/>
+    </a:p>
+  </c:txPr>
+  <c:externalData r:id="rId3">
+    <c:autoUpdate val="0"/>
+  </c:externalData>
+</c:chartSpace>
+</file>
+
+<file path=ppt/charts/chart2.xml><?xml version="1.0" encoding="utf-8"?>
+<c:chartSpace xmlns:c="http://schemas.openxmlformats.org/drawingml/2006/chart" xmlns:a="http://schemas.openxmlformats.org/drawingml/2006/main" xmlns:r="http://schemas.openxmlformats.org/officeDocument/2006/relationships" xmlns:c16r2="http://schemas.microsoft.com/office/drawing/2015/06/chart">
+  <c:date1904 val="0"/>
+  <c:lang val="ko-KR"/>
+  <c:roundedCorners val="0"/>
+  <mc:AlternateContent xmlns:mc="http://schemas.openxmlformats.org/markup-compatibility/2006">
+    <mc:Choice xmlns:c14="http://schemas.microsoft.com/office/drawing/2007/8/2/chart" Requires="c14">
+      <c14:style val="102"/>
+    </mc:Choice>
+    <mc:Fallback>
+      <c:style val="2"/>
+    </mc:Fallback>
+  </mc:AlternateContent>
+  <c:chart>
+    <c:autoTitleDeleted val="1"/>
+    <c:plotArea>
+      <c:layout/>
+      <c:barChart>
+        <c:barDir val="col"/>
+        <c:grouping val="clustered"/>
+        <c:varyColors val="0"/>
+        <c:ser>
+          <c:idx val="0"/>
+          <c:order val="0"/>
+          <c:spPr>
+            <a:solidFill>
+              <a:schemeClr val="bg1">
+                <a:lumMod val="95000"/>
+              </a:schemeClr>
+            </a:solidFill>
+            <a:ln>
+              <a:solidFill>
+                <a:schemeClr val="bg1">
+                  <a:lumMod val="50000"/>
+                </a:schemeClr>
+              </a:solidFill>
+            </a:ln>
+            <a:effectLst/>
+          </c:spPr>
+          <c:invertIfNegative val="0"/>
+          <c:dLbls>
+            <c:spPr>
+              <a:noFill/>
+              <a:ln>
+                <a:noFill/>
+              </a:ln>
+              <a:effectLst/>
+            </c:spPr>
+            <c:txPr>
+              <a:bodyPr rot="0" spcFirstLastPara="1" vertOverflow="ellipsis" vert="horz" wrap="square" lIns="38100" tIns="19050" rIns="38100" bIns="19050" anchor="ctr" anchorCtr="1">
+                <a:spAutoFit/>
+              </a:bodyPr>
+              <a:lstStyle/>
+              <a:p>
+                <a:pPr>
+                  <a:defRPr sz="1200" b="1" i="1" u="none" strike="noStrike" kern="1200" baseline="0">
+                    <a:solidFill>
+                      <a:schemeClr val="tx1">
+                        <a:lumMod val="75000"/>
+                        <a:lumOff val="25000"/>
+                      </a:schemeClr>
+                    </a:solidFill>
+                    <a:latin typeface="+mn-lt"/>
+                    <a:ea typeface="+mn-ea"/>
+                    <a:cs typeface="+mn-cs"/>
+                  </a:defRPr>
+                </a:pPr>
+                <a:endParaRPr lang="ko-KR"/>
+              </a:p>
+            </c:txPr>
+            <c:showLegendKey val="0"/>
+            <c:showVal val="1"/>
+            <c:showCatName val="0"/>
+            <c:showSerName val="0"/>
+            <c:showPercent val="0"/>
+            <c:showBubbleSize val="0"/>
+            <c:showLeaderLines val="0"/>
+            <c:extLst>
+              <c:ext xmlns:c15="http://schemas.microsoft.com/office/drawing/2012/chart" uri="{CE6537A1-D6FC-4f65-9D91-7224C49458BB}">
+                <c15:layout/>
+                <c15:showLeaderLines val="1"/>
+                <c15:leaderLines>
+                  <c:spPr>
+                    <a:ln w="9525" cap="flat" cmpd="sng" algn="ctr">
+                      <a:solidFill>
+                        <a:schemeClr val="tx1">
+                          <a:lumMod val="35000"/>
+                          <a:lumOff val="65000"/>
+                        </a:schemeClr>
+                      </a:solidFill>
+                      <a:round/>
+                    </a:ln>
+                    <a:effectLst/>
+                  </c:spPr>
+                </c15:leaderLines>
+              </c:ext>
+            </c:extLst>
+          </c:dLbls>
+          <c:cat>
+            <c:numRef>
+              <c:f>'이중축(막대&amp;선)'!$C$6:$C$10</c:f>
+              <c:numCache>
+                <c:formatCode>General</c:formatCode>
+                <c:ptCount val="5"/>
+                <c:pt idx="0">
+                  <c:v>2011</c:v>
+                </c:pt>
+                <c:pt idx="1">
+                  <c:v>2012</c:v>
+                </c:pt>
+                <c:pt idx="2">
+                  <c:v>2013</c:v>
+                </c:pt>
+                <c:pt idx="3">
+                  <c:v>2014</c:v>
+                </c:pt>
+                <c:pt idx="4">
+                  <c:v>2015</c:v>
+                </c:pt>
+              </c:numCache>
+            </c:numRef>
+          </c:cat>
+          <c:val>
+            <c:numRef>
+              <c:f>'이중축(막대&amp;선)'!$D$6:$D$10</c:f>
+              <c:numCache>
+                <c:formatCode>_-* #,##0.00_-;\-* #,##0.00_-;_-* "-"_-;_-@_-</c:formatCode>
+                <c:ptCount val="5"/>
+                <c:pt idx="0">
+                  <c:v>24.38</c:v>
+                </c:pt>
+                <c:pt idx="1">
+                  <c:v>24.34</c:v>
+                </c:pt>
+                <c:pt idx="2">
+                  <c:v>25.8</c:v>
+                </c:pt>
+                <c:pt idx="3">
+                  <c:v>26.36</c:v>
+                </c:pt>
+                <c:pt idx="4">
+                  <c:v>27.49</c:v>
+                </c:pt>
+              </c:numCache>
+            </c:numRef>
+          </c:val>
+          <c:extLst>
+            <c:ext xmlns:c16="http://schemas.microsoft.com/office/drawing/2014/chart" uri="{C3380CC4-5D6E-409C-BE32-E72D297353CC}">
+              <c16:uniqueId val="{00000000-129F-48BC-ADC1-4DA046F2B135}"/>
+            </c:ext>
+          </c:extLst>
+        </c:ser>
+        <c:dLbls>
+          <c:showLegendKey val="0"/>
+          <c:showVal val="0"/>
+          <c:showCatName val="0"/>
+          <c:showSerName val="0"/>
+          <c:showPercent val="0"/>
+          <c:showBubbleSize val="0"/>
+        </c:dLbls>
+        <c:gapWidth val="150"/>
+        <c:axId val="450643712"/>
+        <c:axId val="450644888"/>
+      </c:barChart>
+      <c:lineChart>
+        <c:grouping val="standard"/>
+        <c:varyColors val="0"/>
+        <c:ser>
+          <c:idx val="1"/>
+          <c:order val="1"/>
+          <c:spPr>
+            <a:ln w="19050" cap="rnd">
+              <a:solidFill>
+                <a:schemeClr val="bg1">
+                  <a:lumMod val="65000"/>
+                </a:schemeClr>
+              </a:solidFill>
+              <a:round/>
+            </a:ln>
+            <a:effectLst/>
+          </c:spPr>
+          <c:marker>
+            <c:symbol val="circle"/>
+            <c:size val="10"/>
+            <c:spPr>
+              <a:solidFill>
+                <a:schemeClr val="bg1"/>
+              </a:solidFill>
+              <a:ln w="28575">
+                <a:solidFill>
+                  <a:schemeClr val="tx1"/>
+                </a:solidFill>
+              </a:ln>
+              <a:effectLst/>
+            </c:spPr>
+          </c:marker>
+          <c:dLbls>
+            <c:spPr>
+              <a:noFill/>
+              <a:ln>
+                <a:noFill/>
+              </a:ln>
+              <a:effectLst/>
+            </c:spPr>
+            <c:txPr>
+              <a:bodyPr rot="0" spcFirstLastPara="1" vertOverflow="ellipsis" vert="horz" wrap="square" lIns="38100" tIns="19050" rIns="38100" bIns="19050" anchor="ctr" anchorCtr="1">
+                <a:spAutoFit/>
+              </a:bodyPr>
+              <a:lstStyle/>
+              <a:p>
+                <a:pPr>
+                  <a:defRPr sz="1200" b="1" i="1" u="none" strike="noStrike" kern="1200" baseline="0">
+                    <a:solidFill>
+                      <a:schemeClr val="tx1">
+                        <a:lumMod val="75000"/>
+                        <a:lumOff val="25000"/>
+                      </a:schemeClr>
+                    </a:solidFill>
+                    <a:latin typeface="+mn-lt"/>
+                    <a:ea typeface="+mn-ea"/>
+                    <a:cs typeface="+mn-cs"/>
+                  </a:defRPr>
+                </a:pPr>
+                <a:endParaRPr lang="ko-KR"/>
+              </a:p>
+            </c:txPr>
+            <c:dLblPos val="t"/>
+            <c:showLegendKey val="0"/>
+            <c:showVal val="1"/>
+            <c:showCatName val="0"/>
+            <c:showSerName val="0"/>
+            <c:showPercent val="0"/>
+            <c:showBubbleSize val="0"/>
+            <c:showLeaderLines val="0"/>
+            <c:extLst>
+              <c:ext xmlns:c15="http://schemas.microsoft.com/office/drawing/2012/chart" uri="{CE6537A1-D6FC-4f65-9D91-7224C49458BB}">
+                <c15:layout/>
+                <c15:showLeaderLines val="1"/>
+                <c15:leaderLines>
+                  <c:spPr>
+                    <a:ln w="9525" cap="flat" cmpd="sng" algn="ctr">
+                      <a:solidFill>
+                        <a:schemeClr val="tx1">
+                          <a:lumMod val="35000"/>
+                          <a:lumOff val="65000"/>
+                        </a:schemeClr>
+                      </a:solidFill>
+                      <a:round/>
+                    </a:ln>
+                    <a:effectLst/>
+                  </c:spPr>
+                </c15:leaderLines>
+              </c:ext>
+            </c:extLst>
+          </c:dLbls>
+          <c:cat>
+            <c:numRef>
+              <c:f>'이중축(막대&amp;선)'!$C$6:$C$10</c:f>
+              <c:numCache>
+                <c:formatCode>General</c:formatCode>
+                <c:ptCount val="5"/>
+                <c:pt idx="0">
+                  <c:v>2011</c:v>
+                </c:pt>
+                <c:pt idx="1">
+                  <c:v>2012</c:v>
+                </c:pt>
+                <c:pt idx="2">
+                  <c:v>2013</c:v>
+                </c:pt>
+                <c:pt idx="3">
+                  <c:v>2014</c:v>
+                </c:pt>
+                <c:pt idx="4">
+                  <c:v>2015</c:v>
+                </c:pt>
+              </c:numCache>
+            </c:numRef>
+          </c:cat>
+          <c:val>
+            <c:numRef>
+              <c:f>'이중축(막대&amp;선)'!$E$6:$E$10</c:f>
+              <c:numCache>
+                <c:formatCode>General</c:formatCode>
+                <c:ptCount val="5"/>
+                <c:pt idx="0">
+                  <c:v>88.8</c:v>
+                </c:pt>
+                <c:pt idx="1">
+                  <c:v>88.7</c:v>
+                </c:pt>
+                <c:pt idx="2">
+                  <c:v>87.7</c:v>
+                </c:pt>
+                <c:pt idx="3">
+                  <c:v>80.400000000000006</c:v>
+                </c:pt>
+                <c:pt idx="4">
+                  <c:v>80.400000000000006</c:v>
+                </c:pt>
+              </c:numCache>
+            </c:numRef>
+          </c:val>
+          <c:smooth val="1"/>
+          <c:extLst>
+            <c:ext xmlns:c16="http://schemas.microsoft.com/office/drawing/2014/chart" uri="{C3380CC4-5D6E-409C-BE32-E72D297353CC}">
+              <c16:uniqueId val="{00000001-129F-48BC-ADC1-4DA046F2B135}"/>
+            </c:ext>
+          </c:extLst>
+        </c:ser>
+        <c:dLbls>
+          <c:showLegendKey val="0"/>
+          <c:showVal val="0"/>
+          <c:showCatName val="0"/>
+          <c:showSerName val="0"/>
+          <c:showPercent val="0"/>
+          <c:showBubbleSize val="0"/>
+        </c:dLbls>
+        <c:marker val="1"/>
+        <c:smooth val="0"/>
+        <c:axId val="321605200"/>
+        <c:axId val="321606376"/>
+      </c:lineChart>
+      <c:catAx>
+        <c:axId val="450643712"/>
+        <c:scaling>
+          <c:orientation val="minMax"/>
+        </c:scaling>
+        <c:delete val="0"/>
+        <c:axPos val="b"/>
+        <c:numFmt formatCode="General" sourceLinked="1"/>
+        <c:majorTickMark val="none"/>
+        <c:minorTickMark val="none"/>
+        <c:tickLblPos val="nextTo"/>
+        <c:spPr>
+          <a:noFill/>
+          <a:ln w="9525" cap="flat" cmpd="sng" algn="ctr">
+            <a:solidFill>
+              <a:schemeClr val="tx1">
+                <a:lumMod val="15000"/>
+                <a:lumOff val="85000"/>
+              </a:schemeClr>
+            </a:solidFill>
+            <a:round/>
+          </a:ln>
+          <a:effectLst/>
+        </c:spPr>
+        <c:txPr>
+          <a:bodyPr rot="-60000000" spcFirstLastPara="1" vertOverflow="ellipsis" vert="horz" wrap="square" anchor="ctr" anchorCtr="1"/>
+          <a:lstStyle/>
+          <a:p>
+            <a:pPr>
+              <a:defRPr sz="900" b="0" i="0" u="none" strike="noStrike" kern="1200" baseline="0">
+                <a:solidFill>
+                  <a:schemeClr val="tx1">
+                    <a:lumMod val="65000"/>
+                    <a:lumOff val="35000"/>
+                  </a:schemeClr>
+                </a:solidFill>
+                <a:latin typeface="+mn-lt"/>
+                <a:ea typeface="+mn-ea"/>
+                <a:cs typeface="+mn-cs"/>
+              </a:defRPr>
+            </a:pPr>
+            <a:endParaRPr lang="ko-KR"/>
+          </a:p>
+        </c:txPr>
+        <c:crossAx val="450644888"/>
+        <c:crosses val="autoZero"/>
+        <c:auto val="1"/>
+        <c:lblAlgn val="ctr"/>
+        <c:lblOffset val="100"/>
+        <c:noMultiLvlLbl val="0"/>
+      </c:catAx>
+      <c:valAx>
+        <c:axId val="450644888"/>
+        <c:scaling>
+          <c:orientation val="minMax"/>
+        </c:scaling>
+        <c:delete val="0"/>
+        <c:axPos val="l"/>
+        <c:majorGridlines>
+          <c:spPr>
+            <a:ln w="9525" cap="flat" cmpd="sng" algn="ctr">
+              <a:solidFill>
+                <a:schemeClr val="tx1">
+                  <a:lumMod val="15000"/>
+                  <a:lumOff val="85000"/>
+                </a:schemeClr>
+              </a:solidFill>
+              <a:prstDash val="dash"/>
+              <a:round/>
+            </a:ln>
+            <a:effectLst/>
+          </c:spPr>
+        </c:majorGridlines>
+        <c:numFmt formatCode="_-* #,##0.00_-;\-* #,##0.00_-;_-* &quot;-&quot;_-;_-@_-" sourceLinked="1"/>
+        <c:majorTickMark val="none"/>
+        <c:minorTickMark val="none"/>
+        <c:tickLblPos val="nextTo"/>
+        <c:spPr>
+          <a:noFill/>
+          <a:ln>
+            <a:noFill/>
+          </a:ln>
+          <a:effectLst/>
+        </c:spPr>
+        <c:txPr>
+          <a:bodyPr rot="-60000000" spcFirstLastPara="1" vertOverflow="ellipsis" vert="horz" wrap="square" anchor="ctr" anchorCtr="1"/>
+          <a:lstStyle/>
+          <a:p>
+            <a:pPr>
+              <a:defRPr sz="900" b="0" i="0" u="none" strike="noStrike" kern="1200" baseline="0">
+                <a:solidFill>
+                  <a:schemeClr val="tx1">
+                    <a:lumMod val="65000"/>
+                    <a:lumOff val="35000"/>
+                  </a:schemeClr>
+                </a:solidFill>
+                <a:latin typeface="+mn-lt"/>
+                <a:ea typeface="+mn-ea"/>
+                <a:cs typeface="+mn-cs"/>
+              </a:defRPr>
+            </a:pPr>
+            <a:endParaRPr lang="ko-KR"/>
+          </a:p>
+        </c:txPr>
+        <c:crossAx val="450643712"/>
+        <c:crosses val="autoZero"/>
+        <c:crossBetween val="between"/>
+        <c:majorUnit val="1"/>
+      </c:valAx>
+      <c:valAx>
+        <c:axId val="321606376"/>
+        <c:scaling>
+          <c:orientation val="minMax"/>
+        </c:scaling>
+        <c:delete val="0"/>
+        <c:axPos val="r"/>
+        <c:numFmt formatCode="General" sourceLinked="1"/>
+        <c:majorTickMark val="out"/>
+        <c:minorTickMark val="none"/>
+        <c:tickLblPos val="nextTo"/>
+        <c:spPr>
+          <a:noFill/>
+          <a:ln>
+            <a:noFill/>
+          </a:ln>
+          <a:effectLst/>
+        </c:spPr>
+        <c:txPr>
+          <a:bodyPr rot="-60000000" spcFirstLastPara="1" vertOverflow="ellipsis" vert="horz" wrap="square" anchor="ctr" anchorCtr="1"/>
+          <a:lstStyle/>
+          <a:p>
+            <a:pPr>
+              <a:defRPr sz="900" b="0" i="0" u="none" strike="noStrike" kern="1200" baseline="0">
+                <a:solidFill>
+                  <a:schemeClr val="tx1">
+                    <a:lumMod val="65000"/>
+                    <a:lumOff val="35000"/>
+                  </a:schemeClr>
+                </a:solidFill>
+                <a:latin typeface="+mn-lt"/>
+                <a:ea typeface="+mn-ea"/>
+                <a:cs typeface="+mn-cs"/>
+              </a:defRPr>
+            </a:pPr>
+            <a:endParaRPr lang="ko-KR"/>
+          </a:p>
+        </c:txPr>
+        <c:crossAx val="321605200"/>
+        <c:crosses val="max"/>
+        <c:crossBetween val="between"/>
+      </c:valAx>
+      <c:catAx>
+        <c:axId val="321605200"/>
+        <c:scaling>
+          <c:orientation val="minMax"/>
+        </c:scaling>
+        <c:delete val="1"/>
+        <c:axPos val="b"/>
+        <c:numFmt formatCode="General" sourceLinked="1"/>
+        <c:majorTickMark val="out"/>
+        <c:minorTickMark val="none"/>
+        <c:tickLblPos val="nextTo"/>
+        <c:crossAx val="321606376"/>
+        <c:crosses val="autoZero"/>
+        <c:auto val="1"/>
+        <c:lblAlgn val="ctr"/>
+        <c:lblOffset val="100"/>
+        <c:noMultiLvlLbl val="0"/>
+      </c:catAx>
+      <c:spPr>
+        <a:noFill/>
+        <a:ln>
+          <a:noFill/>
+        </a:ln>
+        <a:effectLst/>
+      </c:spPr>
+    </c:plotArea>
+    <c:legend>
+      <c:legendPos val="b"/>
+      <c:layout/>
+      <c:overlay val="0"/>
+      <c:spPr>
+        <a:noFill/>
+        <a:ln>
+          <a:noFill/>
+        </a:ln>
+        <a:effectLst/>
+      </c:spPr>
+      <c:txPr>
+        <a:bodyPr rot="0" spcFirstLastPara="1" vertOverflow="ellipsis" vert="horz" wrap="square" anchor="ctr" anchorCtr="1"/>
+        <a:lstStyle/>
+        <a:p>
+          <a:pPr>
+            <a:defRPr sz="900" b="0" i="0" u="none" strike="noStrike" kern="1200" baseline="0">
+              <a:solidFill>
+                <a:schemeClr val="tx1">
+                  <a:lumMod val="65000"/>
+                  <a:lumOff val="35000"/>
+                </a:schemeClr>
+              </a:solidFill>
+              <a:latin typeface="+mn-lt"/>
+              <a:ea typeface="+mn-ea"/>
+              <a:cs typeface="+mn-cs"/>
+            </a:defRPr>
+          </a:pPr>
+          <a:endParaRPr lang="ko-KR"/>
+        </a:p>
+      </c:txPr>
+    </c:legend>
+    <c:plotVisOnly val="1"/>
+    <c:dispBlanksAs val="gap"/>
+    <c:showDLblsOverMax val="0"/>
+  </c:chart>
+  <c:spPr>
+    <a:noFill/>
+    <a:ln>
+      <a:noFill/>
+    </a:ln>
+    <a:effectLst/>
+  </c:spPr>
+  <c:txPr>
+    <a:bodyPr/>
+    <a:lstStyle/>
+    <a:p>
+      <a:pPr>
+        <a:defRPr/>
+      </a:pPr>
+      <a:endParaRPr lang="ko-KR"/>
+    </a:p>
+  </c:txPr>
+  <c:externalData r:id="rId3">
+    <c:autoUpdate val="0"/>
+  </c:externalData>
+</c:chartSpace>
+</file>
+
+<file path=ppt/charts/colors1.xml><?xml version="1.0" encoding="utf-8"?>
+<cs:colorStyle xmlns:cs="http://schemas.microsoft.com/office/drawing/2012/chartStyle" xmlns:a="http://schemas.openxmlformats.org/drawingml/2006/main" meth="cycle" id="10">
+  <a:schemeClr val="accent1"/>
+  <a:schemeClr val="accent2"/>
+  <a:schemeClr val="accent3"/>
+  <a:schemeClr val="accent4"/>
+  <a:schemeClr val="accent5"/>
+  <a:schemeClr val="accent6"/>
+  <cs:variation/>
+  <cs:variation>
+    <a:lumMod val="60000"/>
+  </cs:variation>
+  <cs:variation>
+    <a:lumMod val="80000"/>
+    <a:lumOff val="20000"/>
+  </cs:variation>
+  <cs:variation>
+    <a:lumMod val="80000"/>
+  </cs:variation>
+  <cs:variation>
+    <a:lumMod val="60000"/>
+    <a:lumOff val="40000"/>
+  </cs:variation>
+  <cs:variation>
+    <a:lumMod val="50000"/>
+  </cs:variation>
+  <cs:variation>
+    <a:lumMod val="70000"/>
+    <a:lumOff val="30000"/>
+  </cs:variation>
+  <cs:variation>
+    <a:lumMod val="70000"/>
+  </cs:variation>
+  <cs:variation>
+    <a:lumMod val="50000"/>
+    <a:lumOff val="50000"/>
+  </cs:variation>
+</cs:colorStyle>
+</file>
+
+<file path=ppt/charts/colors2.xml><?xml version="1.0" encoding="utf-8"?>
+<cs:colorStyle xmlns:cs="http://schemas.microsoft.com/office/drawing/2012/chartStyle" xmlns:a="http://schemas.openxmlformats.org/drawingml/2006/main" meth="cycle" id="10">
+  <a:schemeClr val="accent1"/>
+  <a:schemeClr val="accent2"/>
+  <a:schemeClr val="accent3"/>
+  <a:schemeClr val="accent4"/>
+  <a:schemeClr val="accent5"/>
+  <a:schemeClr val="accent6"/>
+  <cs:variation/>
+  <cs:variation>
+    <a:lumMod val="60000"/>
+  </cs:variation>
+  <cs:variation>
+    <a:lumMod val="80000"/>
+    <a:lumOff val="20000"/>
+  </cs:variation>
+  <cs:variation>
+    <a:lumMod val="80000"/>
+  </cs:variation>
+  <cs:variation>
+    <a:lumMod val="60000"/>
+    <a:lumOff val="40000"/>
+  </cs:variation>
+  <cs:variation>
+    <a:lumMod val="50000"/>
+  </cs:variation>
+  <cs:variation>
+    <a:lumMod val="70000"/>
+    <a:lumOff val="30000"/>
+  </cs:variation>
+  <cs:variation>
+    <a:lumMod val="70000"/>
+  </cs:variation>
+  <cs:variation>
+    <a:lumMod val="50000"/>
+    <a:lumOff val="50000"/>
+  </cs:variation>
+</cs:colorStyle>
+</file>
+
+<file path=ppt/charts/style1.xml><?xml version="1.0" encoding="utf-8"?>
+<cs:chartStyle xmlns:cs="http://schemas.microsoft.com/office/drawing/2012/chartStyle" xmlns:a="http://schemas.openxmlformats.org/drawingml/2006/main" id="201">
+  <cs:axisTitle>
+    <cs:lnRef idx="0"/>
+    <cs:fillRef idx="0"/>
+    <cs:effectRef idx="0"/>
+    <cs:fontRef idx="minor">
+      <a:schemeClr val="tx1">
+        <a:lumMod val="65000"/>
+        <a:lumOff val="35000"/>
+      </a:schemeClr>
+    </cs:fontRef>
+    <cs:defRPr sz="1000" kern="1200"/>
+  </cs:axisTitle>
+  <cs:categoryAxis>
+    <cs:lnRef idx="0"/>
+    <cs:fillRef idx="0"/>
+    <cs:effectRef idx="0"/>
+    <cs:fontRef idx="minor">
+      <a:schemeClr val="tx1">
+        <a:lumMod val="65000"/>
+        <a:lumOff val="35000"/>
+      </a:schemeClr>
+    </cs:fontRef>
+    <cs:spPr>
+      <a:ln w="9525" cap="flat" cmpd="sng" algn="ctr">
+        <a:solidFill>
+          <a:schemeClr val="tx1">
+            <a:lumMod val="15000"/>
+            <a:lumOff val="85000"/>
+          </a:schemeClr>
+        </a:solidFill>
+        <a:round/>
+      </a:ln>
+    </cs:spPr>
+    <cs:defRPr sz="900" kern="1200"/>
+  </cs:categoryAxis>
+  <cs:chartArea mods="allowNoFillOverride allowNoLineOverride">
+    <cs:lnRef idx="0"/>
+    <cs:fillRef idx="0"/>
+    <cs:effectRef idx="0"/>
+    <cs:fontRef idx="minor">
+      <a:schemeClr val="tx1"/>
+    </cs:fontRef>
+    <cs:spPr>
+      <a:solidFill>
+        <a:schemeClr val="bg1"/>
+      </a:solidFill>
+      <a:ln w="9525" cap="flat" cmpd="sng" algn="ctr">
+        <a:solidFill>
+          <a:schemeClr val="tx1">
+            <a:lumMod val="15000"/>
+            <a:lumOff val="85000"/>
+          </a:schemeClr>
+        </a:solidFill>
+        <a:round/>
+      </a:ln>
+    </cs:spPr>
+    <cs:defRPr sz="1000" kern="1200"/>
+  </cs:chartArea>
+  <cs:dataLabel>
+    <cs:lnRef idx="0"/>
+    <cs:fillRef idx="0"/>
+    <cs:effectRef idx="0"/>
+    <cs:fontRef idx="minor">
+      <a:schemeClr val="tx1">
+        <a:lumMod val="75000"/>
+        <a:lumOff val="25000"/>
+      </a:schemeClr>
+    </cs:fontRef>
+    <cs:defRPr sz="900" kern="1200"/>
+  </cs:dataLabel>
+  <cs:dataLabelCallout>
+    <cs:lnRef idx="0"/>
+    <cs:fillRef idx="0"/>
+    <cs:effectRef idx="0"/>
+    <cs:fontRef idx="minor">
+      <a:schemeClr val="dk1">
+        <a:lumMod val="65000"/>
+        <a:lumOff val="35000"/>
+      </a:schemeClr>
+    </cs:fontRef>
+    <cs:spPr>
+      <a:solidFill>
+        <a:schemeClr val="lt1"/>
+      </a:solidFill>
+      <a:ln>
+        <a:solidFill>
+          <a:schemeClr val="dk1">
+            <a:lumMod val="25000"/>
+            <a:lumOff val="75000"/>
+          </a:schemeClr>
+        </a:solidFill>
+      </a:ln>
+    </cs:spPr>
+    <cs:defRPr sz="900" kern="1200"/>
+    <cs:bodyPr rot="0" spcFirstLastPara="1" vertOverflow="clip" horzOverflow="clip" vert="horz" wrap="square" lIns="36576" tIns="18288" rIns="36576" bIns="18288" anchor="ctr" anchorCtr="1">
+      <a:spAutoFit/>
+    </cs:bodyPr>
+  </cs:dataLabelCallout>
+  <cs:dataPoint>
+    <cs:lnRef idx="0"/>
+    <cs:fillRef idx="1">
+      <cs:styleClr val="auto"/>
+    </cs:fillRef>
+    <cs:effectRef idx="0"/>
+    <cs:fontRef idx="minor">
+      <a:schemeClr val="tx1"/>
+    </cs:fontRef>
+  </cs:dataPoint>
+  <cs:dataPoint3D>
+    <cs:lnRef idx="0"/>
+    <cs:fillRef idx="1">
+      <cs:styleClr val="auto"/>
+    </cs:fillRef>
+    <cs:effectRef idx="0"/>
+    <cs:fontRef idx="minor">
+      <a:schemeClr val="tx1"/>
+    </cs:fontRef>
+  </cs:dataPoint3D>
+  <cs:dataPointLine>
+    <cs:lnRef idx="0">
+      <cs:styleClr val="auto"/>
+    </cs:lnRef>
+    <cs:fillRef idx="1"/>
+    <cs:effectRef idx="0"/>
+    <cs:fontRef idx="minor">
+      <a:schemeClr val="tx1"/>
+    </cs:fontRef>
+    <cs:spPr>
+      <a:ln w="28575" cap="rnd">
+        <a:solidFill>
+          <a:schemeClr val="phClr"/>
+        </a:solidFill>
+        <a:round/>
+      </a:ln>
+    </cs:spPr>
+  </cs:dataPointLine>
+  <cs:dataPointMarker>
+    <cs:lnRef idx="0">
+      <cs:styleClr val="auto"/>
+    </cs:lnRef>
+    <cs:fillRef idx="1">
+      <cs:styleClr val="auto"/>
+    </cs:fillRef>
+    <cs:effectRef idx="0"/>
+    <cs:fontRef idx="minor">
+      <a:schemeClr val="tx1"/>
+    </cs:fontRef>
+    <cs:spPr>
+      <a:ln w="9525">
+        <a:solidFill>
+          <a:schemeClr val="phClr"/>
+        </a:solidFill>
+      </a:ln>
+    </cs:spPr>
+  </cs:dataPointMarker>
+  <cs:dataPointMarkerLayout symbol="circle" size="5"/>
+  <cs:dataPointWireframe>
+    <cs:lnRef idx="0">
+      <cs:styleClr val="auto"/>
+    </cs:lnRef>
+    <cs:fillRef idx="1"/>
+    <cs:effectRef idx="0"/>
+    <cs:fontRef idx="minor">
+      <a:schemeClr val="tx1"/>
+    </cs:fontRef>
+    <cs:spPr>
+      <a:ln w="9525" cap="rnd">
+        <a:solidFill>
+          <a:schemeClr val="phClr"/>
+        </a:solidFill>
+        <a:round/>
+      </a:ln>
+    </cs:spPr>
+  </cs:dataPointWireframe>
+  <cs:dataTable>
+    <cs:lnRef idx="0"/>
+    <cs:fillRef idx="0"/>
+    <cs:effectRef idx="0"/>
+    <cs:fontRef idx="minor">
+      <a:schemeClr val="tx1">
+        <a:lumMod val="65000"/>
+        <a:lumOff val="35000"/>
+      </a:schemeClr>
+    </cs:fontRef>
+    <cs:spPr>
+      <a:noFill/>
+      <a:ln w="9525" cap="flat" cmpd="sng" algn="ctr">
+        <a:solidFill>
+          <a:schemeClr val="tx1">
+            <a:lumMod val="15000"/>
+            <a:lumOff val="85000"/>
+          </a:schemeClr>
+        </a:solidFill>
+        <a:round/>
+      </a:ln>
+    </cs:spPr>
+    <cs:defRPr sz="900" kern="1200"/>
+  </cs:dataTable>
+  <cs:downBar>
+    <cs:lnRef idx="0"/>
+    <cs:fillRef idx="0"/>
+    <cs:effectRef idx="0"/>
+    <cs:fontRef idx="minor">
+      <a:schemeClr val="dk1"/>
+    </cs:fontRef>
+    <cs:spPr>
+      <a:solidFill>
+        <a:schemeClr val="dk1">
+          <a:lumMod val="65000"/>
+          <a:lumOff val="35000"/>
+        </a:schemeClr>
+      </a:solidFill>
+      <a:ln w="9525">
+        <a:solidFill>
+          <a:schemeClr val="tx1">
+            <a:lumMod val="65000"/>
+            <a:lumOff val="35000"/>
+          </a:schemeClr>
+        </a:solidFill>
+      </a:ln>
+    </cs:spPr>
+  </cs:downBar>
+  <cs:dropLine>
+    <cs:lnRef idx="0"/>
+    <cs:fillRef idx="0"/>
+    <cs:effectRef idx="0"/>
+    <cs:fontRef idx="minor">
+      <a:schemeClr val="tx1"/>
+    </cs:fontRef>
+    <cs:spPr>
+      <a:ln w="9525" cap="flat" cmpd="sng" algn="ctr">
+        <a:solidFill>
+          <a:schemeClr val="tx1">
+            <a:lumMod val="35000"/>
+            <a:lumOff val="65000"/>
+          </a:schemeClr>
+        </a:solidFill>
+        <a:round/>
+      </a:ln>
+    </cs:spPr>
+  </cs:dropLine>
+  <cs:errorBar>
+    <cs:lnRef idx="0"/>
+    <cs:fillRef idx="0"/>
+    <cs:effectRef idx="0"/>
+    <cs:fontRef idx="minor">
+      <a:schemeClr val="tx1"/>
+    </cs:fontRef>
+    <cs:spPr>
+      <a:ln w="9525" cap="flat" cmpd="sng" algn="ctr">
+        <a:solidFill>
+          <a:schemeClr val="tx1">
+            <a:lumMod val="65000"/>
+            <a:lumOff val="35000"/>
+          </a:schemeClr>
+        </a:solidFill>
+        <a:round/>
+      </a:ln>
+    </cs:spPr>
+  </cs:errorBar>
+  <cs:floor>
+    <cs:lnRef idx="0"/>
+    <cs:fillRef idx="0"/>
+    <cs:effectRef idx="0"/>
+    <cs:fontRef idx="minor">
+      <a:schemeClr val="tx1"/>
+    </cs:fontRef>
+    <cs:spPr>
+      <a:noFill/>
+      <a:ln>
+        <a:noFill/>
+      </a:ln>
+    </cs:spPr>
+  </cs:floor>
+  <cs:gridlineMajor>
+    <cs:lnRef idx="0"/>
+    <cs:fillRef idx="0"/>
+    <cs:effectRef idx="0"/>
+    <cs:fontRef idx="minor">
+      <a:schemeClr val="tx1"/>
+    </cs:fontRef>
+    <cs:spPr>
+      <a:ln w="9525" cap="flat" cmpd="sng" algn="ctr">
+        <a:solidFill>
+          <a:schemeClr val="tx1">
+            <a:lumMod val="15000"/>
+            <a:lumOff val="85000"/>
+          </a:schemeClr>
+        </a:solidFill>
+        <a:round/>
+      </a:ln>
+    </cs:spPr>
+  </cs:gridlineMajor>
+  <cs:gridlineMinor>
+    <cs:lnRef idx="0"/>
+    <cs:fillRef idx="0"/>
+    <cs:effectRef idx="0"/>
+    <cs:fontRef idx="minor">
+      <a:schemeClr val="tx1"/>
+    </cs:fontRef>
+    <cs:spPr>
+      <a:ln w="9525" cap="flat" cmpd="sng" algn="ctr">
+        <a:solidFill>
+          <a:schemeClr val="tx1">
+            <a:lumMod val="5000"/>
+            <a:lumOff val="95000"/>
+          </a:schemeClr>
+        </a:solidFill>
+        <a:round/>
+      </a:ln>
+    </cs:spPr>
+  </cs:gridlineMinor>
+  <cs:hiLoLine>
+    <cs:lnRef idx="0"/>
+    <cs:fillRef idx="0"/>
+    <cs:effectRef idx="0"/>
+    <cs:fontRef idx="minor">
+      <a:schemeClr val="tx1"/>
+    </cs:fontRef>
+    <cs:spPr>
+      <a:ln w="9525" cap="flat" cmpd="sng" algn="ctr">
+        <a:solidFill>
+          <a:schemeClr val="tx1">
+            <a:lumMod val="75000"/>
+            <a:lumOff val="25000"/>
+          </a:schemeClr>
+        </a:solidFill>
+        <a:round/>
+      </a:ln>
+    </cs:spPr>
+  </cs:hiLoLine>
+  <cs:leaderLine>
+    <cs:lnRef idx="0"/>
+    <cs:fillRef idx="0"/>
+    <cs:effectRef idx="0"/>
+    <cs:fontRef idx="minor">
+      <a:schemeClr val="tx1"/>
+    </cs:fontRef>
+    <cs:spPr>
+      <a:ln w="9525" cap="flat" cmpd="sng" algn="ctr">
+        <a:solidFill>
+          <a:schemeClr val="tx1">
+            <a:lumMod val="35000"/>
+            <a:lumOff val="65000"/>
+          </a:schemeClr>
+        </a:solidFill>
+        <a:round/>
+      </a:ln>
+    </cs:spPr>
+  </cs:leaderLine>
+  <cs:legend>
+    <cs:lnRef idx="0"/>
+    <cs:fillRef idx="0"/>
+    <cs:effectRef idx="0"/>
+    <cs:fontRef idx="minor">
+      <a:schemeClr val="tx1">
+        <a:lumMod val="65000"/>
+        <a:lumOff val="35000"/>
+      </a:schemeClr>
+    </cs:fontRef>
+    <cs:defRPr sz="900" kern="1200"/>
+  </cs:legend>
+  <cs:plotArea mods="allowNoFillOverride allowNoLineOverride">
+    <cs:lnRef idx="0"/>
+    <cs:fillRef idx="0"/>
+    <cs:effectRef idx="0"/>
+    <cs:fontRef idx="minor">
+      <a:schemeClr val="tx1"/>
+    </cs:fontRef>
+  </cs:plotArea>
+  <cs:plotArea3D mods="allowNoFillOverride allowNoLineOverride">
+    <cs:lnRef idx="0"/>
+    <cs:fillRef idx="0"/>
+    <cs:effectRef idx="0"/>
+    <cs:fontRef idx="minor">
+      <a:schemeClr val="tx1"/>
+    </cs:fontRef>
+  </cs:plotArea3D>
+  <cs:seriesAxis>
+    <cs:lnRef idx="0"/>
+    <cs:fillRef idx="0"/>
+    <cs:effectRef idx="0"/>
+    <cs:fontRef idx="minor">
+      <a:schemeClr val="tx1">
+        <a:lumMod val="65000"/>
+        <a:lumOff val="35000"/>
+      </a:schemeClr>
+    </cs:fontRef>
+    <cs:defRPr sz="900" kern="1200"/>
+  </cs:seriesAxis>
+  <cs:seriesLine>
+    <cs:lnRef idx="0"/>
+    <cs:fillRef idx="0"/>
+    <cs:effectRef idx="0"/>
+    <cs:fontRef idx="minor">
+      <a:schemeClr val="tx1"/>
+    </cs:fontRef>
+    <cs:spPr>
+      <a:ln w="9525" cap="flat" cmpd="sng" algn="ctr">
+        <a:solidFill>
+          <a:schemeClr val="tx1">
+            <a:lumMod val="35000"/>
+            <a:lumOff val="65000"/>
+          </a:schemeClr>
+        </a:solidFill>
+        <a:round/>
+      </a:ln>
+    </cs:spPr>
+  </cs:seriesLine>
+  <cs:title>
+    <cs:lnRef idx="0"/>
+    <cs:fillRef idx="0"/>
+    <cs:effectRef idx="0"/>
+    <cs:fontRef idx="minor">
+      <a:schemeClr val="tx1">
+        <a:lumMod val="65000"/>
+        <a:lumOff val="35000"/>
+      </a:schemeClr>
+    </cs:fontRef>
+    <cs:defRPr sz="1400" b="0" kern="1200" spc="0" baseline="0"/>
+  </cs:title>
+  <cs:trendline>
+    <cs:lnRef idx="0">
+      <cs:styleClr val="auto"/>
+    </cs:lnRef>
+    <cs:fillRef idx="0"/>
+    <cs:effectRef idx="0"/>
+    <cs:fontRef idx="minor">
+      <a:schemeClr val="tx1"/>
+    </cs:fontRef>
+    <cs:spPr>
+      <a:ln w="19050" cap="rnd">
+        <a:solidFill>
+          <a:schemeClr val="phClr"/>
+        </a:solidFill>
+        <a:prstDash val="sysDot"/>
+      </a:ln>
+    </cs:spPr>
+  </cs:trendline>
+  <cs:trendlineLabel>
+    <cs:lnRef idx="0"/>
+    <cs:fillRef idx="0"/>
+    <cs:effectRef idx="0"/>
+    <cs:fontRef idx="minor">
+      <a:schemeClr val="tx1">
+        <a:lumMod val="65000"/>
+        <a:lumOff val="35000"/>
+      </a:schemeClr>
+    </cs:fontRef>
+    <cs:defRPr sz="900" kern="1200"/>
+  </cs:trendlineLabel>
+  <cs:upBar>
+    <cs:lnRef idx="0"/>
+    <cs:fillRef idx="0"/>
+    <cs:effectRef idx="0"/>
+    <cs:fontRef idx="minor">
+      <a:schemeClr val="dk1"/>
+    </cs:fontRef>
+    <cs:spPr>
+      <a:solidFill>
+        <a:schemeClr val="lt1"/>
+      </a:solidFill>
+      <a:ln w="9525">
+        <a:solidFill>
+          <a:schemeClr val="tx1">
+            <a:lumMod val="15000"/>
+            <a:lumOff val="85000"/>
+          </a:schemeClr>
+        </a:solidFill>
+      </a:ln>
+    </cs:spPr>
+  </cs:upBar>
+  <cs:valueAxis>
+    <cs:lnRef idx="0"/>
+    <cs:fillRef idx="0"/>
+    <cs:effectRef idx="0"/>
+    <cs:fontRef idx="minor">
+      <a:schemeClr val="tx1">
+        <a:lumMod val="65000"/>
+        <a:lumOff val="35000"/>
+      </a:schemeClr>
+    </cs:fontRef>
+    <cs:defRPr sz="900" kern="1200"/>
+  </cs:valueAxis>
+  <cs:wall>
+    <cs:lnRef idx="0"/>
+    <cs:fillRef idx="0"/>
+    <cs:effectRef idx="0"/>
+    <cs:fontRef idx="minor">
+      <a:schemeClr val="tx1"/>
+    </cs:fontRef>
+    <cs:spPr>
+      <a:noFill/>
+      <a:ln>
+        <a:noFill/>
+      </a:ln>
+    </cs:spPr>
+  </cs:wall>
+</cs:chartStyle>
+</file>
+
+<file path=ppt/charts/style2.xml><?xml version="1.0" encoding="utf-8"?>
+<cs:chartStyle xmlns:cs="http://schemas.microsoft.com/office/drawing/2012/chartStyle" xmlns:a="http://schemas.openxmlformats.org/drawingml/2006/main" id="227">
+  <cs:axisTitle>
+    <cs:lnRef idx="0"/>
+    <cs:fillRef idx="0"/>
+    <cs:effectRef idx="0"/>
+    <cs:fontRef idx="minor">
+      <a:schemeClr val="tx1">
+        <a:lumMod val="65000"/>
+        <a:lumOff val="35000"/>
+      </a:schemeClr>
+    </cs:fontRef>
+    <cs:defRPr sz="1000" kern="1200"/>
+  </cs:axisTitle>
+  <cs:categoryAxis>
+    <cs:lnRef idx="0"/>
+    <cs:fillRef idx="0"/>
+    <cs:effectRef idx="0"/>
+    <cs:fontRef idx="minor">
+      <a:schemeClr val="tx1">
+        <a:lumMod val="65000"/>
+        <a:lumOff val="35000"/>
+      </a:schemeClr>
+    </cs:fontRef>
+    <cs:spPr>
+      <a:ln w="9525" cap="flat" cmpd="sng" algn="ctr">
+        <a:solidFill>
+          <a:schemeClr val="tx1">
+            <a:lumMod val="15000"/>
+            <a:lumOff val="85000"/>
+          </a:schemeClr>
+        </a:solidFill>
+        <a:round/>
+      </a:ln>
+    </cs:spPr>
+    <cs:defRPr sz="900" kern="1200"/>
+  </cs:categoryAxis>
+  <cs:chartArea mods="allowNoFillOverride allowNoLineOverride">
+    <cs:lnRef idx="0"/>
+    <cs:fillRef idx="0"/>
+    <cs:effectRef idx="0"/>
+    <cs:fontRef idx="minor">
+      <a:schemeClr val="tx1"/>
+    </cs:fontRef>
+    <cs:spPr>
+      <a:solidFill>
+        <a:schemeClr val="bg1"/>
+      </a:solidFill>
+      <a:ln w="9525" cap="flat" cmpd="sng" algn="ctr">
+        <a:solidFill>
+          <a:schemeClr val="tx1">
+            <a:lumMod val="15000"/>
+            <a:lumOff val="85000"/>
+          </a:schemeClr>
+        </a:solidFill>
+        <a:round/>
+      </a:ln>
+    </cs:spPr>
+    <cs:defRPr sz="1000" kern="1200"/>
+  </cs:chartArea>
+  <cs:dataLabel>
+    <cs:lnRef idx="0"/>
+    <cs:fillRef idx="0"/>
+    <cs:effectRef idx="0"/>
+    <cs:fontRef idx="minor">
+      <a:schemeClr val="tx1">
+        <a:lumMod val="75000"/>
+        <a:lumOff val="25000"/>
+      </a:schemeClr>
+    </cs:fontRef>
+    <cs:defRPr sz="900" kern="1200"/>
+  </cs:dataLabel>
+  <cs:dataLabelCallout>
+    <cs:lnRef idx="0"/>
+    <cs:fillRef idx="0"/>
+    <cs:effectRef idx="0"/>
+    <cs:fontRef idx="minor">
+      <a:schemeClr val="dk1">
+        <a:lumMod val="65000"/>
+        <a:lumOff val="35000"/>
+      </a:schemeClr>
+    </cs:fontRef>
+    <cs:spPr>
+      <a:solidFill>
+        <a:schemeClr val="lt1"/>
+      </a:solidFill>
+      <a:ln>
+        <a:solidFill>
+          <a:schemeClr val="dk1">
+            <a:lumMod val="25000"/>
+            <a:lumOff val="75000"/>
+          </a:schemeClr>
+        </a:solidFill>
+      </a:ln>
+    </cs:spPr>
+    <cs:defRPr sz="900" kern="1200"/>
+    <cs:bodyPr rot="0" spcFirstLastPara="1" vertOverflow="clip" horzOverflow="clip" vert="horz" wrap="square" lIns="36576" tIns="18288" rIns="36576" bIns="18288" anchor="ctr" anchorCtr="1">
+      <a:spAutoFit/>
+    </cs:bodyPr>
+  </cs:dataLabelCallout>
+  <cs:dataPoint>
+    <cs:lnRef idx="0"/>
+    <cs:fillRef idx="1">
+      <cs:styleClr val="auto"/>
+    </cs:fillRef>
+    <cs:effectRef idx="0"/>
+    <cs:fontRef idx="minor">
+      <a:schemeClr val="tx1"/>
+    </cs:fontRef>
+    <cs:spPr>
+      <a:solidFill>
+        <a:schemeClr val="phClr"/>
+      </a:solidFill>
+    </cs:spPr>
+  </cs:dataPoint>
+  <cs:dataPoint3D>
+    <cs:lnRef idx="0"/>
+    <cs:fillRef idx="1">
+      <cs:styleClr val="auto"/>
+    </cs:fillRef>
+    <cs:effectRef idx="0"/>
+    <cs:fontRef idx="minor">
+      <a:schemeClr val="tx1"/>
+    </cs:fontRef>
+    <cs:spPr>
+      <a:solidFill>
+        <a:schemeClr val="phClr"/>
+      </a:solidFill>
+    </cs:spPr>
+  </cs:dataPoint3D>
+  <cs:dataPointLine>
+    <cs:lnRef idx="0">
+      <cs:styleClr val="auto"/>
+    </cs:lnRef>
+    <cs:fillRef idx="1"/>
+    <cs:effectRef idx="0"/>
+    <cs:fontRef idx="minor">
+      <a:schemeClr val="tx1"/>
+    </cs:fontRef>
+    <cs:spPr>
+      <a:ln w="28575" cap="rnd">
+        <a:solidFill>
+          <a:schemeClr val="phClr"/>
+        </a:solidFill>
+        <a:round/>
+      </a:ln>
+    </cs:spPr>
+  </cs:dataPointLine>
+  <cs:dataPointMarker>
+    <cs:lnRef idx="0">
+      <cs:styleClr val="auto"/>
+    </cs:lnRef>
+    <cs:fillRef idx="1">
+      <cs:styleClr val="auto"/>
+    </cs:fillRef>
+    <cs:effectRef idx="0"/>
+    <cs:fontRef idx="minor">
+      <a:schemeClr val="tx1"/>
+    </cs:fontRef>
+    <cs:spPr>
+      <a:solidFill>
+        <a:schemeClr val="phClr"/>
+      </a:solidFill>
+      <a:ln w="9525">
+        <a:solidFill>
+          <a:schemeClr val="phClr"/>
+        </a:solidFill>
+      </a:ln>
+    </cs:spPr>
+  </cs:dataPointMarker>
+  <cs:dataPointMarkerLayout symbol="circle" size="5"/>
+  <cs:dataPointWireframe>
+    <cs:lnRef idx="0">
+      <cs:styleClr val="auto"/>
+    </cs:lnRef>
+    <cs:fillRef idx="1"/>
+    <cs:effectRef idx="0"/>
+    <cs:fontRef idx="minor">
+      <a:schemeClr val="tx1"/>
+    </cs:fontRef>
+    <cs:spPr>
+      <a:ln w="9525" cap="rnd">
+        <a:solidFill>
+          <a:schemeClr val="phClr"/>
+        </a:solidFill>
+        <a:round/>
+      </a:ln>
+    </cs:spPr>
+  </cs:dataPointWireframe>
+  <cs:dataTable>
+    <cs:lnRef idx="0"/>
+    <cs:fillRef idx="0"/>
+    <cs:effectRef idx="0"/>
+    <cs:fontRef idx="minor">
+      <a:schemeClr val="tx1">
+        <a:lumMod val="65000"/>
+        <a:lumOff val="35000"/>
+      </a:schemeClr>
+    </cs:fontRef>
+    <cs:spPr>
+      <a:noFill/>
+      <a:ln w="9525" cap="flat" cmpd="sng" algn="ctr">
+        <a:solidFill>
+          <a:schemeClr val="tx1">
+            <a:lumMod val="15000"/>
+            <a:lumOff val="85000"/>
+          </a:schemeClr>
+        </a:solidFill>
+        <a:round/>
+      </a:ln>
+    </cs:spPr>
+    <cs:defRPr sz="900" kern="1200"/>
+  </cs:dataTable>
+  <cs:downBar>
+    <cs:lnRef idx="0"/>
+    <cs:fillRef idx="0"/>
+    <cs:effectRef idx="0"/>
+    <cs:fontRef idx="minor">
+      <a:schemeClr val="dk1"/>
+    </cs:fontRef>
+    <cs:spPr>
+      <a:solidFill>
+        <a:schemeClr val="dk1">
+          <a:lumMod val="65000"/>
+          <a:lumOff val="35000"/>
+        </a:schemeClr>
+      </a:solidFill>
+      <a:ln w="9525">
+        <a:solidFill>
+          <a:schemeClr val="tx1">
+            <a:lumMod val="65000"/>
+            <a:lumOff val="35000"/>
+          </a:schemeClr>
+        </a:solidFill>
+      </a:ln>
+    </cs:spPr>
+  </cs:downBar>
+  <cs:dropLine>
+    <cs:lnRef idx="0"/>
+    <cs:fillRef idx="0"/>
+    <cs:effectRef idx="0"/>
+    <cs:fontRef idx="minor">
+      <a:schemeClr val="tx1"/>
+    </cs:fontRef>
+    <cs:spPr>
+      <a:ln w="9525" cap="flat" cmpd="sng" algn="ctr">
+        <a:solidFill>
+          <a:schemeClr val="tx1">
+            <a:lumMod val="35000"/>
+            <a:lumOff val="65000"/>
+          </a:schemeClr>
+        </a:solidFill>
+        <a:round/>
+      </a:ln>
+    </cs:spPr>
+  </cs:dropLine>
+  <cs:errorBar>
+    <cs:lnRef idx="0"/>
+    <cs:fillRef idx="0"/>
+    <cs:effectRef idx="0"/>
+    <cs:fontRef idx="minor">
+      <a:schemeClr val="tx1"/>
+    </cs:fontRef>
+    <cs:spPr>
+      <a:ln w="9525" cap="flat" cmpd="sng" algn="ctr">
+        <a:solidFill>
+          <a:schemeClr val="tx1">
+            <a:lumMod val="65000"/>
+            <a:lumOff val="35000"/>
+          </a:schemeClr>
+        </a:solidFill>
+        <a:round/>
+      </a:ln>
+    </cs:spPr>
+  </cs:errorBar>
+  <cs:floor>
+    <cs:lnRef idx="0"/>
+    <cs:fillRef idx="0"/>
+    <cs:effectRef idx="0"/>
+    <cs:fontRef idx="minor">
+      <a:schemeClr val="tx1"/>
+    </cs:fontRef>
+    <cs:spPr>
+      <a:noFill/>
+      <a:ln>
+        <a:noFill/>
+      </a:ln>
+    </cs:spPr>
+  </cs:floor>
+  <cs:gridlineMajor>
+    <cs:lnRef idx="0"/>
+    <cs:fillRef idx="0"/>
+    <cs:effectRef idx="0"/>
+    <cs:fontRef idx="minor">
+      <a:schemeClr val="tx1"/>
+    </cs:fontRef>
+    <cs:spPr>
+      <a:ln w="9525" cap="flat" cmpd="sng" algn="ctr">
+        <a:solidFill>
+          <a:schemeClr val="tx1">
+            <a:lumMod val="15000"/>
+            <a:lumOff val="85000"/>
+          </a:schemeClr>
+        </a:solidFill>
+        <a:round/>
+      </a:ln>
+    </cs:spPr>
+  </cs:gridlineMajor>
+  <cs:gridlineMinor>
+    <cs:lnRef idx="0"/>
+    <cs:fillRef idx="0"/>
+    <cs:effectRef idx="0"/>
+    <cs:fontRef idx="minor">
+      <a:schemeClr val="tx1"/>
+    </cs:fontRef>
+    <cs:spPr>
+      <a:ln w="9525" cap="flat" cmpd="sng" algn="ctr">
+        <a:solidFill>
+          <a:schemeClr val="tx1">
+            <a:lumMod val="5000"/>
+            <a:lumOff val="95000"/>
+          </a:schemeClr>
+        </a:solidFill>
+        <a:round/>
+      </a:ln>
+    </cs:spPr>
+  </cs:gridlineMinor>
+  <cs:hiLoLine>
+    <cs:lnRef idx="0"/>
+    <cs:fillRef idx="0"/>
+    <cs:effectRef idx="0"/>
+    <cs:fontRef idx="minor">
+      <a:schemeClr val="tx1"/>
+    </cs:fontRef>
+    <cs:spPr>
+      <a:ln w="9525" cap="flat" cmpd="sng" algn="ctr">
+        <a:solidFill>
+          <a:schemeClr val="tx1">
+            <a:lumMod val="75000"/>
+            <a:lumOff val="25000"/>
+          </a:schemeClr>
+        </a:solidFill>
+        <a:round/>
+      </a:ln>
+    </cs:spPr>
+  </cs:hiLoLine>
+  <cs:leaderLine>
+    <cs:lnRef idx="0"/>
+    <cs:fillRef idx="0"/>
+    <cs:effectRef idx="0"/>
+    <cs:fontRef idx="minor">
+      <a:schemeClr val="tx1"/>
+    </cs:fontRef>
+    <cs:spPr>
+      <a:ln w="9525" cap="flat" cmpd="sng" algn="ctr">
+        <a:solidFill>
+          <a:schemeClr val="tx1">
+            <a:lumMod val="35000"/>
+            <a:lumOff val="65000"/>
+          </a:schemeClr>
+        </a:solidFill>
+        <a:round/>
+      </a:ln>
+    </cs:spPr>
+  </cs:leaderLine>
+  <cs:legend>
+    <cs:lnRef idx="0"/>
+    <cs:fillRef idx="0"/>
+    <cs:effectRef idx="0"/>
+    <cs:fontRef idx="minor">
+      <a:schemeClr val="tx1">
+        <a:lumMod val="65000"/>
+        <a:lumOff val="35000"/>
+      </a:schemeClr>
+    </cs:fontRef>
+    <cs:defRPr sz="900" kern="1200"/>
+  </cs:legend>
+  <cs:plotArea mods="allowNoFillOverride allowNoLineOverride">
+    <cs:lnRef idx="0"/>
+    <cs:fillRef idx="0"/>
+    <cs:effectRef idx="0"/>
+    <cs:fontRef idx="minor">
+      <a:schemeClr val="tx1"/>
+    </cs:fontRef>
+  </cs:plotArea>
+  <cs:plotArea3D mods="allowNoFillOverride allowNoLineOverride">
+    <cs:lnRef idx="0"/>
+    <cs:fillRef idx="0"/>
+    <cs:effectRef idx="0"/>
+    <cs:fontRef idx="minor">
+      <a:schemeClr val="tx1"/>
+    </cs:fontRef>
+  </cs:plotArea3D>
+  <cs:seriesAxis>
+    <cs:lnRef idx="0"/>
+    <cs:fillRef idx="0"/>
+    <cs:effectRef idx="0"/>
+    <cs:fontRef idx="minor">
+      <a:schemeClr val="tx1">
+        <a:lumMod val="65000"/>
+        <a:lumOff val="35000"/>
+      </a:schemeClr>
+    </cs:fontRef>
+    <cs:defRPr sz="900" kern="1200"/>
+  </cs:seriesAxis>
+  <cs:seriesLine>
+    <cs:lnRef idx="0"/>
+    <cs:fillRef idx="0"/>
+    <cs:effectRef idx="0"/>
+    <cs:fontRef idx="minor">
+      <a:schemeClr val="tx1"/>
+    </cs:fontRef>
+    <cs:spPr>
+      <a:ln w="9525" cap="flat" cmpd="sng" algn="ctr">
+        <a:solidFill>
+          <a:schemeClr val="tx1">
+            <a:lumMod val="35000"/>
+            <a:lumOff val="65000"/>
+          </a:schemeClr>
+        </a:solidFill>
+        <a:round/>
+      </a:ln>
+    </cs:spPr>
+  </cs:seriesLine>
+  <cs:title>
+    <cs:lnRef idx="0"/>
+    <cs:fillRef idx="0"/>
+    <cs:effectRef idx="0"/>
+    <cs:fontRef idx="minor">
+      <a:schemeClr val="tx1">
+        <a:lumMod val="65000"/>
+        <a:lumOff val="35000"/>
+      </a:schemeClr>
+    </cs:fontRef>
+    <cs:defRPr sz="1400" b="0" kern="1200" spc="0" baseline="0"/>
+  </cs:title>
+  <cs:trendline>
+    <cs:lnRef idx="0">
+      <cs:styleClr val="auto"/>
+    </cs:lnRef>
+    <cs:fillRef idx="0"/>
+    <cs:effectRef idx="0"/>
+    <cs:fontRef idx="minor">
+      <a:schemeClr val="tx1"/>
+    </cs:fontRef>
+    <cs:spPr>
+      <a:ln w="19050" cap="rnd">
+        <a:solidFill>
+          <a:schemeClr val="phClr"/>
+        </a:solidFill>
+        <a:prstDash val="sysDot"/>
+      </a:ln>
+    </cs:spPr>
+  </cs:trendline>
+  <cs:trendlineLabel>
+    <cs:lnRef idx="0"/>
+    <cs:fillRef idx="0"/>
+    <cs:effectRef idx="0"/>
+    <cs:fontRef idx="minor">
+      <a:schemeClr val="tx1">
+        <a:lumMod val="65000"/>
+        <a:lumOff val="35000"/>
+      </a:schemeClr>
+    </cs:fontRef>
+    <cs:defRPr sz="900" kern="1200"/>
+  </cs:trendlineLabel>
+  <cs:upBar>
+    <cs:lnRef idx="0"/>
+    <cs:fillRef idx="0"/>
+    <cs:effectRef idx="0"/>
+    <cs:fontRef idx="minor">
+      <a:schemeClr val="dk1"/>
+    </cs:fontRef>
+    <cs:spPr>
+      <a:solidFill>
+        <a:schemeClr val="lt1"/>
+      </a:solidFill>
+      <a:ln w="9525">
+        <a:solidFill>
+          <a:schemeClr val="tx1">
+            <a:lumMod val="15000"/>
+            <a:lumOff val="85000"/>
+          </a:schemeClr>
+        </a:solidFill>
+      </a:ln>
+    </cs:spPr>
+  </cs:upBar>
+  <cs:valueAxis>
+    <cs:lnRef idx="0"/>
+    <cs:fillRef idx="0"/>
+    <cs:effectRef idx="0"/>
+    <cs:fontRef idx="minor">
+      <a:schemeClr val="tx1">
+        <a:lumMod val="65000"/>
+        <a:lumOff val="35000"/>
+      </a:schemeClr>
+    </cs:fontRef>
+    <cs:defRPr sz="900" kern="1200"/>
+  </cs:valueAxis>
+  <cs:wall>
+    <cs:lnRef idx="0"/>
+    <cs:fillRef idx="0"/>
+    <cs:effectRef idx="0"/>
+    <cs:fontRef idx="minor">
+      <a:schemeClr val="tx1"/>
+    </cs:fontRef>
+    <cs:spPr>
+      <a:noFill/>
+      <a:ln>
+        <a:noFill/>
+      </a:ln>
+    </cs:spPr>
+  </cs:wall>
+</cs:chartStyle>
 </file>
 
 <file path=ppt/notesMasters/notesMaster1.xml><?xml version="1.0" encoding="utf-8"?>
@@ -499,6 +2457,90 @@
 </p:notesMaster>
 </file>
 
+<file path=ppt/notesSlides/notesSlide1.xml><?xml version="1.0" encoding="utf-8"?>
+<p:notes xmlns:a="http://schemas.openxmlformats.org/drawingml/2006/main" xmlns:r="http://schemas.openxmlformats.org/officeDocument/2006/relationships" xmlns:p="http://schemas.openxmlformats.org/presentationml/2006/main">
+  <p:cSld>
+    <p:spTree>
+      <p:nvGrpSpPr>
+        <p:cNvPr id="1" name=""/>
+        <p:cNvGrpSpPr/>
+        <p:nvPr/>
+      </p:nvGrpSpPr>
+      <p:grpSpPr>
+        <a:xfrm>
+          <a:off x="0" y="0"/>
+          <a:ext cx="0" cy="0"/>
+          <a:chOff x="0" y="0"/>
+          <a:chExt cx="0" cy="0"/>
+        </a:xfrm>
+      </p:grpSpPr>
+      <p:sp>
+        <p:nvSpPr>
+          <p:cNvPr id="2" name="슬라이드 이미지 개체 틀 1"/>
+          <p:cNvSpPr>
+            <a:spLocks noGrp="1" noRot="1" noChangeAspect="1"/>
+          </p:cNvSpPr>
+          <p:nvPr>
+            <p:ph type="sldImg"/>
+          </p:nvPr>
+        </p:nvSpPr>
+        <p:spPr/>
+      </p:sp>
+      <p:sp>
+        <p:nvSpPr>
+          <p:cNvPr id="3" name="슬라이드 노트 개체 틀 2"/>
+          <p:cNvSpPr>
+            <a:spLocks noGrp="1"/>
+          </p:cNvSpPr>
+          <p:nvPr>
+            <p:ph type="body" idx="1"/>
+          </p:nvPr>
+        </p:nvSpPr>
+        <p:spPr/>
+        <p:txBody>
+          <a:bodyPr/>
+          <a:lstStyle/>
+          <a:p>
+            <a:endParaRPr lang="ko-KR" altLang="en-US" dirty="0"/>
+          </a:p>
+        </p:txBody>
+      </p:sp>
+      <p:sp>
+        <p:nvSpPr>
+          <p:cNvPr id="4" name="슬라이드 번호 개체 틀 3"/>
+          <p:cNvSpPr>
+            <a:spLocks noGrp="1"/>
+          </p:cNvSpPr>
+          <p:nvPr>
+            <p:ph type="sldNum" sz="quarter" idx="10"/>
+          </p:nvPr>
+        </p:nvSpPr>
+        <p:spPr/>
+        <p:txBody>
+          <a:bodyPr/>
+          <a:lstStyle/>
+          <a:p>
+            <a:fld id="{AAA6942D-25AB-4ACA-B3A7-971BDC4C0087}" type="slidenum">
+              <a:rPr lang="ko-KR" altLang="en-US" smtClean="0"/>
+              <a:t>3</a:t>
+            </a:fld>
+            <a:endParaRPr lang="ko-KR" altLang="en-US"/>
+          </a:p>
+        </p:txBody>
+      </p:sp>
+    </p:spTree>
+    <p:extLst>
+      <p:ext uri="{BB962C8B-B14F-4D97-AF65-F5344CB8AC3E}">
+        <p14:creationId xmlns:p14="http://schemas.microsoft.com/office/powerpoint/2010/main" val="3171444463"/>
+      </p:ext>
+    </p:extLst>
+  </p:cSld>
+  <p:clrMapOvr>
+    <a:masterClrMapping/>
+  </p:clrMapOvr>
+</p:notes>
+</file>
+
 <file path=ppt/slideLayouts/slideLayout1.xml><?xml version="1.0" encoding="utf-8"?>
 <p:sldLayout xmlns:a="http://schemas.openxmlformats.org/drawingml/2006/main" xmlns:r="http://schemas.openxmlformats.org/officeDocument/2006/relationships" xmlns:p="http://schemas.openxmlformats.org/presentationml/2006/main" preserve="1" userDrawn="1">
   <p:cSld name="표지 및 간지">
@@ -641,7 +2683,7 @@
           <a:bodyPr/>
           <a:lstStyle/>
           <a:p>
-            <a:fld id="{A51B478A-7C27-4A51-922B-A2D72932EF15}" type="datetime1">
+            <a:fld id="{E48672B6-4FD6-41B5-B3A2-25B4ED693D74}" type="datetime1">
               <a:rPr lang="ko-KR" altLang="en-US" smtClean="0"/>
               <a:t>2020-09-10</a:t>
             </a:fld>
@@ -1041,7 +3083,7 @@
             </a:lvl1pPr>
           </a:lstStyle>
           <a:p>
-            <a:fld id="{7023700B-13B8-4C15-BB37-AC39ED655A26}" type="datetime1">
+            <a:fld id="{498AEA53-349B-4436-BE50-3A4F6E0F5242}" type="datetime1">
               <a:rPr lang="ko-KR" altLang="en-US" smtClean="0"/>
               <a:t>2020-09-10</a:t>
             </a:fld>
@@ -1464,6 +3506,156 @@
 </p:sld>
 </file>
 
+<file path=ppt/slides/slide10.xml><?xml version="1.0" encoding="utf-8"?>
+<p:sld xmlns:a="http://schemas.openxmlformats.org/drawingml/2006/main" xmlns:r="http://schemas.openxmlformats.org/officeDocument/2006/relationships" xmlns:p="http://schemas.openxmlformats.org/presentationml/2006/main">
+  <p:cSld>
+    <p:spTree>
+      <p:nvGrpSpPr>
+        <p:cNvPr id="1" name=""/>
+        <p:cNvGrpSpPr/>
+        <p:nvPr/>
+      </p:nvGrpSpPr>
+      <p:grpSpPr>
+        <a:xfrm>
+          <a:off x="0" y="0"/>
+          <a:ext cx="0" cy="0"/>
+          <a:chOff x="0" y="0"/>
+          <a:chExt cx="0" cy="0"/>
+        </a:xfrm>
+      </p:grpSpPr>
+      <p:sp>
+        <p:nvSpPr>
+          <p:cNvPr id="2" name="제목 1"/>
+          <p:cNvSpPr>
+            <a:spLocks noGrp="1"/>
+          </p:cNvSpPr>
+          <p:nvPr>
+            <p:ph type="title"/>
+          </p:nvPr>
+        </p:nvSpPr>
+        <p:spPr/>
+        <p:txBody>
+          <a:bodyPr/>
+          <a:lstStyle/>
+          <a:p>
+            <a:endParaRPr lang="ko-KR" altLang="en-US"/>
+          </a:p>
+        </p:txBody>
+      </p:sp>
+      <p:sp>
+        <p:nvSpPr>
+          <p:cNvPr id="3" name="내용 개체 틀 2"/>
+          <p:cNvSpPr>
+            <a:spLocks noGrp="1"/>
+          </p:cNvSpPr>
+          <p:nvPr>
+            <p:ph idx="1"/>
+          </p:nvPr>
+        </p:nvSpPr>
+        <p:spPr/>
+        <p:txBody>
+          <a:bodyPr/>
+          <a:lstStyle/>
+          <a:p>
+            <a:endParaRPr lang="ko-KR" altLang="en-US"/>
+          </a:p>
+        </p:txBody>
+      </p:sp>
+    </p:spTree>
+    <p:extLst>
+      <p:ext uri="{BB962C8B-B14F-4D97-AF65-F5344CB8AC3E}">
+        <p14:creationId xmlns:p14="http://schemas.microsoft.com/office/powerpoint/2010/main" val="2537661714"/>
+      </p:ext>
+    </p:extLst>
+  </p:cSld>
+  <p:clrMapOvr>
+    <a:masterClrMapping/>
+  </p:clrMapOvr>
+  <p:timing>
+    <p:tnLst>
+      <p:par>
+        <p:cTn id="1" dur="indefinite" restart="never" nodeType="tmRoot"/>
+      </p:par>
+    </p:tnLst>
+  </p:timing>
+</p:sld>
+</file>
+
+<file path=ppt/slides/slide11.xml><?xml version="1.0" encoding="utf-8"?>
+<p:sld xmlns:a="http://schemas.openxmlformats.org/drawingml/2006/main" xmlns:r="http://schemas.openxmlformats.org/officeDocument/2006/relationships" xmlns:p="http://schemas.openxmlformats.org/presentationml/2006/main">
+  <p:cSld>
+    <p:spTree>
+      <p:nvGrpSpPr>
+        <p:cNvPr id="1" name=""/>
+        <p:cNvGrpSpPr/>
+        <p:nvPr/>
+      </p:nvGrpSpPr>
+      <p:grpSpPr>
+        <a:xfrm>
+          <a:off x="0" y="0"/>
+          <a:ext cx="0" cy="0"/>
+          <a:chOff x="0" y="0"/>
+          <a:chExt cx="0" cy="0"/>
+        </a:xfrm>
+      </p:grpSpPr>
+      <p:sp>
+        <p:nvSpPr>
+          <p:cNvPr id="2" name="제목 1"/>
+          <p:cNvSpPr>
+            <a:spLocks noGrp="1"/>
+          </p:cNvSpPr>
+          <p:nvPr>
+            <p:ph type="title"/>
+          </p:nvPr>
+        </p:nvSpPr>
+        <p:spPr/>
+        <p:txBody>
+          <a:bodyPr/>
+          <a:lstStyle/>
+          <a:p>
+            <a:endParaRPr lang="ko-KR" altLang="en-US"/>
+          </a:p>
+        </p:txBody>
+      </p:sp>
+      <p:sp>
+        <p:nvSpPr>
+          <p:cNvPr id="3" name="내용 개체 틀 2"/>
+          <p:cNvSpPr>
+            <a:spLocks noGrp="1"/>
+          </p:cNvSpPr>
+          <p:nvPr>
+            <p:ph idx="1"/>
+          </p:nvPr>
+        </p:nvSpPr>
+        <p:spPr/>
+        <p:txBody>
+          <a:bodyPr/>
+          <a:lstStyle/>
+          <a:p>
+            <a:endParaRPr lang="ko-KR" altLang="en-US"/>
+          </a:p>
+        </p:txBody>
+      </p:sp>
+    </p:spTree>
+    <p:extLst>
+      <p:ext uri="{BB962C8B-B14F-4D97-AF65-F5344CB8AC3E}">
+        <p14:creationId xmlns:p14="http://schemas.microsoft.com/office/powerpoint/2010/main" val="2631508754"/>
+      </p:ext>
+    </p:extLst>
+  </p:cSld>
+  <p:clrMapOvr>
+    <a:masterClrMapping/>
+  </p:clrMapOvr>
+  <p:timing>
+    <p:tnLst>
+      <p:par>
+        <p:cTn id="1" dur="indefinite" restart="never" nodeType="tmRoot"/>
+      </p:par>
+    </p:tnLst>
+  </p:timing>
+</p:sld>
+</file>
+
 <file path=ppt/slides/slide2.xml><?xml version="1.0" encoding="utf-8"?>
 <p:sld xmlns:a="http://schemas.openxmlformats.org/drawingml/2006/main" xmlns:r="http://schemas.openxmlformats.org/officeDocument/2006/relationships" xmlns:p="http://schemas.openxmlformats.org/presentationml/2006/main">
   <p:cSld>
@@ -1651,25 +3843,1582 @@
           </a:p>
         </p:txBody>
       </p:sp>
-      <p:sp>
-        <p:nvSpPr>
-          <p:cNvPr id="3" name="내용 개체 틀 2"/>
-          <p:cNvSpPr>
-            <a:spLocks noGrp="1"/>
-          </p:cNvSpPr>
+      <p:graphicFrame>
+        <p:nvGraphicFramePr>
+          <p:cNvPr id="4" name="내용 개체 틀 3"/>
+          <p:cNvGraphicFramePr>
+            <a:graphicFrameLocks noGrp="1"/>
+          </p:cNvGraphicFramePr>
           <p:nvPr>
             <p:ph idx="1"/>
+            <p:extLst>
+              <p:ext uri="{D42A27DB-BD31-4B8C-83A1-F6EECF244321}">
+                <p14:modId xmlns:p14="http://schemas.microsoft.com/office/powerpoint/2010/main" val="2708869542"/>
+              </p:ext>
+            </p:extLst>
           </p:nvPr>
-        </p:nvSpPr>
-        <p:spPr/>
-        <p:txBody>
-          <a:bodyPr/>
-          <a:lstStyle/>
-          <a:p>
-            <a:endParaRPr lang="ko-KR" altLang="en-US"/>
-          </a:p>
-        </p:txBody>
-      </p:sp>
+        </p:nvGraphicFramePr>
+        <p:xfrm>
+          <a:off x="453000" y="2439000"/>
+          <a:ext cx="8543925" cy="1849120"/>
+        </p:xfrm>
+        <a:graphic>
+          <a:graphicData uri="http://schemas.openxmlformats.org/drawingml/2006/table">
+            <a:tbl>
+              <a:tblPr firstRow="1" bandRow="1">
+                <a:tableStyleId>{5C22544A-7EE6-4342-B048-85BDC9FD1C3A}</a:tableStyleId>
+              </a:tblPr>
+              <a:tblGrid>
+                <a:gridCol w="1708785">
+                  <a:extLst>
+                    <a:ext uri="{9D8B030D-6E8A-4147-A177-3AD203B41FA5}">
+                      <a16:colId xmlns:a16="http://schemas.microsoft.com/office/drawing/2014/main" val="3414896272"/>
+                    </a:ext>
+                  </a:extLst>
+                </a:gridCol>
+                <a:gridCol w="1708785">
+                  <a:extLst>
+                    <a:ext uri="{9D8B030D-6E8A-4147-A177-3AD203B41FA5}">
+                      <a16:colId xmlns:a16="http://schemas.microsoft.com/office/drawing/2014/main" val="2658816696"/>
+                    </a:ext>
+                  </a:extLst>
+                </a:gridCol>
+                <a:gridCol w="1708785">
+                  <a:extLst>
+                    <a:ext uri="{9D8B030D-6E8A-4147-A177-3AD203B41FA5}">
+                      <a16:colId xmlns:a16="http://schemas.microsoft.com/office/drawing/2014/main" val="2779662928"/>
+                    </a:ext>
+                  </a:extLst>
+                </a:gridCol>
+                <a:gridCol w="1708785">
+                  <a:extLst>
+                    <a:ext uri="{9D8B030D-6E8A-4147-A177-3AD203B41FA5}">
+                      <a16:colId xmlns:a16="http://schemas.microsoft.com/office/drawing/2014/main" val="2813833847"/>
+                    </a:ext>
+                  </a:extLst>
+                </a:gridCol>
+                <a:gridCol w="1708785">
+                  <a:extLst>
+                    <a:ext uri="{9D8B030D-6E8A-4147-A177-3AD203B41FA5}">
+                      <a16:colId xmlns:a16="http://schemas.microsoft.com/office/drawing/2014/main" val="2458656860"/>
+                    </a:ext>
+                  </a:extLst>
+                </a:gridCol>
+              </a:tblGrid>
+              <a:tr h="370840">
+                <a:tc>
+                  <a:txBody>
+                    <a:bodyPr/>
+                    <a:lstStyle/>
+                    <a:p>
+                      <a:pPr latinLnBrk="1"/>
+                      <a:endParaRPr lang="ko-KR" altLang="en-US" dirty="0">
+                        <a:ln>
+                          <a:solidFill>
+                            <a:schemeClr val="accent1"/>
+                          </a:solidFill>
+                        </a:ln>
+                      </a:endParaRPr>
+                    </a:p>
+                  </a:txBody>
+                  <a:tcPr>
+                    <a:lnL w="6350" cap="flat" cmpd="sng" algn="ctr">
+                      <a:noFill/>
+                      <a:prstDash val="solid"/>
+                      <a:round/>
+                      <a:headEnd type="none" w="med" len="med"/>
+                      <a:tailEnd type="none" w="med" len="med"/>
+                    </a:lnL>
+                    <a:lnR w="6350" cap="flat" cmpd="sng" algn="ctr">
+                      <a:solidFill>
+                        <a:schemeClr val="tx1"/>
+                      </a:solidFill>
+                      <a:prstDash val="solid"/>
+                      <a:round/>
+                      <a:headEnd type="none" w="med" len="med"/>
+                      <a:tailEnd type="none" w="med" len="med"/>
+                    </a:lnR>
+                    <a:lnT w="19050" cap="flat" cmpd="sng" algn="ctr">
+                      <a:solidFill>
+                        <a:schemeClr val="tx1"/>
+                      </a:solidFill>
+                      <a:prstDash val="solid"/>
+                      <a:round/>
+                      <a:headEnd type="none" w="med" len="med"/>
+                      <a:tailEnd type="none" w="med" len="med"/>
+                    </a:lnT>
+                    <a:lnB w="6350" cap="flat" cmpd="sng" algn="ctr">
+                      <a:solidFill>
+                        <a:schemeClr val="tx1"/>
+                      </a:solidFill>
+                      <a:prstDash val="solid"/>
+                      <a:round/>
+                      <a:headEnd type="none" w="med" len="med"/>
+                      <a:tailEnd type="none" w="med" len="med"/>
+                    </a:lnB>
+                    <a:lnTlToBr w="12700" cmpd="sng">
+                      <a:noFill/>
+                      <a:prstDash val="solid"/>
+                    </a:lnTlToBr>
+                    <a:lnBlToTr w="12700" cmpd="sng">
+                      <a:noFill/>
+                      <a:prstDash val="solid"/>
+                    </a:lnBlToTr>
+                    <a:solidFill>
+                      <a:schemeClr val="bg1">
+                        <a:lumMod val="85000"/>
+                      </a:schemeClr>
+                    </a:solidFill>
+                  </a:tcPr>
+                </a:tc>
+                <a:tc>
+                  <a:txBody>
+                    <a:bodyPr/>
+                    <a:lstStyle/>
+                    <a:p>
+                      <a:pPr latinLnBrk="1"/>
+                      <a:endParaRPr lang="ko-KR" altLang="en-US" dirty="0">
+                        <a:ln>
+                          <a:solidFill>
+                            <a:schemeClr val="accent1"/>
+                          </a:solidFill>
+                        </a:ln>
+                      </a:endParaRPr>
+                    </a:p>
+                  </a:txBody>
+                  <a:tcPr>
+                    <a:lnL w="6350" cap="flat" cmpd="sng" algn="ctr">
+                      <a:solidFill>
+                        <a:schemeClr val="tx1"/>
+                      </a:solidFill>
+                      <a:prstDash val="solid"/>
+                      <a:round/>
+                      <a:headEnd type="none" w="med" len="med"/>
+                      <a:tailEnd type="none" w="med" len="med"/>
+                    </a:lnL>
+                    <a:lnR w="6350" cap="flat" cmpd="sng" algn="ctr">
+                      <a:solidFill>
+                        <a:schemeClr val="tx1"/>
+                      </a:solidFill>
+                      <a:prstDash val="solid"/>
+                      <a:round/>
+                      <a:headEnd type="none" w="med" len="med"/>
+                      <a:tailEnd type="none" w="med" len="med"/>
+                    </a:lnR>
+                    <a:lnT w="19050" cap="flat" cmpd="sng" algn="ctr">
+                      <a:solidFill>
+                        <a:schemeClr val="tx1"/>
+                      </a:solidFill>
+                      <a:prstDash val="solid"/>
+                      <a:round/>
+                      <a:headEnd type="none" w="med" len="med"/>
+                      <a:tailEnd type="none" w="med" len="med"/>
+                    </a:lnT>
+                    <a:lnB w="6350" cap="flat" cmpd="sng" algn="ctr">
+                      <a:solidFill>
+                        <a:schemeClr val="tx1"/>
+                      </a:solidFill>
+                      <a:prstDash val="solid"/>
+                      <a:round/>
+                      <a:headEnd type="none" w="med" len="med"/>
+                      <a:tailEnd type="none" w="med" len="med"/>
+                    </a:lnB>
+                    <a:solidFill>
+                      <a:schemeClr val="bg1">
+                        <a:lumMod val="85000"/>
+                      </a:schemeClr>
+                    </a:solidFill>
+                  </a:tcPr>
+                </a:tc>
+                <a:tc>
+                  <a:txBody>
+                    <a:bodyPr/>
+                    <a:lstStyle/>
+                    <a:p>
+                      <a:pPr latinLnBrk="1"/>
+                      <a:endParaRPr lang="ko-KR" altLang="en-US" dirty="0">
+                        <a:ln>
+                          <a:solidFill>
+                            <a:schemeClr val="accent1"/>
+                          </a:solidFill>
+                        </a:ln>
+                      </a:endParaRPr>
+                    </a:p>
+                  </a:txBody>
+                  <a:tcPr>
+                    <a:lnL w="6350" cap="flat" cmpd="sng" algn="ctr">
+                      <a:solidFill>
+                        <a:schemeClr val="tx1"/>
+                      </a:solidFill>
+                      <a:prstDash val="solid"/>
+                      <a:round/>
+                      <a:headEnd type="none" w="med" len="med"/>
+                      <a:tailEnd type="none" w="med" len="med"/>
+                    </a:lnL>
+                    <a:lnR w="6350" cap="flat" cmpd="sng" algn="ctr">
+                      <a:solidFill>
+                        <a:schemeClr val="tx1"/>
+                      </a:solidFill>
+                      <a:prstDash val="solid"/>
+                      <a:round/>
+                      <a:headEnd type="none" w="med" len="med"/>
+                      <a:tailEnd type="none" w="med" len="med"/>
+                    </a:lnR>
+                    <a:lnT w="19050" cap="flat" cmpd="sng" algn="ctr">
+                      <a:solidFill>
+                        <a:schemeClr val="tx1"/>
+                      </a:solidFill>
+                      <a:prstDash val="solid"/>
+                      <a:round/>
+                      <a:headEnd type="none" w="med" len="med"/>
+                      <a:tailEnd type="none" w="med" len="med"/>
+                    </a:lnT>
+                    <a:lnB w="6350" cap="flat" cmpd="sng" algn="ctr">
+                      <a:solidFill>
+                        <a:schemeClr val="tx1"/>
+                      </a:solidFill>
+                      <a:prstDash val="solid"/>
+                      <a:round/>
+                      <a:headEnd type="none" w="med" len="med"/>
+                      <a:tailEnd type="none" w="med" len="med"/>
+                    </a:lnB>
+                    <a:solidFill>
+                      <a:schemeClr val="bg1">
+                        <a:lumMod val="85000"/>
+                      </a:schemeClr>
+                    </a:solidFill>
+                  </a:tcPr>
+                </a:tc>
+                <a:tc>
+                  <a:txBody>
+                    <a:bodyPr/>
+                    <a:lstStyle/>
+                    <a:p>
+                      <a:pPr latinLnBrk="1"/>
+                      <a:endParaRPr lang="ko-KR" altLang="en-US" dirty="0">
+                        <a:ln>
+                          <a:solidFill>
+                            <a:schemeClr val="accent1"/>
+                          </a:solidFill>
+                        </a:ln>
+                      </a:endParaRPr>
+                    </a:p>
+                  </a:txBody>
+                  <a:tcPr>
+                    <a:lnL w="6350" cap="flat" cmpd="sng" algn="ctr">
+                      <a:solidFill>
+                        <a:schemeClr val="tx1"/>
+                      </a:solidFill>
+                      <a:prstDash val="solid"/>
+                      <a:round/>
+                      <a:headEnd type="none" w="med" len="med"/>
+                      <a:tailEnd type="none" w="med" len="med"/>
+                    </a:lnL>
+                    <a:lnR w="6350" cap="flat" cmpd="sng" algn="ctr">
+                      <a:solidFill>
+                        <a:schemeClr val="tx1"/>
+                      </a:solidFill>
+                      <a:prstDash val="solid"/>
+                      <a:round/>
+                      <a:headEnd type="none" w="med" len="med"/>
+                      <a:tailEnd type="none" w="med" len="med"/>
+                    </a:lnR>
+                    <a:lnT w="19050" cap="flat" cmpd="sng" algn="ctr">
+                      <a:solidFill>
+                        <a:schemeClr val="tx1"/>
+                      </a:solidFill>
+                      <a:prstDash val="solid"/>
+                      <a:round/>
+                      <a:headEnd type="none" w="med" len="med"/>
+                      <a:tailEnd type="none" w="med" len="med"/>
+                    </a:lnT>
+                    <a:lnB w="6350" cap="flat" cmpd="sng" algn="ctr">
+                      <a:solidFill>
+                        <a:schemeClr val="tx1"/>
+                      </a:solidFill>
+                      <a:prstDash val="solid"/>
+                      <a:round/>
+                      <a:headEnd type="none" w="med" len="med"/>
+                      <a:tailEnd type="none" w="med" len="med"/>
+                    </a:lnB>
+                    <a:solidFill>
+                      <a:schemeClr val="bg1">
+                        <a:lumMod val="85000"/>
+                      </a:schemeClr>
+                    </a:solidFill>
+                  </a:tcPr>
+                </a:tc>
+                <a:tc>
+                  <a:txBody>
+                    <a:bodyPr/>
+                    <a:lstStyle/>
+                    <a:p>
+                      <a:pPr latinLnBrk="1"/>
+                      <a:endParaRPr lang="ko-KR" altLang="en-US" dirty="0">
+                        <a:ln>
+                          <a:solidFill>
+                            <a:schemeClr val="accent1"/>
+                          </a:solidFill>
+                        </a:ln>
+                      </a:endParaRPr>
+                    </a:p>
+                  </a:txBody>
+                  <a:tcPr>
+                    <a:lnL w="6350" cap="flat" cmpd="sng" algn="ctr">
+                      <a:solidFill>
+                        <a:schemeClr val="tx1"/>
+                      </a:solidFill>
+                      <a:prstDash val="solid"/>
+                      <a:round/>
+                      <a:headEnd type="none" w="med" len="med"/>
+                      <a:tailEnd type="none" w="med" len="med"/>
+                    </a:lnL>
+                    <a:lnR w="12700" cap="flat" cmpd="sng" algn="ctr">
+                      <a:noFill/>
+                      <a:prstDash val="solid"/>
+                      <a:round/>
+                      <a:headEnd type="none" w="med" len="med"/>
+                      <a:tailEnd type="none" w="med" len="med"/>
+                    </a:lnR>
+                    <a:lnT w="19050" cap="flat" cmpd="sng" algn="ctr">
+                      <a:solidFill>
+                        <a:schemeClr val="tx1"/>
+                      </a:solidFill>
+                      <a:prstDash val="solid"/>
+                      <a:round/>
+                      <a:headEnd type="none" w="med" len="med"/>
+                      <a:tailEnd type="none" w="med" len="med"/>
+                    </a:lnT>
+                    <a:lnB w="6350" cap="flat" cmpd="sng" algn="ctr">
+                      <a:solidFill>
+                        <a:schemeClr val="tx1"/>
+                      </a:solidFill>
+                      <a:prstDash val="solid"/>
+                      <a:round/>
+                      <a:headEnd type="none" w="med" len="med"/>
+                      <a:tailEnd type="none" w="med" len="med"/>
+                    </a:lnB>
+                    <a:lnTlToBr w="12700" cmpd="sng">
+                      <a:noFill/>
+                      <a:prstDash val="solid"/>
+                    </a:lnTlToBr>
+                    <a:lnBlToTr w="12700" cmpd="sng">
+                      <a:noFill/>
+                      <a:prstDash val="solid"/>
+                    </a:lnBlToTr>
+                    <a:solidFill>
+                      <a:schemeClr val="bg1">
+                        <a:lumMod val="85000"/>
+                      </a:schemeClr>
+                    </a:solidFill>
+                  </a:tcPr>
+                </a:tc>
+                <a:extLst>
+                  <a:ext uri="{0D108BD9-81ED-4DB2-BD59-A6C34878D82A}">
+                    <a16:rowId xmlns:a16="http://schemas.microsoft.com/office/drawing/2014/main" val="2093935569"/>
+                  </a:ext>
+                </a:extLst>
+              </a:tr>
+              <a:tr h="370840">
+                <a:tc>
+                  <a:txBody>
+                    <a:bodyPr/>
+                    <a:lstStyle/>
+                    <a:p>
+                      <a:pPr latinLnBrk="1"/>
+                      <a:endParaRPr lang="ko-KR" altLang="en-US" dirty="0">
+                        <a:ln>
+                          <a:solidFill>
+                            <a:schemeClr val="accent1"/>
+                          </a:solidFill>
+                        </a:ln>
+                      </a:endParaRPr>
+                    </a:p>
+                  </a:txBody>
+                  <a:tcPr>
+                    <a:lnL w="12700" cap="flat" cmpd="sng" algn="ctr">
+                      <a:noFill/>
+                      <a:prstDash val="solid"/>
+                      <a:round/>
+                      <a:headEnd type="none" w="med" len="med"/>
+                      <a:tailEnd type="none" w="med" len="med"/>
+                    </a:lnL>
+                    <a:lnR w="6350" cap="flat" cmpd="sng" algn="ctr">
+                      <a:solidFill>
+                        <a:schemeClr val="tx1"/>
+                      </a:solidFill>
+                      <a:prstDash val="solid"/>
+                      <a:round/>
+                      <a:headEnd type="none" w="med" len="med"/>
+                      <a:tailEnd type="none" w="med" len="med"/>
+                    </a:lnR>
+                    <a:lnT w="6350" cap="flat" cmpd="sng" algn="ctr">
+                      <a:solidFill>
+                        <a:schemeClr val="tx1"/>
+                      </a:solidFill>
+                      <a:prstDash val="solid"/>
+                      <a:round/>
+                      <a:headEnd type="none" w="med" len="med"/>
+                      <a:tailEnd type="none" w="med" len="med"/>
+                    </a:lnT>
+                    <a:lnB w="6350" cap="flat" cmpd="sng" algn="ctr">
+                      <a:solidFill>
+                        <a:schemeClr val="tx1"/>
+                      </a:solidFill>
+                      <a:prstDash val="solid"/>
+                      <a:round/>
+                      <a:headEnd type="none" w="med" len="med"/>
+                      <a:tailEnd type="none" w="med" len="med"/>
+                    </a:lnB>
+                    <a:lnTlToBr w="12700" cmpd="sng">
+                      <a:noFill/>
+                      <a:prstDash val="solid"/>
+                    </a:lnTlToBr>
+                    <a:lnBlToTr w="12700" cmpd="sng">
+                      <a:noFill/>
+                      <a:prstDash val="solid"/>
+                    </a:lnBlToTr>
+                    <a:solidFill>
+                      <a:schemeClr val="accent4">
+                        <a:lumMod val="20000"/>
+                        <a:lumOff val="80000"/>
+                      </a:schemeClr>
+                    </a:solidFill>
+                  </a:tcPr>
+                </a:tc>
+                <a:tc>
+                  <a:txBody>
+                    <a:bodyPr/>
+                    <a:lstStyle/>
+                    <a:p>
+                      <a:pPr latinLnBrk="1"/>
+                      <a:endParaRPr lang="ko-KR" altLang="en-US" dirty="0">
+                        <a:ln>
+                          <a:solidFill>
+                            <a:schemeClr val="accent1"/>
+                          </a:solidFill>
+                        </a:ln>
+                      </a:endParaRPr>
+                    </a:p>
+                  </a:txBody>
+                  <a:tcPr>
+                    <a:lnL w="6350" cap="flat" cmpd="sng" algn="ctr">
+                      <a:solidFill>
+                        <a:schemeClr val="tx1"/>
+                      </a:solidFill>
+                      <a:prstDash val="solid"/>
+                      <a:round/>
+                      <a:headEnd type="none" w="med" len="med"/>
+                      <a:tailEnd type="none" w="med" len="med"/>
+                    </a:lnL>
+                    <a:lnR w="6350" cap="flat" cmpd="sng" algn="ctr">
+                      <a:solidFill>
+                        <a:schemeClr val="tx1"/>
+                      </a:solidFill>
+                      <a:prstDash val="solid"/>
+                      <a:round/>
+                      <a:headEnd type="none" w="med" len="med"/>
+                      <a:tailEnd type="none" w="med" len="med"/>
+                    </a:lnR>
+                    <a:lnT w="6350" cap="flat" cmpd="sng" algn="ctr">
+                      <a:solidFill>
+                        <a:schemeClr val="tx1"/>
+                      </a:solidFill>
+                      <a:prstDash val="solid"/>
+                      <a:round/>
+                      <a:headEnd type="none" w="med" len="med"/>
+                      <a:tailEnd type="none" w="med" len="med"/>
+                    </a:lnT>
+                    <a:lnB w="6350" cap="flat" cmpd="sng" algn="ctr">
+                      <a:solidFill>
+                        <a:schemeClr val="tx1"/>
+                      </a:solidFill>
+                      <a:prstDash val="solid"/>
+                      <a:round/>
+                      <a:headEnd type="none" w="med" len="med"/>
+                      <a:tailEnd type="none" w="med" len="med"/>
+                    </a:lnB>
+                    <a:noFill/>
+                  </a:tcPr>
+                </a:tc>
+                <a:tc>
+                  <a:txBody>
+                    <a:bodyPr/>
+                    <a:lstStyle/>
+                    <a:p>
+                      <a:pPr latinLnBrk="1"/>
+                      <a:endParaRPr lang="ko-KR" altLang="en-US" dirty="0">
+                        <a:ln>
+                          <a:solidFill>
+                            <a:schemeClr val="accent1"/>
+                          </a:solidFill>
+                        </a:ln>
+                      </a:endParaRPr>
+                    </a:p>
+                  </a:txBody>
+                  <a:tcPr>
+                    <a:lnL w="6350" cap="flat" cmpd="sng" algn="ctr">
+                      <a:solidFill>
+                        <a:schemeClr val="tx1"/>
+                      </a:solidFill>
+                      <a:prstDash val="solid"/>
+                      <a:round/>
+                      <a:headEnd type="none" w="med" len="med"/>
+                      <a:tailEnd type="none" w="med" len="med"/>
+                    </a:lnL>
+                    <a:lnR w="6350" cap="flat" cmpd="sng" algn="ctr">
+                      <a:solidFill>
+                        <a:schemeClr val="tx1"/>
+                      </a:solidFill>
+                      <a:prstDash val="solid"/>
+                      <a:round/>
+                      <a:headEnd type="none" w="med" len="med"/>
+                      <a:tailEnd type="none" w="med" len="med"/>
+                    </a:lnR>
+                    <a:lnT w="6350" cap="flat" cmpd="sng" algn="ctr">
+                      <a:solidFill>
+                        <a:schemeClr val="tx1"/>
+                      </a:solidFill>
+                      <a:prstDash val="solid"/>
+                      <a:round/>
+                      <a:headEnd type="none" w="med" len="med"/>
+                      <a:tailEnd type="none" w="med" len="med"/>
+                    </a:lnT>
+                    <a:lnB w="6350" cap="flat" cmpd="sng" algn="ctr">
+                      <a:solidFill>
+                        <a:schemeClr val="tx1"/>
+                      </a:solidFill>
+                      <a:prstDash val="solid"/>
+                      <a:round/>
+                      <a:headEnd type="none" w="med" len="med"/>
+                      <a:tailEnd type="none" w="med" len="med"/>
+                    </a:lnB>
+                    <a:noFill/>
+                  </a:tcPr>
+                </a:tc>
+                <a:tc>
+                  <a:txBody>
+                    <a:bodyPr/>
+                    <a:lstStyle/>
+                    <a:p>
+                      <a:pPr latinLnBrk="1"/>
+                      <a:endParaRPr lang="ko-KR" altLang="en-US" dirty="0">
+                        <a:ln>
+                          <a:solidFill>
+                            <a:schemeClr val="accent1"/>
+                          </a:solidFill>
+                        </a:ln>
+                      </a:endParaRPr>
+                    </a:p>
+                  </a:txBody>
+                  <a:tcPr>
+                    <a:lnL w="6350" cap="flat" cmpd="sng" algn="ctr">
+                      <a:solidFill>
+                        <a:schemeClr val="tx1"/>
+                      </a:solidFill>
+                      <a:prstDash val="solid"/>
+                      <a:round/>
+                      <a:headEnd type="none" w="med" len="med"/>
+                      <a:tailEnd type="none" w="med" len="med"/>
+                    </a:lnL>
+                    <a:lnR w="6350" cap="flat" cmpd="sng" algn="ctr">
+                      <a:solidFill>
+                        <a:schemeClr val="tx1"/>
+                      </a:solidFill>
+                      <a:prstDash val="solid"/>
+                      <a:round/>
+                      <a:headEnd type="none" w="med" len="med"/>
+                      <a:tailEnd type="none" w="med" len="med"/>
+                    </a:lnR>
+                    <a:lnT w="6350" cap="flat" cmpd="sng" algn="ctr">
+                      <a:solidFill>
+                        <a:schemeClr val="tx1"/>
+                      </a:solidFill>
+                      <a:prstDash val="solid"/>
+                      <a:round/>
+                      <a:headEnd type="none" w="med" len="med"/>
+                      <a:tailEnd type="none" w="med" len="med"/>
+                    </a:lnT>
+                    <a:lnB w="6350" cap="flat" cmpd="sng" algn="ctr">
+                      <a:solidFill>
+                        <a:schemeClr val="tx1"/>
+                      </a:solidFill>
+                      <a:prstDash val="solid"/>
+                      <a:round/>
+                      <a:headEnd type="none" w="med" len="med"/>
+                      <a:tailEnd type="none" w="med" len="med"/>
+                    </a:lnB>
+                    <a:noFill/>
+                  </a:tcPr>
+                </a:tc>
+                <a:tc>
+                  <a:txBody>
+                    <a:bodyPr/>
+                    <a:lstStyle/>
+                    <a:p>
+                      <a:pPr latinLnBrk="1"/>
+                      <a:endParaRPr lang="ko-KR" altLang="en-US" dirty="0">
+                        <a:ln>
+                          <a:solidFill>
+                            <a:schemeClr val="accent1"/>
+                          </a:solidFill>
+                        </a:ln>
+                      </a:endParaRPr>
+                    </a:p>
+                  </a:txBody>
+                  <a:tcPr>
+                    <a:lnL w="6350" cap="flat" cmpd="sng" algn="ctr">
+                      <a:solidFill>
+                        <a:schemeClr val="tx1"/>
+                      </a:solidFill>
+                      <a:prstDash val="solid"/>
+                      <a:round/>
+                      <a:headEnd type="none" w="med" len="med"/>
+                      <a:tailEnd type="none" w="med" len="med"/>
+                    </a:lnL>
+                    <a:lnR w="12700" cap="flat" cmpd="sng" algn="ctr">
+                      <a:noFill/>
+                      <a:prstDash val="solid"/>
+                      <a:round/>
+                      <a:headEnd type="none" w="med" len="med"/>
+                      <a:tailEnd type="none" w="med" len="med"/>
+                    </a:lnR>
+                    <a:lnT w="6350" cap="flat" cmpd="sng" algn="ctr">
+                      <a:solidFill>
+                        <a:schemeClr val="tx1"/>
+                      </a:solidFill>
+                      <a:prstDash val="solid"/>
+                      <a:round/>
+                      <a:headEnd type="none" w="med" len="med"/>
+                      <a:tailEnd type="none" w="med" len="med"/>
+                    </a:lnT>
+                    <a:lnB w="6350" cap="flat" cmpd="sng" algn="ctr">
+                      <a:solidFill>
+                        <a:schemeClr val="tx1"/>
+                      </a:solidFill>
+                      <a:prstDash val="solid"/>
+                      <a:round/>
+                      <a:headEnd type="none" w="med" len="med"/>
+                      <a:tailEnd type="none" w="med" len="med"/>
+                    </a:lnB>
+                    <a:lnTlToBr w="12700" cmpd="sng">
+                      <a:noFill/>
+                      <a:prstDash val="solid"/>
+                    </a:lnTlToBr>
+                    <a:lnBlToTr w="12700" cmpd="sng">
+                      <a:noFill/>
+                      <a:prstDash val="solid"/>
+                    </a:lnBlToTr>
+                    <a:noFill/>
+                  </a:tcPr>
+                </a:tc>
+                <a:extLst>
+                  <a:ext uri="{0D108BD9-81ED-4DB2-BD59-A6C34878D82A}">
+                    <a16:rowId xmlns:a16="http://schemas.microsoft.com/office/drawing/2014/main" val="3992554416"/>
+                  </a:ext>
+                </a:extLst>
+              </a:tr>
+              <a:tr h="370840">
+                <a:tc>
+                  <a:txBody>
+                    <a:bodyPr/>
+                    <a:lstStyle/>
+                    <a:p>
+                      <a:pPr latinLnBrk="1"/>
+                      <a:endParaRPr lang="ko-KR" altLang="en-US" dirty="0">
+                        <a:ln>
+                          <a:solidFill>
+                            <a:schemeClr val="accent1"/>
+                          </a:solidFill>
+                        </a:ln>
+                      </a:endParaRPr>
+                    </a:p>
+                  </a:txBody>
+                  <a:tcPr>
+                    <a:lnL w="12700" cap="flat" cmpd="sng" algn="ctr">
+                      <a:noFill/>
+                      <a:prstDash val="solid"/>
+                      <a:round/>
+                      <a:headEnd type="none" w="med" len="med"/>
+                      <a:tailEnd type="none" w="med" len="med"/>
+                    </a:lnL>
+                    <a:lnR w="6350" cap="flat" cmpd="sng" algn="ctr">
+                      <a:solidFill>
+                        <a:schemeClr val="tx1"/>
+                      </a:solidFill>
+                      <a:prstDash val="solid"/>
+                      <a:round/>
+                      <a:headEnd type="none" w="med" len="med"/>
+                      <a:tailEnd type="none" w="med" len="med"/>
+                    </a:lnR>
+                    <a:lnT w="6350" cap="flat" cmpd="sng" algn="ctr">
+                      <a:solidFill>
+                        <a:schemeClr val="tx1"/>
+                      </a:solidFill>
+                      <a:prstDash val="solid"/>
+                      <a:round/>
+                      <a:headEnd type="none" w="med" len="med"/>
+                      <a:tailEnd type="none" w="med" len="med"/>
+                    </a:lnT>
+                    <a:lnB w="6350" cap="flat" cmpd="sng" algn="ctr">
+                      <a:solidFill>
+                        <a:schemeClr val="tx1"/>
+                      </a:solidFill>
+                      <a:prstDash val="solid"/>
+                      <a:round/>
+                      <a:headEnd type="none" w="med" len="med"/>
+                      <a:tailEnd type="none" w="med" len="med"/>
+                    </a:lnB>
+                    <a:lnTlToBr w="12700" cmpd="sng">
+                      <a:noFill/>
+                      <a:prstDash val="solid"/>
+                    </a:lnTlToBr>
+                    <a:lnBlToTr w="12700" cmpd="sng">
+                      <a:noFill/>
+                      <a:prstDash val="solid"/>
+                    </a:lnBlToTr>
+                    <a:solidFill>
+                      <a:schemeClr val="accent4">
+                        <a:lumMod val="20000"/>
+                        <a:lumOff val="80000"/>
+                      </a:schemeClr>
+                    </a:solidFill>
+                  </a:tcPr>
+                </a:tc>
+                <a:tc>
+                  <a:txBody>
+                    <a:bodyPr/>
+                    <a:lstStyle/>
+                    <a:p>
+                      <a:pPr latinLnBrk="1"/>
+                      <a:endParaRPr lang="ko-KR" altLang="en-US" dirty="0">
+                        <a:ln>
+                          <a:solidFill>
+                            <a:schemeClr val="accent1"/>
+                          </a:solidFill>
+                        </a:ln>
+                      </a:endParaRPr>
+                    </a:p>
+                  </a:txBody>
+                  <a:tcPr>
+                    <a:lnL w="6350" cap="flat" cmpd="sng" algn="ctr">
+                      <a:solidFill>
+                        <a:schemeClr val="tx1"/>
+                      </a:solidFill>
+                      <a:prstDash val="solid"/>
+                      <a:round/>
+                      <a:headEnd type="none" w="med" len="med"/>
+                      <a:tailEnd type="none" w="med" len="med"/>
+                    </a:lnL>
+                    <a:lnR w="6350" cap="flat" cmpd="sng" algn="ctr">
+                      <a:solidFill>
+                        <a:schemeClr val="tx1"/>
+                      </a:solidFill>
+                      <a:prstDash val="solid"/>
+                      <a:round/>
+                      <a:headEnd type="none" w="med" len="med"/>
+                      <a:tailEnd type="none" w="med" len="med"/>
+                    </a:lnR>
+                    <a:lnT w="6350" cap="flat" cmpd="sng" algn="ctr">
+                      <a:solidFill>
+                        <a:schemeClr val="tx1"/>
+                      </a:solidFill>
+                      <a:prstDash val="solid"/>
+                      <a:round/>
+                      <a:headEnd type="none" w="med" len="med"/>
+                      <a:tailEnd type="none" w="med" len="med"/>
+                    </a:lnT>
+                    <a:lnB w="6350" cap="flat" cmpd="sng" algn="ctr">
+                      <a:solidFill>
+                        <a:schemeClr val="tx1"/>
+                      </a:solidFill>
+                      <a:prstDash val="solid"/>
+                      <a:round/>
+                      <a:headEnd type="none" w="med" len="med"/>
+                      <a:tailEnd type="none" w="med" len="med"/>
+                    </a:lnB>
+                    <a:noFill/>
+                  </a:tcPr>
+                </a:tc>
+                <a:tc>
+                  <a:txBody>
+                    <a:bodyPr/>
+                    <a:lstStyle/>
+                    <a:p>
+                      <a:pPr latinLnBrk="1"/>
+                      <a:endParaRPr lang="ko-KR" altLang="en-US" dirty="0">
+                        <a:ln>
+                          <a:solidFill>
+                            <a:schemeClr val="accent1"/>
+                          </a:solidFill>
+                        </a:ln>
+                      </a:endParaRPr>
+                    </a:p>
+                  </a:txBody>
+                  <a:tcPr>
+                    <a:lnL w="6350" cap="flat" cmpd="sng" algn="ctr">
+                      <a:solidFill>
+                        <a:schemeClr val="tx1"/>
+                      </a:solidFill>
+                      <a:prstDash val="solid"/>
+                      <a:round/>
+                      <a:headEnd type="none" w="med" len="med"/>
+                      <a:tailEnd type="none" w="med" len="med"/>
+                    </a:lnL>
+                    <a:lnR w="6350" cap="flat" cmpd="sng" algn="ctr">
+                      <a:solidFill>
+                        <a:schemeClr val="tx1"/>
+                      </a:solidFill>
+                      <a:prstDash val="solid"/>
+                      <a:round/>
+                      <a:headEnd type="none" w="med" len="med"/>
+                      <a:tailEnd type="none" w="med" len="med"/>
+                    </a:lnR>
+                    <a:lnT w="6350" cap="flat" cmpd="sng" algn="ctr">
+                      <a:solidFill>
+                        <a:schemeClr val="tx1"/>
+                      </a:solidFill>
+                      <a:prstDash val="solid"/>
+                      <a:round/>
+                      <a:headEnd type="none" w="med" len="med"/>
+                      <a:tailEnd type="none" w="med" len="med"/>
+                    </a:lnT>
+                    <a:lnB w="6350" cap="flat" cmpd="sng" algn="ctr">
+                      <a:solidFill>
+                        <a:schemeClr val="tx1"/>
+                      </a:solidFill>
+                      <a:prstDash val="solid"/>
+                      <a:round/>
+                      <a:headEnd type="none" w="med" len="med"/>
+                      <a:tailEnd type="none" w="med" len="med"/>
+                    </a:lnB>
+                    <a:noFill/>
+                  </a:tcPr>
+                </a:tc>
+                <a:tc>
+                  <a:txBody>
+                    <a:bodyPr/>
+                    <a:lstStyle/>
+                    <a:p>
+                      <a:pPr latinLnBrk="1"/>
+                      <a:endParaRPr lang="ko-KR" altLang="en-US" dirty="0">
+                        <a:ln>
+                          <a:solidFill>
+                            <a:schemeClr val="accent1"/>
+                          </a:solidFill>
+                        </a:ln>
+                      </a:endParaRPr>
+                    </a:p>
+                  </a:txBody>
+                  <a:tcPr>
+                    <a:lnL w="6350" cap="flat" cmpd="sng" algn="ctr">
+                      <a:solidFill>
+                        <a:schemeClr val="tx1"/>
+                      </a:solidFill>
+                      <a:prstDash val="solid"/>
+                      <a:round/>
+                      <a:headEnd type="none" w="med" len="med"/>
+                      <a:tailEnd type="none" w="med" len="med"/>
+                    </a:lnL>
+                    <a:lnR w="6350" cap="flat" cmpd="sng" algn="ctr">
+                      <a:solidFill>
+                        <a:schemeClr val="tx1"/>
+                      </a:solidFill>
+                      <a:prstDash val="solid"/>
+                      <a:round/>
+                      <a:headEnd type="none" w="med" len="med"/>
+                      <a:tailEnd type="none" w="med" len="med"/>
+                    </a:lnR>
+                    <a:lnT w="6350" cap="flat" cmpd="sng" algn="ctr">
+                      <a:solidFill>
+                        <a:schemeClr val="tx1"/>
+                      </a:solidFill>
+                      <a:prstDash val="solid"/>
+                      <a:round/>
+                      <a:headEnd type="none" w="med" len="med"/>
+                      <a:tailEnd type="none" w="med" len="med"/>
+                    </a:lnT>
+                    <a:lnB w="6350" cap="flat" cmpd="sng" algn="ctr">
+                      <a:solidFill>
+                        <a:schemeClr val="tx1"/>
+                      </a:solidFill>
+                      <a:prstDash val="solid"/>
+                      <a:round/>
+                      <a:headEnd type="none" w="med" len="med"/>
+                      <a:tailEnd type="none" w="med" len="med"/>
+                    </a:lnB>
+                    <a:noFill/>
+                  </a:tcPr>
+                </a:tc>
+                <a:tc>
+                  <a:txBody>
+                    <a:bodyPr/>
+                    <a:lstStyle/>
+                    <a:p>
+                      <a:pPr latinLnBrk="1"/>
+                      <a:endParaRPr lang="ko-KR" altLang="en-US" dirty="0">
+                        <a:ln>
+                          <a:solidFill>
+                            <a:schemeClr val="accent1"/>
+                          </a:solidFill>
+                        </a:ln>
+                      </a:endParaRPr>
+                    </a:p>
+                  </a:txBody>
+                  <a:tcPr>
+                    <a:lnL w="6350" cap="flat" cmpd="sng" algn="ctr">
+                      <a:solidFill>
+                        <a:schemeClr val="tx1"/>
+                      </a:solidFill>
+                      <a:prstDash val="solid"/>
+                      <a:round/>
+                      <a:headEnd type="none" w="med" len="med"/>
+                      <a:tailEnd type="none" w="med" len="med"/>
+                    </a:lnL>
+                    <a:lnR w="12700" cap="flat" cmpd="sng" algn="ctr">
+                      <a:noFill/>
+                      <a:prstDash val="solid"/>
+                      <a:round/>
+                      <a:headEnd type="none" w="med" len="med"/>
+                      <a:tailEnd type="none" w="med" len="med"/>
+                    </a:lnR>
+                    <a:lnT w="6350" cap="flat" cmpd="sng" algn="ctr">
+                      <a:solidFill>
+                        <a:schemeClr val="tx1"/>
+                      </a:solidFill>
+                      <a:prstDash val="solid"/>
+                      <a:round/>
+                      <a:headEnd type="none" w="med" len="med"/>
+                      <a:tailEnd type="none" w="med" len="med"/>
+                    </a:lnT>
+                    <a:lnB w="6350" cap="flat" cmpd="sng" algn="ctr">
+                      <a:solidFill>
+                        <a:schemeClr val="tx1"/>
+                      </a:solidFill>
+                      <a:prstDash val="solid"/>
+                      <a:round/>
+                      <a:headEnd type="none" w="med" len="med"/>
+                      <a:tailEnd type="none" w="med" len="med"/>
+                    </a:lnB>
+                    <a:lnTlToBr w="12700" cmpd="sng">
+                      <a:noFill/>
+                      <a:prstDash val="solid"/>
+                    </a:lnTlToBr>
+                    <a:lnBlToTr w="12700" cmpd="sng">
+                      <a:noFill/>
+                      <a:prstDash val="solid"/>
+                    </a:lnBlToTr>
+                    <a:noFill/>
+                  </a:tcPr>
+                </a:tc>
+                <a:extLst>
+                  <a:ext uri="{0D108BD9-81ED-4DB2-BD59-A6C34878D82A}">
+                    <a16:rowId xmlns:a16="http://schemas.microsoft.com/office/drawing/2014/main" val="2038429996"/>
+                  </a:ext>
+                </a:extLst>
+              </a:tr>
+              <a:tr h="0">
+                <a:tc>
+                  <a:txBody>
+                    <a:bodyPr/>
+                    <a:lstStyle/>
+                    <a:p>
+                      <a:pPr latinLnBrk="1"/>
+                      <a:endParaRPr lang="ko-KR" altLang="en-US" dirty="0">
+                        <a:ln>
+                          <a:solidFill>
+                            <a:schemeClr val="accent1"/>
+                          </a:solidFill>
+                        </a:ln>
+                      </a:endParaRPr>
+                    </a:p>
+                  </a:txBody>
+                  <a:tcPr>
+                    <a:lnL w="12700" cap="flat" cmpd="sng" algn="ctr">
+                      <a:noFill/>
+                      <a:prstDash val="solid"/>
+                      <a:round/>
+                      <a:headEnd type="none" w="med" len="med"/>
+                      <a:tailEnd type="none" w="med" len="med"/>
+                    </a:lnL>
+                    <a:lnR w="6350" cap="flat" cmpd="sng" algn="ctr">
+                      <a:solidFill>
+                        <a:schemeClr val="tx1"/>
+                      </a:solidFill>
+                      <a:prstDash val="solid"/>
+                      <a:round/>
+                      <a:headEnd type="none" w="med" len="med"/>
+                      <a:tailEnd type="none" w="med" len="med"/>
+                    </a:lnR>
+                    <a:lnT w="6350" cap="flat" cmpd="sng" algn="ctr">
+                      <a:solidFill>
+                        <a:schemeClr val="tx1"/>
+                      </a:solidFill>
+                      <a:prstDash val="solid"/>
+                      <a:round/>
+                      <a:headEnd type="none" w="med" len="med"/>
+                      <a:tailEnd type="none" w="med" len="med"/>
+                    </a:lnT>
+                    <a:lnB w="6350" cap="flat" cmpd="sng" algn="ctr">
+                      <a:solidFill>
+                        <a:schemeClr val="tx1"/>
+                      </a:solidFill>
+                      <a:prstDash val="solid"/>
+                      <a:round/>
+                      <a:headEnd type="none" w="med" len="med"/>
+                      <a:tailEnd type="none" w="med" len="med"/>
+                    </a:lnB>
+                    <a:lnTlToBr w="12700" cmpd="sng">
+                      <a:noFill/>
+                      <a:prstDash val="solid"/>
+                    </a:lnTlToBr>
+                    <a:lnBlToTr w="12700" cmpd="sng">
+                      <a:noFill/>
+                      <a:prstDash val="solid"/>
+                    </a:lnBlToTr>
+                    <a:solidFill>
+                      <a:schemeClr val="accent4">
+                        <a:lumMod val="20000"/>
+                        <a:lumOff val="80000"/>
+                      </a:schemeClr>
+                    </a:solidFill>
+                  </a:tcPr>
+                </a:tc>
+                <a:tc>
+                  <a:txBody>
+                    <a:bodyPr/>
+                    <a:lstStyle/>
+                    <a:p>
+                      <a:pPr latinLnBrk="1"/>
+                      <a:endParaRPr lang="ko-KR" altLang="en-US" dirty="0">
+                        <a:ln>
+                          <a:solidFill>
+                            <a:schemeClr val="accent1"/>
+                          </a:solidFill>
+                        </a:ln>
+                      </a:endParaRPr>
+                    </a:p>
+                  </a:txBody>
+                  <a:tcPr>
+                    <a:lnL w="6350" cap="flat" cmpd="sng" algn="ctr">
+                      <a:solidFill>
+                        <a:schemeClr val="tx1"/>
+                      </a:solidFill>
+                      <a:prstDash val="solid"/>
+                      <a:round/>
+                      <a:headEnd type="none" w="med" len="med"/>
+                      <a:tailEnd type="none" w="med" len="med"/>
+                    </a:lnL>
+                    <a:lnR w="6350" cap="flat" cmpd="sng" algn="ctr">
+                      <a:solidFill>
+                        <a:schemeClr val="tx1"/>
+                      </a:solidFill>
+                      <a:prstDash val="solid"/>
+                      <a:round/>
+                      <a:headEnd type="none" w="med" len="med"/>
+                      <a:tailEnd type="none" w="med" len="med"/>
+                    </a:lnR>
+                    <a:lnT w="6350" cap="flat" cmpd="sng" algn="ctr">
+                      <a:solidFill>
+                        <a:schemeClr val="tx1"/>
+                      </a:solidFill>
+                      <a:prstDash val="solid"/>
+                      <a:round/>
+                      <a:headEnd type="none" w="med" len="med"/>
+                      <a:tailEnd type="none" w="med" len="med"/>
+                    </a:lnT>
+                    <a:lnB w="6350" cap="flat" cmpd="sng" algn="ctr">
+                      <a:solidFill>
+                        <a:schemeClr val="tx1"/>
+                      </a:solidFill>
+                      <a:prstDash val="solid"/>
+                      <a:round/>
+                      <a:headEnd type="none" w="med" len="med"/>
+                      <a:tailEnd type="none" w="med" len="med"/>
+                    </a:lnB>
+                    <a:noFill/>
+                  </a:tcPr>
+                </a:tc>
+                <a:tc>
+                  <a:txBody>
+                    <a:bodyPr/>
+                    <a:lstStyle/>
+                    <a:p>
+                      <a:pPr latinLnBrk="1"/>
+                      <a:endParaRPr lang="ko-KR" altLang="en-US" dirty="0">
+                        <a:ln>
+                          <a:solidFill>
+                            <a:schemeClr val="accent1"/>
+                          </a:solidFill>
+                        </a:ln>
+                      </a:endParaRPr>
+                    </a:p>
+                  </a:txBody>
+                  <a:tcPr>
+                    <a:lnL w="6350" cap="flat" cmpd="sng" algn="ctr">
+                      <a:solidFill>
+                        <a:schemeClr val="tx1"/>
+                      </a:solidFill>
+                      <a:prstDash val="solid"/>
+                      <a:round/>
+                      <a:headEnd type="none" w="med" len="med"/>
+                      <a:tailEnd type="none" w="med" len="med"/>
+                    </a:lnL>
+                    <a:lnR w="6350" cap="flat" cmpd="sng" algn="ctr">
+                      <a:solidFill>
+                        <a:schemeClr val="tx1"/>
+                      </a:solidFill>
+                      <a:prstDash val="solid"/>
+                      <a:round/>
+                      <a:headEnd type="none" w="med" len="med"/>
+                      <a:tailEnd type="none" w="med" len="med"/>
+                    </a:lnR>
+                    <a:lnT w="6350" cap="flat" cmpd="sng" algn="ctr">
+                      <a:solidFill>
+                        <a:schemeClr val="tx1"/>
+                      </a:solidFill>
+                      <a:prstDash val="solid"/>
+                      <a:round/>
+                      <a:headEnd type="none" w="med" len="med"/>
+                      <a:tailEnd type="none" w="med" len="med"/>
+                    </a:lnT>
+                    <a:lnB w="6350" cap="flat" cmpd="sng" algn="ctr">
+                      <a:solidFill>
+                        <a:schemeClr val="tx1"/>
+                      </a:solidFill>
+                      <a:prstDash val="solid"/>
+                      <a:round/>
+                      <a:headEnd type="none" w="med" len="med"/>
+                      <a:tailEnd type="none" w="med" len="med"/>
+                    </a:lnB>
+                    <a:noFill/>
+                  </a:tcPr>
+                </a:tc>
+                <a:tc>
+                  <a:txBody>
+                    <a:bodyPr/>
+                    <a:lstStyle/>
+                    <a:p>
+                      <a:pPr latinLnBrk="1"/>
+                      <a:endParaRPr lang="ko-KR" altLang="en-US" dirty="0">
+                        <a:ln>
+                          <a:solidFill>
+                            <a:schemeClr val="accent1"/>
+                          </a:solidFill>
+                        </a:ln>
+                      </a:endParaRPr>
+                    </a:p>
+                  </a:txBody>
+                  <a:tcPr>
+                    <a:lnL w="6350" cap="flat" cmpd="sng" algn="ctr">
+                      <a:solidFill>
+                        <a:schemeClr val="tx1"/>
+                      </a:solidFill>
+                      <a:prstDash val="solid"/>
+                      <a:round/>
+                      <a:headEnd type="none" w="med" len="med"/>
+                      <a:tailEnd type="none" w="med" len="med"/>
+                    </a:lnL>
+                    <a:lnR w="6350" cap="flat" cmpd="sng" algn="ctr">
+                      <a:solidFill>
+                        <a:schemeClr val="tx1"/>
+                      </a:solidFill>
+                      <a:prstDash val="solid"/>
+                      <a:round/>
+                      <a:headEnd type="none" w="med" len="med"/>
+                      <a:tailEnd type="none" w="med" len="med"/>
+                    </a:lnR>
+                    <a:lnT w="6350" cap="flat" cmpd="sng" algn="ctr">
+                      <a:solidFill>
+                        <a:schemeClr val="tx1"/>
+                      </a:solidFill>
+                      <a:prstDash val="solid"/>
+                      <a:round/>
+                      <a:headEnd type="none" w="med" len="med"/>
+                      <a:tailEnd type="none" w="med" len="med"/>
+                    </a:lnT>
+                    <a:lnB w="6350" cap="flat" cmpd="sng" algn="ctr">
+                      <a:solidFill>
+                        <a:schemeClr val="tx1"/>
+                      </a:solidFill>
+                      <a:prstDash val="solid"/>
+                      <a:round/>
+                      <a:headEnd type="none" w="med" len="med"/>
+                      <a:tailEnd type="none" w="med" len="med"/>
+                    </a:lnB>
+                    <a:noFill/>
+                  </a:tcPr>
+                </a:tc>
+                <a:tc>
+                  <a:txBody>
+                    <a:bodyPr/>
+                    <a:lstStyle/>
+                    <a:p>
+                      <a:pPr latinLnBrk="1"/>
+                      <a:endParaRPr lang="ko-KR" altLang="en-US" dirty="0">
+                        <a:ln>
+                          <a:solidFill>
+                            <a:schemeClr val="accent1"/>
+                          </a:solidFill>
+                        </a:ln>
+                      </a:endParaRPr>
+                    </a:p>
+                  </a:txBody>
+                  <a:tcPr>
+                    <a:lnL w="6350" cap="flat" cmpd="sng" algn="ctr">
+                      <a:solidFill>
+                        <a:schemeClr val="tx1"/>
+                      </a:solidFill>
+                      <a:prstDash val="solid"/>
+                      <a:round/>
+                      <a:headEnd type="none" w="med" len="med"/>
+                      <a:tailEnd type="none" w="med" len="med"/>
+                    </a:lnL>
+                    <a:lnR w="12700" cap="flat" cmpd="sng" algn="ctr">
+                      <a:noFill/>
+                      <a:prstDash val="solid"/>
+                      <a:round/>
+                      <a:headEnd type="none" w="med" len="med"/>
+                      <a:tailEnd type="none" w="med" len="med"/>
+                    </a:lnR>
+                    <a:lnT w="6350" cap="flat" cmpd="sng" algn="ctr">
+                      <a:solidFill>
+                        <a:schemeClr val="tx1"/>
+                      </a:solidFill>
+                      <a:prstDash val="solid"/>
+                      <a:round/>
+                      <a:headEnd type="none" w="med" len="med"/>
+                      <a:tailEnd type="none" w="med" len="med"/>
+                    </a:lnT>
+                    <a:lnB w="6350" cap="flat" cmpd="sng" algn="ctr">
+                      <a:solidFill>
+                        <a:schemeClr val="tx1"/>
+                      </a:solidFill>
+                      <a:prstDash val="solid"/>
+                      <a:round/>
+                      <a:headEnd type="none" w="med" len="med"/>
+                      <a:tailEnd type="none" w="med" len="med"/>
+                    </a:lnB>
+                    <a:lnTlToBr w="12700" cmpd="sng">
+                      <a:noFill/>
+                      <a:prstDash val="solid"/>
+                    </a:lnTlToBr>
+                    <a:lnBlToTr w="12700" cmpd="sng">
+                      <a:noFill/>
+                      <a:prstDash val="solid"/>
+                    </a:lnBlToTr>
+                    <a:noFill/>
+                  </a:tcPr>
+                </a:tc>
+                <a:extLst>
+                  <a:ext uri="{0D108BD9-81ED-4DB2-BD59-A6C34878D82A}">
+                    <a16:rowId xmlns:a16="http://schemas.microsoft.com/office/drawing/2014/main" val="1426937013"/>
+                  </a:ext>
+                </a:extLst>
+              </a:tr>
+              <a:tr h="370840">
+                <a:tc>
+                  <a:txBody>
+                    <a:bodyPr/>
+                    <a:lstStyle/>
+                    <a:p>
+                      <a:pPr latinLnBrk="1"/>
+                      <a:endParaRPr lang="ko-KR" altLang="en-US" dirty="0">
+                        <a:ln>
+                          <a:solidFill>
+                            <a:schemeClr val="accent1"/>
+                          </a:solidFill>
+                        </a:ln>
+                      </a:endParaRPr>
+                    </a:p>
+                  </a:txBody>
+                  <a:tcPr>
+                    <a:lnL w="12700" cap="flat" cmpd="sng" algn="ctr">
+                      <a:noFill/>
+                      <a:prstDash val="solid"/>
+                      <a:round/>
+                      <a:headEnd type="none" w="med" len="med"/>
+                      <a:tailEnd type="none" w="med" len="med"/>
+                    </a:lnL>
+                    <a:lnR w="6350" cap="flat" cmpd="sng" algn="ctr">
+                      <a:solidFill>
+                        <a:schemeClr val="tx1"/>
+                      </a:solidFill>
+                      <a:prstDash val="solid"/>
+                      <a:round/>
+                      <a:headEnd type="none" w="med" len="med"/>
+                      <a:tailEnd type="none" w="med" len="med"/>
+                    </a:lnR>
+                    <a:lnT w="6350" cap="flat" cmpd="sng" algn="ctr">
+                      <a:solidFill>
+                        <a:schemeClr val="tx1"/>
+                      </a:solidFill>
+                      <a:prstDash val="solid"/>
+                      <a:round/>
+                      <a:headEnd type="none" w="med" len="med"/>
+                      <a:tailEnd type="none" w="med" len="med"/>
+                    </a:lnT>
+                    <a:lnB w="19050" cap="flat" cmpd="sng" algn="ctr">
+                      <a:solidFill>
+                        <a:schemeClr val="tx1"/>
+                      </a:solidFill>
+                      <a:prstDash val="solid"/>
+                      <a:round/>
+                      <a:headEnd type="none" w="med" len="med"/>
+                      <a:tailEnd type="none" w="med" len="med"/>
+                    </a:lnB>
+                    <a:lnTlToBr w="12700" cmpd="sng">
+                      <a:noFill/>
+                      <a:prstDash val="solid"/>
+                    </a:lnTlToBr>
+                    <a:lnBlToTr w="12700" cmpd="sng">
+                      <a:noFill/>
+                      <a:prstDash val="solid"/>
+                    </a:lnBlToTr>
+                    <a:solidFill>
+                      <a:schemeClr val="accent4">
+                        <a:lumMod val="20000"/>
+                        <a:lumOff val="80000"/>
+                      </a:schemeClr>
+                    </a:solidFill>
+                  </a:tcPr>
+                </a:tc>
+                <a:tc>
+                  <a:txBody>
+                    <a:bodyPr/>
+                    <a:lstStyle/>
+                    <a:p>
+                      <a:pPr latinLnBrk="1"/>
+                      <a:endParaRPr lang="ko-KR" altLang="en-US" dirty="0">
+                        <a:ln>
+                          <a:solidFill>
+                            <a:schemeClr val="accent1"/>
+                          </a:solidFill>
+                        </a:ln>
+                      </a:endParaRPr>
+                    </a:p>
+                  </a:txBody>
+                  <a:tcPr>
+                    <a:lnL w="6350" cap="flat" cmpd="sng" algn="ctr">
+                      <a:solidFill>
+                        <a:schemeClr val="tx1"/>
+                      </a:solidFill>
+                      <a:prstDash val="solid"/>
+                      <a:round/>
+                      <a:headEnd type="none" w="med" len="med"/>
+                      <a:tailEnd type="none" w="med" len="med"/>
+                    </a:lnL>
+                    <a:lnR w="6350" cap="flat" cmpd="sng" algn="ctr">
+                      <a:solidFill>
+                        <a:schemeClr val="tx1"/>
+                      </a:solidFill>
+                      <a:prstDash val="solid"/>
+                      <a:round/>
+                      <a:headEnd type="none" w="med" len="med"/>
+                      <a:tailEnd type="none" w="med" len="med"/>
+                    </a:lnR>
+                    <a:lnT w="6350" cap="flat" cmpd="sng" algn="ctr">
+                      <a:solidFill>
+                        <a:schemeClr val="tx1"/>
+                      </a:solidFill>
+                      <a:prstDash val="solid"/>
+                      <a:round/>
+                      <a:headEnd type="none" w="med" len="med"/>
+                      <a:tailEnd type="none" w="med" len="med"/>
+                    </a:lnT>
+                    <a:lnB w="19050" cap="flat" cmpd="sng" algn="ctr">
+                      <a:solidFill>
+                        <a:schemeClr val="tx1"/>
+                      </a:solidFill>
+                      <a:prstDash val="solid"/>
+                      <a:round/>
+                      <a:headEnd type="none" w="med" len="med"/>
+                      <a:tailEnd type="none" w="med" len="med"/>
+                    </a:lnB>
+                    <a:noFill/>
+                  </a:tcPr>
+                </a:tc>
+                <a:tc>
+                  <a:txBody>
+                    <a:bodyPr/>
+                    <a:lstStyle/>
+                    <a:p>
+                      <a:pPr latinLnBrk="1"/>
+                      <a:endParaRPr lang="ko-KR" altLang="en-US" dirty="0">
+                        <a:ln>
+                          <a:solidFill>
+                            <a:schemeClr val="accent1"/>
+                          </a:solidFill>
+                        </a:ln>
+                      </a:endParaRPr>
+                    </a:p>
+                  </a:txBody>
+                  <a:tcPr>
+                    <a:lnL w="6350" cap="flat" cmpd="sng" algn="ctr">
+                      <a:solidFill>
+                        <a:schemeClr val="tx1"/>
+                      </a:solidFill>
+                      <a:prstDash val="solid"/>
+                      <a:round/>
+                      <a:headEnd type="none" w="med" len="med"/>
+                      <a:tailEnd type="none" w="med" len="med"/>
+                    </a:lnL>
+                    <a:lnR w="6350" cap="flat" cmpd="sng" algn="ctr">
+                      <a:solidFill>
+                        <a:schemeClr val="tx1"/>
+                      </a:solidFill>
+                      <a:prstDash val="solid"/>
+                      <a:round/>
+                      <a:headEnd type="none" w="med" len="med"/>
+                      <a:tailEnd type="none" w="med" len="med"/>
+                    </a:lnR>
+                    <a:lnT w="6350" cap="flat" cmpd="sng" algn="ctr">
+                      <a:solidFill>
+                        <a:schemeClr val="tx1"/>
+                      </a:solidFill>
+                      <a:prstDash val="solid"/>
+                      <a:round/>
+                      <a:headEnd type="none" w="med" len="med"/>
+                      <a:tailEnd type="none" w="med" len="med"/>
+                    </a:lnT>
+                    <a:lnB w="19050" cap="flat" cmpd="sng" algn="ctr">
+                      <a:solidFill>
+                        <a:schemeClr val="tx1"/>
+                      </a:solidFill>
+                      <a:prstDash val="solid"/>
+                      <a:round/>
+                      <a:headEnd type="none" w="med" len="med"/>
+                      <a:tailEnd type="none" w="med" len="med"/>
+                    </a:lnB>
+                    <a:noFill/>
+                  </a:tcPr>
+                </a:tc>
+                <a:tc>
+                  <a:txBody>
+                    <a:bodyPr/>
+                    <a:lstStyle/>
+                    <a:p>
+                      <a:pPr latinLnBrk="1"/>
+                      <a:endParaRPr lang="ko-KR" altLang="en-US" dirty="0">
+                        <a:ln>
+                          <a:solidFill>
+                            <a:schemeClr val="accent1"/>
+                          </a:solidFill>
+                        </a:ln>
+                      </a:endParaRPr>
+                    </a:p>
+                  </a:txBody>
+                  <a:tcPr>
+                    <a:lnL w="6350" cap="flat" cmpd="sng" algn="ctr">
+                      <a:solidFill>
+                        <a:schemeClr val="tx1"/>
+                      </a:solidFill>
+                      <a:prstDash val="solid"/>
+                      <a:round/>
+                      <a:headEnd type="none" w="med" len="med"/>
+                      <a:tailEnd type="none" w="med" len="med"/>
+                    </a:lnL>
+                    <a:lnR w="6350" cap="flat" cmpd="sng" algn="ctr">
+                      <a:solidFill>
+                        <a:schemeClr val="tx1"/>
+                      </a:solidFill>
+                      <a:prstDash val="solid"/>
+                      <a:round/>
+                      <a:headEnd type="none" w="med" len="med"/>
+                      <a:tailEnd type="none" w="med" len="med"/>
+                    </a:lnR>
+                    <a:lnT w="6350" cap="flat" cmpd="sng" algn="ctr">
+                      <a:solidFill>
+                        <a:schemeClr val="tx1"/>
+                      </a:solidFill>
+                      <a:prstDash val="solid"/>
+                      <a:round/>
+                      <a:headEnd type="none" w="med" len="med"/>
+                      <a:tailEnd type="none" w="med" len="med"/>
+                    </a:lnT>
+                    <a:lnB w="19050" cap="flat" cmpd="sng" algn="ctr">
+                      <a:solidFill>
+                        <a:schemeClr val="tx1"/>
+                      </a:solidFill>
+                      <a:prstDash val="solid"/>
+                      <a:round/>
+                      <a:headEnd type="none" w="med" len="med"/>
+                      <a:tailEnd type="none" w="med" len="med"/>
+                    </a:lnB>
+                    <a:noFill/>
+                  </a:tcPr>
+                </a:tc>
+                <a:tc>
+                  <a:txBody>
+                    <a:bodyPr/>
+                    <a:lstStyle/>
+                    <a:p>
+                      <a:pPr latinLnBrk="1"/>
+                      <a:endParaRPr lang="ko-KR" altLang="en-US" dirty="0">
+                        <a:ln>
+                          <a:solidFill>
+                            <a:schemeClr val="accent1"/>
+                          </a:solidFill>
+                        </a:ln>
+                      </a:endParaRPr>
+                    </a:p>
+                  </a:txBody>
+                  <a:tcPr>
+                    <a:lnL w="6350" cap="flat" cmpd="sng" algn="ctr">
+                      <a:solidFill>
+                        <a:schemeClr val="tx1"/>
+                      </a:solidFill>
+                      <a:prstDash val="solid"/>
+                      <a:round/>
+                      <a:headEnd type="none" w="med" len="med"/>
+                      <a:tailEnd type="none" w="med" len="med"/>
+                    </a:lnL>
+                    <a:lnR w="12700" cap="flat" cmpd="sng" algn="ctr">
+                      <a:noFill/>
+                      <a:prstDash val="solid"/>
+                      <a:round/>
+                      <a:headEnd type="none" w="med" len="med"/>
+                      <a:tailEnd type="none" w="med" len="med"/>
+                    </a:lnR>
+                    <a:lnT w="6350" cap="flat" cmpd="sng" algn="ctr">
+                      <a:solidFill>
+                        <a:schemeClr val="tx1"/>
+                      </a:solidFill>
+                      <a:prstDash val="solid"/>
+                      <a:round/>
+                      <a:headEnd type="none" w="med" len="med"/>
+                      <a:tailEnd type="none" w="med" len="med"/>
+                    </a:lnT>
+                    <a:lnB w="19050" cap="flat" cmpd="sng" algn="ctr">
+                      <a:solidFill>
+                        <a:schemeClr val="tx1"/>
+                      </a:solidFill>
+                      <a:prstDash val="solid"/>
+                      <a:round/>
+                      <a:headEnd type="none" w="med" len="med"/>
+                      <a:tailEnd type="none" w="med" len="med"/>
+                    </a:lnB>
+                    <a:lnTlToBr w="12700" cmpd="sng">
+                      <a:noFill/>
+                      <a:prstDash val="solid"/>
+                    </a:lnTlToBr>
+                    <a:lnBlToTr w="12700" cmpd="sng">
+                      <a:noFill/>
+                      <a:prstDash val="solid"/>
+                    </a:lnBlToTr>
+                    <a:noFill/>
+                  </a:tcPr>
+                </a:tc>
+                <a:extLst>
+                  <a:ext uri="{0D108BD9-81ED-4DB2-BD59-A6C34878D82A}">
+                    <a16:rowId xmlns:a16="http://schemas.microsoft.com/office/drawing/2014/main" val="265471156"/>
+                  </a:ext>
+                </a:extLst>
+              </a:tr>
+            </a:tbl>
+          </a:graphicData>
+        </a:graphic>
+      </p:graphicFrame>
     </p:spTree>
     <p:extLst>
       <p:ext uri="{BB962C8B-B14F-4D97-AF65-F5344CB8AC3E}">
@@ -1709,6 +5458,56 @@
       </p:grpSpPr>
       <p:sp>
         <p:nvSpPr>
+          <p:cNvPr id="5" name="직사각형 4"/>
+          <p:cNvSpPr/>
+          <p:nvPr/>
+        </p:nvSpPr>
+        <p:spPr>
+          <a:xfrm>
+            <a:off x="588000" y="1809000"/>
+            <a:ext cx="8408925" cy="4095000"/>
+          </a:xfrm>
+          <a:prstGeom prst="rect">
+            <a:avLst/>
+          </a:prstGeom>
+          <a:pattFill prst="ltDnDiag">
+            <a:fgClr>
+              <a:schemeClr val="bg1">
+                <a:lumMod val="85000"/>
+              </a:schemeClr>
+            </a:fgClr>
+            <a:bgClr>
+              <a:schemeClr val="bg1"/>
+            </a:bgClr>
+          </a:pattFill>
+        </p:spPr>
+        <p:style>
+          <a:lnRef idx="2">
+            <a:schemeClr val="accent1">
+              <a:shade val="50000"/>
+            </a:schemeClr>
+          </a:lnRef>
+          <a:fillRef idx="1">
+            <a:schemeClr val="accent1"/>
+          </a:fillRef>
+          <a:effectRef idx="0">
+            <a:schemeClr val="accent1"/>
+          </a:effectRef>
+          <a:fontRef idx="minor">
+            <a:schemeClr val="lt1"/>
+          </a:fontRef>
+        </p:style>
+        <p:txBody>
+          <a:bodyPr rtlCol="0" anchor="ctr"/>
+          <a:lstStyle/>
+          <a:p>
+            <a:pPr algn="ctr"/>
+            <a:endParaRPr lang="ko-KR" altLang="en-US"/>
+          </a:p>
+        </p:txBody>
+      </p:sp>
+      <p:sp>
+        <p:nvSpPr>
           <p:cNvPr id="2" name="제목 1"/>
           <p:cNvSpPr>
             <a:spLocks noGrp="1"/>
@@ -1741,6 +5540,65 @@
           <a:bodyPr/>
           <a:lstStyle/>
           <a:p>
+            <a:endParaRPr lang="ko-KR" altLang="en-US"/>
+          </a:p>
+        </p:txBody>
+      </p:sp>
+      <p:sp>
+        <p:nvSpPr>
+          <p:cNvPr id="4" name="오각형 3"/>
+          <p:cNvSpPr/>
+          <p:nvPr/>
+        </p:nvSpPr>
+        <p:spPr>
+          <a:xfrm>
+            <a:off x="903000" y="2079000"/>
+            <a:ext cx="1845000" cy="1620000"/>
+          </a:xfrm>
+          <a:prstGeom prst="homePlate">
+            <a:avLst>
+              <a:gd name="adj" fmla="val 16505"/>
+            </a:avLst>
+          </a:prstGeom>
+          <a:solidFill>
+            <a:schemeClr val="bg1">
+              <a:lumMod val="85000"/>
+            </a:schemeClr>
+          </a:solidFill>
+          <a:ln w="28575">
+            <a:solidFill>
+              <a:schemeClr val="tx1"/>
+            </a:solidFill>
+          </a:ln>
+          <a:effectLst>
+            <a:outerShdw blurRad="50800" dist="38100" dir="2700000" algn="tl" rotWithShape="0">
+              <a:prstClr val="black">
+                <a:alpha val="40000"/>
+              </a:prstClr>
+            </a:outerShdw>
+          </a:effectLst>
+        </p:spPr>
+        <p:style>
+          <a:lnRef idx="2">
+            <a:schemeClr val="accent1">
+              <a:shade val="50000"/>
+            </a:schemeClr>
+          </a:lnRef>
+          <a:fillRef idx="1">
+            <a:schemeClr val="accent1"/>
+          </a:fillRef>
+          <a:effectRef idx="0">
+            <a:schemeClr val="accent1"/>
+          </a:effectRef>
+          <a:fontRef idx="minor">
+            <a:schemeClr val="lt1"/>
+          </a:fontRef>
+        </p:style>
+        <p:txBody>
+          <a:bodyPr rtlCol="0" anchor="ctr"/>
+          <a:lstStyle/>
+          <a:p>
+            <a:pPr algn="ctr"/>
             <a:endParaRPr lang="ko-KR" altLang="en-US"/>
           </a:p>
         </p:txBody>
@@ -1820,6 +5678,186 @@
           </a:p>
         </p:txBody>
       </p:sp>
+      <p:sp>
+        <p:nvSpPr>
+          <p:cNvPr id="4" name="직사각형 3"/>
+          <p:cNvSpPr/>
+          <p:nvPr/>
+        </p:nvSpPr>
+        <p:spPr>
+          <a:xfrm>
+            <a:off x="1758000" y="1674000"/>
+            <a:ext cx="4455000" cy="4455000"/>
+          </a:xfrm>
+          <a:prstGeom prst="rect">
+            <a:avLst/>
+          </a:prstGeom>
+          <a:noFill/>
+          <a:ln>
+            <a:solidFill>
+              <a:schemeClr val="tx1"/>
+            </a:solidFill>
+          </a:ln>
+        </p:spPr>
+        <p:style>
+          <a:lnRef idx="2">
+            <a:schemeClr val="accent1">
+              <a:shade val="50000"/>
+            </a:schemeClr>
+          </a:lnRef>
+          <a:fillRef idx="1">
+            <a:schemeClr val="accent1"/>
+          </a:fillRef>
+          <a:effectRef idx="0">
+            <a:schemeClr val="accent1"/>
+          </a:effectRef>
+          <a:fontRef idx="minor">
+            <a:schemeClr val="lt1"/>
+          </a:fontRef>
+        </p:style>
+        <p:txBody>
+          <a:bodyPr rtlCol="0" anchor="ctr"/>
+          <a:lstStyle/>
+          <a:p>
+            <a:pPr algn="ctr"/>
+            <a:endParaRPr lang="ko-KR" altLang="en-US"/>
+          </a:p>
+        </p:txBody>
+      </p:sp>
+      <p:cxnSp>
+        <p:nvCxnSpPr>
+          <p:cNvPr id="6" name="직선 연결선 5"/>
+          <p:cNvCxnSpPr>
+            <a:stCxn id="4" idx="1"/>
+            <a:endCxn id="4" idx="3"/>
+          </p:cNvCxnSpPr>
+          <p:nvPr/>
+        </p:nvCxnSpPr>
+        <p:spPr>
+          <a:xfrm>
+            <a:off x="1758000" y="3901500"/>
+            <a:ext cx="4455000" cy="0"/>
+          </a:xfrm>
+          <a:prstGeom prst="line">
+            <a:avLst/>
+          </a:prstGeom>
+          <a:ln>
+            <a:prstDash val="dash"/>
+          </a:ln>
+        </p:spPr>
+        <p:style>
+          <a:lnRef idx="1">
+            <a:schemeClr val="dk1"/>
+          </a:lnRef>
+          <a:fillRef idx="0">
+            <a:schemeClr val="dk1"/>
+          </a:fillRef>
+          <a:effectRef idx="0">
+            <a:schemeClr val="dk1"/>
+          </a:effectRef>
+          <a:fontRef idx="minor">
+            <a:schemeClr val="tx1"/>
+          </a:fontRef>
+        </p:style>
+      </p:cxnSp>
+      <p:cxnSp>
+        <p:nvCxnSpPr>
+          <p:cNvPr id="8" name="직선 연결선 7"/>
+          <p:cNvCxnSpPr>
+            <a:stCxn id="4" idx="0"/>
+            <a:endCxn id="4" idx="2"/>
+          </p:cNvCxnSpPr>
+          <p:nvPr/>
+        </p:nvCxnSpPr>
+        <p:spPr>
+          <a:xfrm>
+            <a:off x="3985500" y="1674000"/>
+            <a:ext cx="0" cy="4455000"/>
+          </a:xfrm>
+          <a:prstGeom prst="line">
+            <a:avLst/>
+          </a:prstGeom>
+          <a:ln>
+            <a:solidFill>
+              <a:schemeClr val="tx1"/>
+            </a:solidFill>
+            <a:prstDash val="dash"/>
+          </a:ln>
+        </p:spPr>
+        <p:style>
+          <a:lnRef idx="1">
+            <a:schemeClr val="accent1"/>
+          </a:lnRef>
+          <a:fillRef idx="0">
+            <a:schemeClr val="accent1"/>
+          </a:fillRef>
+          <a:effectRef idx="0">
+            <a:schemeClr val="accent1"/>
+          </a:effectRef>
+          <a:fontRef idx="minor">
+            <a:schemeClr val="tx1"/>
+          </a:fontRef>
+        </p:style>
+      </p:cxnSp>
+      <p:sp>
+        <p:nvSpPr>
+          <p:cNvPr id="9" name="타원 8"/>
+          <p:cNvSpPr/>
+          <p:nvPr/>
+        </p:nvSpPr>
+        <p:spPr>
+          <a:xfrm>
+            <a:off x="4724962" y="4734000"/>
+            <a:ext cx="810000" cy="810000"/>
+          </a:xfrm>
+          <a:prstGeom prst="ellipse">
+            <a:avLst/>
+          </a:prstGeom>
+          <a:pattFill prst="ltDnDiag">
+            <a:fgClr>
+              <a:schemeClr val="bg1">
+                <a:lumMod val="65000"/>
+              </a:schemeClr>
+            </a:fgClr>
+            <a:bgClr>
+              <a:schemeClr val="bg1"/>
+            </a:bgClr>
+          </a:pattFill>
+          <a:ln>
+            <a:solidFill>
+              <a:schemeClr val="bg1">
+                <a:lumMod val="65000"/>
+                <a:alpha val="98000"/>
+              </a:schemeClr>
+            </a:solidFill>
+            <a:prstDash val="dashDot"/>
+          </a:ln>
+        </p:spPr>
+        <p:style>
+          <a:lnRef idx="2">
+            <a:schemeClr val="accent1">
+              <a:shade val="50000"/>
+            </a:schemeClr>
+          </a:lnRef>
+          <a:fillRef idx="1">
+            <a:schemeClr val="accent1"/>
+          </a:fillRef>
+          <a:effectRef idx="0">
+            <a:schemeClr val="accent1"/>
+          </a:effectRef>
+          <a:fontRef idx="minor">
+            <a:schemeClr val="lt1"/>
+          </a:fontRef>
+        </p:style>
+        <p:txBody>
+          <a:bodyPr rtlCol="0" anchor="ctr"/>
+          <a:lstStyle/>
+          <a:p>
+            <a:pPr algn="ctr"/>
+            <a:endParaRPr lang="ko-KR" altLang="en-US"/>
+          </a:p>
+        </p:txBody>
+      </p:sp>
     </p:spTree>
     <p:extLst>
       <p:ext uri="{BB962C8B-B14F-4D97-AF65-F5344CB8AC3E}">
@@ -1859,6 +5897,214 @@
       </p:grpSpPr>
       <p:sp>
         <p:nvSpPr>
+          <p:cNvPr id="8" name="직사각형 7"/>
+          <p:cNvSpPr/>
+          <p:nvPr/>
+        </p:nvSpPr>
+        <p:spPr>
+          <a:xfrm>
+            <a:off x="4323000" y="1494000"/>
+            <a:ext cx="2160000" cy="2160000"/>
+          </a:xfrm>
+          <a:prstGeom prst="rect">
+            <a:avLst/>
+          </a:prstGeom>
+          <a:solidFill>
+            <a:schemeClr val="bg1">
+              <a:lumMod val="65000"/>
+            </a:schemeClr>
+          </a:solidFill>
+          <a:ln w="28575">
+            <a:solidFill>
+              <a:schemeClr val="bg1">
+                <a:lumMod val="50000"/>
+              </a:schemeClr>
+            </a:solidFill>
+          </a:ln>
+        </p:spPr>
+        <p:style>
+          <a:lnRef idx="2">
+            <a:schemeClr val="accent1">
+              <a:shade val="50000"/>
+            </a:schemeClr>
+          </a:lnRef>
+          <a:fillRef idx="1">
+            <a:schemeClr val="accent1"/>
+          </a:fillRef>
+          <a:effectRef idx="0">
+            <a:schemeClr val="accent1"/>
+          </a:effectRef>
+          <a:fontRef idx="minor">
+            <a:schemeClr val="lt1"/>
+          </a:fontRef>
+        </p:style>
+        <p:txBody>
+          <a:bodyPr rtlCol="0" anchor="ctr"/>
+          <a:lstStyle/>
+          <a:p>
+            <a:pPr algn="ctr"/>
+            <a:endParaRPr lang="ko-KR" altLang="en-US"/>
+          </a:p>
+        </p:txBody>
+      </p:sp>
+      <p:sp>
+        <p:nvSpPr>
+          <p:cNvPr id="9" name="직사각형 8"/>
+          <p:cNvSpPr/>
+          <p:nvPr/>
+        </p:nvSpPr>
+        <p:spPr>
+          <a:xfrm>
+            <a:off x="1555500" y="1494000"/>
+            <a:ext cx="2160000" cy="2160000"/>
+          </a:xfrm>
+          <a:prstGeom prst="rect">
+            <a:avLst/>
+          </a:prstGeom>
+          <a:solidFill>
+            <a:schemeClr val="bg1">
+              <a:lumMod val="75000"/>
+            </a:schemeClr>
+          </a:solidFill>
+          <a:ln w="28575">
+            <a:solidFill>
+              <a:schemeClr val="bg1">
+                <a:lumMod val="50000"/>
+              </a:schemeClr>
+            </a:solidFill>
+          </a:ln>
+        </p:spPr>
+        <p:style>
+          <a:lnRef idx="2">
+            <a:schemeClr val="accent1">
+              <a:shade val="50000"/>
+            </a:schemeClr>
+          </a:lnRef>
+          <a:fillRef idx="1">
+            <a:schemeClr val="accent1"/>
+          </a:fillRef>
+          <a:effectRef idx="0">
+            <a:schemeClr val="accent1"/>
+          </a:effectRef>
+          <a:fontRef idx="minor">
+            <a:schemeClr val="lt1"/>
+          </a:fontRef>
+        </p:style>
+        <p:txBody>
+          <a:bodyPr rtlCol="0" anchor="ctr"/>
+          <a:lstStyle/>
+          <a:p>
+            <a:pPr algn="ctr"/>
+            <a:endParaRPr lang="ko-KR" altLang="en-US"/>
+          </a:p>
+        </p:txBody>
+      </p:sp>
+      <p:sp>
+        <p:nvSpPr>
+          <p:cNvPr id="10" name="직사각형 9"/>
+          <p:cNvSpPr/>
+          <p:nvPr/>
+        </p:nvSpPr>
+        <p:spPr>
+          <a:xfrm>
+            <a:off x="1555500" y="4149000"/>
+            <a:ext cx="2160000" cy="2160000"/>
+          </a:xfrm>
+          <a:prstGeom prst="rect">
+            <a:avLst/>
+          </a:prstGeom>
+          <a:solidFill>
+            <a:schemeClr val="bg1">
+              <a:lumMod val="85000"/>
+            </a:schemeClr>
+          </a:solidFill>
+          <a:ln w="28575">
+            <a:solidFill>
+              <a:schemeClr val="bg1">
+                <a:lumMod val="50000"/>
+              </a:schemeClr>
+            </a:solidFill>
+          </a:ln>
+        </p:spPr>
+        <p:style>
+          <a:lnRef idx="2">
+            <a:schemeClr val="accent1">
+              <a:shade val="50000"/>
+            </a:schemeClr>
+          </a:lnRef>
+          <a:fillRef idx="1">
+            <a:schemeClr val="accent1"/>
+          </a:fillRef>
+          <a:effectRef idx="0">
+            <a:schemeClr val="accent1"/>
+          </a:effectRef>
+          <a:fontRef idx="minor">
+            <a:schemeClr val="lt1"/>
+          </a:fontRef>
+        </p:style>
+        <p:txBody>
+          <a:bodyPr rtlCol="0" anchor="ctr"/>
+          <a:lstStyle/>
+          <a:p>
+            <a:pPr algn="ctr"/>
+            <a:endParaRPr lang="ko-KR" altLang="en-US"/>
+          </a:p>
+        </p:txBody>
+      </p:sp>
+      <p:sp>
+        <p:nvSpPr>
+          <p:cNvPr id="11" name="직사각형 10"/>
+          <p:cNvSpPr/>
+          <p:nvPr/>
+        </p:nvSpPr>
+        <p:spPr>
+          <a:xfrm>
+            <a:off x="4323000" y="4149000"/>
+            <a:ext cx="2160000" cy="2160000"/>
+          </a:xfrm>
+          <a:prstGeom prst="rect">
+            <a:avLst/>
+          </a:prstGeom>
+          <a:solidFill>
+            <a:schemeClr val="bg1">
+              <a:lumMod val="95000"/>
+            </a:schemeClr>
+          </a:solidFill>
+          <a:ln w="28575">
+            <a:solidFill>
+              <a:schemeClr val="bg1">
+                <a:lumMod val="50000"/>
+              </a:schemeClr>
+            </a:solidFill>
+          </a:ln>
+        </p:spPr>
+        <p:style>
+          <a:lnRef idx="2">
+            <a:schemeClr val="accent1">
+              <a:shade val="50000"/>
+            </a:schemeClr>
+          </a:lnRef>
+          <a:fillRef idx="1">
+            <a:schemeClr val="accent1"/>
+          </a:fillRef>
+          <a:effectRef idx="0">
+            <a:schemeClr val="accent1"/>
+          </a:effectRef>
+          <a:fontRef idx="minor">
+            <a:schemeClr val="lt1"/>
+          </a:fontRef>
+        </p:style>
+        <p:txBody>
+          <a:bodyPr rtlCol="0" anchor="ctr"/>
+          <a:lstStyle/>
+          <a:p>
+            <a:pPr algn="ctr"/>
+            <a:endParaRPr lang="ko-KR" altLang="en-US"/>
+          </a:p>
+        </p:txBody>
+      </p:sp>
+      <p:sp>
+        <p:nvSpPr>
           <p:cNvPr id="2" name="제목 1"/>
           <p:cNvSpPr>
             <a:spLocks noGrp="1"/>
@@ -1892,6 +6138,188 @@
           <a:lstStyle/>
           <a:p>
             <a:endParaRPr lang="ko-KR" altLang="en-US"/>
+          </a:p>
+        </p:txBody>
+      </p:sp>
+      <p:sp>
+        <p:nvSpPr>
+          <p:cNvPr id="4" name="직사각형 3"/>
+          <p:cNvSpPr/>
+          <p:nvPr/>
+        </p:nvSpPr>
+        <p:spPr>
+          <a:xfrm>
+            <a:off x="1758000" y="1674000"/>
+            <a:ext cx="4455000" cy="4455000"/>
+          </a:xfrm>
+          <a:prstGeom prst="rect">
+            <a:avLst/>
+          </a:prstGeom>
+          <a:noFill/>
+          <a:ln>
+            <a:solidFill>
+              <a:schemeClr val="tx1"/>
+            </a:solidFill>
+          </a:ln>
+        </p:spPr>
+        <p:style>
+          <a:lnRef idx="2">
+            <a:schemeClr val="accent1">
+              <a:shade val="50000"/>
+            </a:schemeClr>
+          </a:lnRef>
+          <a:fillRef idx="1">
+            <a:schemeClr val="accent1"/>
+          </a:fillRef>
+          <a:effectRef idx="0">
+            <a:schemeClr val="accent1"/>
+          </a:effectRef>
+          <a:fontRef idx="minor">
+            <a:schemeClr val="lt1"/>
+          </a:fontRef>
+        </p:style>
+        <p:txBody>
+          <a:bodyPr rtlCol="0" anchor="ctr"/>
+          <a:lstStyle/>
+          <a:p>
+            <a:pPr algn="ctr"/>
+            <a:endParaRPr lang="ko-KR" altLang="en-US"/>
+          </a:p>
+        </p:txBody>
+      </p:sp>
+      <p:cxnSp>
+        <p:nvCxnSpPr>
+          <p:cNvPr id="5" name="직선 연결선 4"/>
+          <p:cNvCxnSpPr>
+            <a:stCxn id="4" idx="1"/>
+            <a:endCxn id="4" idx="3"/>
+          </p:cNvCxnSpPr>
+          <p:nvPr/>
+        </p:nvCxnSpPr>
+        <p:spPr>
+          <a:xfrm>
+            <a:off x="1758000" y="3901500"/>
+            <a:ext cx="4455000" cy="0"/>
+          </a:xfrm>
+          <a:prstGeom prst="line">
+            <a:avLst/>
+          </a:prstGeom>
+          <a:ln>
+            <a:prstDash val="dash"/>
+          </a:ln>
+        </p:spPr>
+        <p:style>
+          <a:lnRef idx="1">
+            <a:schemeClr val="dk1"/>
+          </a:lnRef>
+          <a:fillRef idx="0">
+            <a:schemeClr val="dk1"/>
+          </a:fillRef>
+          <a:effectRef idx="0">
+            <a:schemeClr val="dk1"/>
+          </a:effectRef>
+          <a:fontRef idx="minor">
+            <a:schemeClr val="tx1"/>
+          </a:fontRef>
+        </p:style>
+      </p:cxnSp>
+      <p:cxnSp>
+        <p:nvCxnSpPr>
+          <p:cNvPr id="6" name="직선 연결선 5"/>
+          <p:cNvCxnSpPr>
+            <a:stCxn id="4" idx="0"/>
+            <a:endCxn id="4" idx="2"/>
+          </p:cNvCxnSpPr>
+          <p:nvPr/>
+        </p:nvCxnSpPr>
+        <p:spPr>
+          <a:xfrm>
+            <a:off x="3985500" y="1674000"/>
+            <a:ext cx="0" cy="4455000"/>
+          </a:xfrm>
+          <a:prstGeom prst="line">
+            <a:avLst/>
+          </a:prstGeom>
+          <a:ln>
+            <a:solidFill>
+              <a:schemeClr val="tx1"/>
+            </a:solidFill>
+            <a:prstDash val="dash"/>
+          </a:ln>
+        </p:spPr>
+        <p:style>
+          <a:lnRef idx="1">
+            <a:schemeClr val="accent1"/>
+          </a:lnRef>
+          <a:fillRef idx="0">
+            <a:schemeClr val="accent1"/>
+          </a:fillRef>
+          <a:effectRef idx="0">
+            <a:schemeClr val="accent1"/>
+          </a:effectRef>
+          <a:fontRef idx="minor">
+            <a:schemeClr val="tx1"/>
+          </a:fontRef>
+        </p:style>
+      </p:cxnSp>
+      <p:sp>
+        <p:nvSpPr>
+          <p:cNvPr id="13" name="원형 12"/>
+          <p:cNvSpPr/>
+          <p:nvPr/>
+        </p:nvSpPr>
+        <p:spPr>
+          <a:xfrm rot="5400000">
+            <a:off x="5448000" y="909000"/>
+            <a:ext cx="1530000" cy="1530000"/>
+          </a:xfrm>
+          <a:prstGeom prst="pie">
+            <a:avLst>
+              <a:gd name="adj1" fmla="val 0"/>
+              <a:gd name="adj2" fmla="val 5368712"/>
+            </a:avLst>
+          </a:prstGeom>
+          <a:pattFill prst="ltUpDiag">
+            <a:fgClr>
+              <a:schemeClr val="accent1"/>
+            </a:fgClr>
+            <a:bgClr>
+              <a:schemeClr val="bg1"/>
+            </a:bgClr>
+          </a:pattFill>
+          <a:ln w="19050" cmpd="sng">
+            <a:solidFill>
+              <a:srgbClr val="FF0000"/>
+            </a:solidFill>
+            <a:prstDash val="dash"/>
+          </a:ln>
+        </p:spPr>
+        <p:style>
+          <a:lnRef idx="2">
+            <a:schemeClr val="accent1">
+              <a:shade val="50000"/>
+            </a:schemeClr>
+          </a:lnRef>
+          <a:fillRef idx="1">
+            <a:schemeClr val="accent1"/>
+          </a:fillRef>
+          <a:effectRef idx="0">
+            <a:schemeClr val="accent1"/>
+          </a:effectRef>
+          <a:fontRef idx="minor">
+            <a:schemeClr val="lt1"/>
+          </a:fontRef>
+        </p:style>
+        <p:txBody>
+          <a:bodyPr rtlCol="0" anchor="ctr"/>
+          <a:lstStyle/>
+          <a:p>
+            <a:pPr algn="ctr"/>
+            <a:endParaRPr lang="ko-KR" altLang="en-US">
+              <a:solidFill>
+                <a:schemeClr val="tx1"/>
+              </a:solidFill>
+            </a:endParaRPr>
           </a:p>
         </p:txBody>
       </p:sp>
@@ -1970,6 +6398,30 @@
           </a:p>
         </p:txBody>
       </p:sp>
+      <p:graphicFrame>
+        <p:nvGraphicFramePr>
+          <p:cNvPr id="4" name="차트 3"/>
+          <p:cNvGraphicFramePr>
+            <a:graphicFrameLocks/>
+          </p:cNvGraphicFramePr>
+          <p:nvPr>
+            <p:extLst>
+              <p:ext uri="{D42A27DB-BD31-4B8C-83A1-F6EECF244321}">
+                <p14:modId xmlns:p14="http://schemas.microsoft.com/office/powerpoint/2010/main" val="3624165973"/>
+              </p:ext>
+            </p:extLst>
+          </p:nvPr>
+        </p:nvGraphicFramePr>
+        <p:xfrm>
+          <a:off x="3371850" y="2522764"/>
+          <a:ext cx="3162300" cy="1812471"/>
+        </p:xfrm>
+        <a:graphic>
+          <a:graphicData uri="http://schemas.openxmlformats.org/drawingml/2006/chart">
+            <c:chart xmlns:c="http://schemas.openxmlformats.org/drawingml/2006/chart" xmlns:r="http://schemas.openxmlformats.org/officeDocument/2006/relationships" r:id="rId2"/>
+          </a:graphicData>
+        </a:graphic>
+      </p:graphicFrame>
     </p:spTree>
     <p:extLst>
       <p:ext uri="{BB962C8B-B14F-4D97-AF65-F5344CB8AC3E}">
@@ -2045,10 +6497,109 @@
           </a:p>
         </p:txBody>
       </p:sp>
+      <p:graphicFrame>
+        <p:nvGraphicFramePr>
+          <p:cNvPr id="4" name="차트 3"/>
+          <p:cNvGraphicFramePr>
+            <a:graphicFrameLocks/>
+          </p:cNvGraphicFramePr>
+          <p:nvPr>
+            <p:extLst>
+              <p:ext uri="{D42A27DB-BD31-4B8C-83A1-F6EECF244321}">
+                <p14:modId xmlns:p14="http://schemas.microsoft.com/office/powerpoint/2010/main" val="57258428"/>
+              </p:ext>
+            </p:extLst>
+          </p:nvPr>
+        </p:nvGraphicFramePr>
+        <p:xfrm>
+          <a:off x="1308000" y="1674000"/>
+          <a:ext cx="6423324" cy="3918499"/>
+        </p:xfrm>
+        <a:graphic>
+          <a:graphicData uri="http://schemas.openxmlformats.org/drawingml/2006/chart">
+            <c:chart xmlns:c="http://schemas.openxmlformats.org/drawingml/2006/chart" xmlns:r="http://schemas.openxmlformats.org/officeDocument/2006/relationships" r:id="rId2"/>
+          </a:graphicData>
+        </a:graphic>
+      </p:graphicFrame>
     </p:spTree>
     <p:extLst>
       <p:ext uri="{BB962C8B-B14F-4D97-AF65-F5344CB8AC3E}">
         <p14:creationId xmlns:p14="http://schemas.microsoft.com/office/powerpoint/2010/main" val="2324391976"/>
+      </p:ext>
+    </p:extLst>
+  </p:cSld>
+  <p:clrMapOvr>
+    <a:masterClrMapping/>
+  </p:clrMapOvr>
+  <p:timing>
+    <p:tnLst>
+      <p:par>
+        <p:cTn id="1" dur="indefinite" restart="never" nodeType="tmRoot"/>
+      </p:par>
+    </p:tnLst>
+  </p:timing>
+</p:sld>
+</file>
+
+<file path=ppt/slides/slide9.xml><?xml version="1.0" encoding="utf-8"?>
+<p:sld xmlns:a="http://schemas.openxmlformats.org/drawingml/2006/main" xmlns:r="http://schemas.openxmlformats.org/officeDocument/2006/relationships" xmlns:p="http://schemas.openxmlformats.org/presentationml/2006/main">
+  <p:cSld>
+    <p:spTree>
+      <p:nvGrpSpPr>
+        <p:cNvPr id="1" name=""/>
+        <p:cNvGrpSpPr/>
+        <p:nvPr/>
+      </p:nvGrpSpPr>
+      <p:grpSpPr>
+        <a:xfrm>
+          <a:off x="0" y="0"/>
+          <a:ext cx="0" cy="0"/>
+          <a:chOff x="0" y="0"/>
+          <a:chExt cx="0" cy="0"/>
+        </a:xfrm>
+      </p:grpSpPr>
+      <p:sp>
+        <p:nvSpPr>
+          <p:cNvPr id="2" name="제목 1"/>
+          <p:cNvSpPr>
+            <a:spLocks noGrp="1"/>
+          </p:cNvSpPr>
+          <p:nvPr>
+            <p:ph type="title"/>
+          </p:nvPr>
+        </p:nvSpPr>
+        <p:spPr/>
+        <p:txBody>
+          <a:bodyPr/>
+          <a:lstStyle/>
+          <a:p>
+            <a:endParaRPr lang="ko-KR" altLang="en-US"/>
+          </a:p>
+        </p:txBody>
+      </p:sp>
+      <p:sp>
+        <p:nvSpPr>
+          <p:cNvPr id="3" name="내용 개체 틀 2"/>
+          <p:cNvSpPr>
+            <a:spLocks noGrp="1"/>
+          </p:cNvSpPr>
+          <p:nvPr>
+            <p:ph idx="1"/>
+          </p:nvPr>
+        </p:nvSpPr>
+        <p:spPr/>
+        <p:txBody>
+          <a:bodyPr/>
+          <a:lstStyle/>
+          <a:p>
+            <a:endParaRPr lang="ko-KR" altLang="en-US"/>
+          </a:p>
+        </p:txBody>
+      </p:sp>
+    </p:spTree>
+    <p:extLst>
+      <p:ext uri="{BB962C8B-B14F-4D97-AF65-F5344CB8AC3E}">
+        <p14:creationId xmlns:p14="http://schemas.microsoft.com/office/powerpoint/2010/main" val="804623611"/>
       </p:ext>
     </p:extLst>
   </p:cSld>
